--- a/files/eda_study.pptx
+++ b/files/eda_study.pptx
@@ -5,11 +5,12 @@
     <p:sldMasterId id="2147483648" r:id="rId1"/>
   </p:sldMasterIdLst>
   <p:sldIdLst>
-    <p:sldId id="291" r:id="rId2"/>
-    <p:sldId id="292" r:id="rId3"/>
+    <p:sldId id="292" r:id="rId2"/>
+    <p:sldId id="293" r:id="rId3"/>
+    <p:sldId id="294" r:id="rId4"/>
   </p:sldIdLst>
   <p:sldSz cx="12192000" cy="6858000"/>
-  <p:notesSz cx="6858000" cy="9144000"/>
+  <p:notesSz cx="7104063" cy="10234613"/>
   <p:defaultTextStyle>
     <a:defPPr>
       <a:defRPr lang="ko-KR"/>
@@ -271,7 +272,7 @@
           <a:p>
             <a:fld id="{246E467A-4026-4A8D-97BF-715EF7FA6491}" type="datetimeFigureOut">
               <a:rPr lang="ko-KR" altLang="en-US" smtClean="0"/>
-              <a:t>2025-12-18</a:t>
+              <a:t>2025-12-21</a:t>
             </a:fld>
             <a:endParaRPr lang="ko-KR" altLang="en-US"/>
           </a:p>
@@ -469,7 +470,7 @@
           <a:p>
             <a:fld id="{246E467A-4026-4A8D-97BF-715EF7FA6491}" type="datetimeFigureOut">
               <a:rPr lang="ko-KR" altLang="en-US" smtClean="0"/>
-              <a:t>2025-12-18</a:t>
+              <a:t>2025-12-21</a:t>
             </a:fld>
             <a:endParaRPr lang="ko-KR" altLang="en-US"/>
           </a:p>
@@ -677,7 +678,7 @@
           <a:p>
             <a:fld id="{246E467A-4026-4A8D-97BF-715EF7FA6491}" type="datetimeFigureOut">
               <a:rPr lang="ko-KR" altLang="en-US" smtClean="0"/>
-              <a:t>2025-12-18</a:t>
+              <a:t>2025-12-21</a:t>
             </a:fld>
             <a:endParaRPr lang="ko-KR" altLang="en-US"/>
           </a:p>
@@ -875,7 +876,7 @@
           <a:p>
             <a:fld id="{246E467A-4026-4A8D-97BF-715EF7FA6491}" type="datetimeFigureOut">
               <a:rPr lang="ko-KR" altLang="en-US" smtClean="0"/>
-              <a:t>2025-12-18</a:t>
+              <a:t>2025-12-21</a:t>
             </a:fld>
             <a:endParaRPr lang="ko-KR" altLang="en-US"/>
           </a:p>
@@ -1150,7 +1151,7 @@
           <a:p>
             <a:fld id="{246E467A-4026-4A8D-97BF-715EF7FA6491}" type="datetimeFigureOut">
               <a:rPr lang="ko-KR" altLang="en-US" smtClean="0"/>
-              <a:t>2025-12-18</a:t>
+              <a:t>2025-12-21</a:t>
             </a:fld>
             <a:endParaRPr lang="ko-KR" altLang="en-US"/>
           </a:p>
@@ -1415,7 +1416,7 @@
           <a:p>
             <a:fld id="{246E467A-4026-4A8D-97BF-715EF7FA6491}" type="datetimeFigureOut">
               <a:rPr lang="ko-KR" altLang="en-US" smtClean="0"/>
-              <a:t>2025-12-18</a:t>
+              <a:t>2025-12-21</a:t>
             </a:fld>
             <a:endParaRPr lang="ko-KR" altLang="en-US"/>
           </a:p>
@@ -1827,7 +1828,7 @@
           <a:p>
             <a:fld id="{246E467A-4026-4A8D-97BF-715EF7FA6491}" type="datetimeFigureOut">
               <a:rPr lang="ko-KR" altLang="en-US" smtClean="0"/>
-              <a:t>2025-12-18</a:t>
+              <a:t>2025-12-21</a:t>
             </a:fld>
             <a:endParaRPr lang="ko-KR" altLang="en-US"/>
           </a:p>
@@ -1968,7 +1969,7 @@
           <a:p>
             <a:fld id="{246E467A-4026-4A8D-97BF-715EF7FA6491}" type="datetimeFigureOut">
               <a:rPr lang="ko-KR" altLang="en-US" smtClean="0"/>
-              <a:t>2025-12-18</a:t>
+              <a:t>2025-12-21</a:t>
             </a:fld>
             <a:endParaRPr lang="ko-KR" altLang="en-US"/>
           </a:p>
@@ -2081,7 +2082,7 @@
           <a:p>
             <a:fld id="{246E467A-4026-4A8D-97BF-715EF7FA6491}" type="datetimeFigureOut">
               <a:rPr lang="ko-KR" altLang="en-US" smtClean="0"/>
-              <a:t>2025-12-18</a:t>
+              <a:t>2025-12-21</a:t>
             </a:fld>
             <a:endParaRPr lang="ko-KR" altLang="en-US"/>
           </a:p>
@@ -2392,7 +2393,7 @@
           <a:p>
             <a:fld id="{246E467A-4026-4A8D-97BF-715EF7FA6491}" type="datetimeFigureOut">
               <a:rPr lang="ko-KR" altLang="en-US" smtClean="0"/>
-              <a:t>2025-12-18</a:t>
+              <a:t>2025-12-21</a:t>
             </a:fld>
             <a:endParaRPr lang="ko-KR" altLang="en-US"/>
           </a:p>
@@ -2680,7 +2681,7 @@
           <a:p>
             <a:fld id="{246E467A-4026-4A8D-97BF-715EF7FA6491}" type="datetimeFigureOut">
               <a:rPr lang="ko-KR" altLang="en-US" smtClean="0"/>
-              <a:t>2025-12-18</a:t>
+              <a:t>2025-12-21</a:t>
             </a:fld>
             <a:endParaRPr lang="ko-KR" altLang="en-US"/>
           </a:p>
@@ -2921,7 +2922,7 @@
           <a:p>
             <a:fld id="{246E467A-4026-4A8D-97BF-715EF7FA6491}" type="datetimeFigureOut">
               <a:rPr lang="ko-KR" altLang="en-US" smtClean="0"/>
-              <a:t>2025-12-18</a:t>
+              <a:t>2025-12-21</a:t>
             </a:fld>
             <a:endParaRPr lang="ko-KR" altLang="en-US"/>
           </a:p>
@@ -3329,7 +3330,7 @@
         <p:cNvPr id="1" name="">
           <a:extLst>
             <a:ext uri="{FF2B5EF4-FFF2-40B4-BE49-F238E27FC236}">
-              <a16:creationId xmlns:a16="http://schemas.microsoft.com/office/drawing/2014/main" id="{03F3DA2E-5F93-4750-C35F-910A5A431270}"/>
+              <a16:creationId xmlns:a16="http://schemas.microsoft.com/office/drawing/2014/main" id="{1F42D885-AC57-54B7-F957-17157F19EB18}"/>
             </a:ext>
           </a:extLst>
         </p:cNvPr>
@@ -3344,3181 +3345,48 @@
           <a:chExt cx="0" cy="0"/>
         </a:xfrm>
       </p:grpSpPr>
-      <p:sp>
-        <p:nvSpPr>
-          <p:cNvPr id="31" name="직사각형 30">
-            <a:extLst>
-              <a:ext uri="{FF2B5EF4-FFF2-40B4-BE49-F238E27FC236}">
-                <a16:creationId xmlns:a16="http://schemas.microsoft.com/office/drawing/2014/main" id="{DCE83897-5218-6F46-F20B-7550E42C0769}"/>
-              </a:ext>
-            </a:extLst>
-          </p:cNvPr>
-          <p:cNvSpPr/>
+      <p:pic>
+        <p:nvPicPr>
+          <p:cNvPr id="5" name="그림 4">
+            <a:extLst>
+              <a:ext uri="{FF2B5EF4-FFF2-40B4-BE49-F238E27FC236}">
+                <a16:creationId xmlns:a16="http://schemas.microsoft.com/office/drawing/2014/main" id="{CAECAEBA-911B-AB80-AB34-CE8C184D87CC}"/>
+              </a:ext>
+            </a:extLst>
+          </p:cNvPr>
+          <p:cNvPicPr>
+            <a:picLocks noChangeAspect="1"/>
+          </p:cNvPicPr>
           <p:nvPr/>
-        </p:nvSpPr>
+        </p:nvPicPr>
+        <p:blipFill rotWithShape="1">
+          <a:blip r:embed="rId2" cstate="screen">
+            <a:alphaModFix amt="86000"/>
+            <a:extLst>
+              <a:ext uri="{28A0092B-C50C-407E-A947-70E740481C1C}">
+                <a14:useLocalDpi xmlns:a14="http://schemas.microsoft.com/office/drawing/2010/main" val="0"/>
+              </a:ext>
+            </a:extLst>
+          </a:blip>
+          <a:srcRect/>
+          <a:stretch/>
+        </p:blipFill>
         <p:spPr>
           <a:xfrm>
-            <a:off x="6258416" y="3868124"/>
-            <a:ext cx="5405030" cy="2370285"/>
+            <a:off x="7340678" y="914976"/>
+            <a:ext cx="4851322" cy="5457737"/>
           </a:xfrm>
           <a:prstGeom prst="rect">
             <a:avLst/>
           </a:prstGeom>
-          <a:solidFill>
-            <a:srgbClr val="E5E2E0"/>
-          </a:solidFill>
-          <a:ln>
-            <a:noFill/>
-          </a:ln>
         </p:spPr>
-        <p:style>
-          <a:lnRef idx="0">
-            <a:scrgbClr r="0" g="0" b="0"/>
-          </a:lnRef>
-          <a:fillRef idx="0">
-            <a:scrgbClr r="0" g="0" b="0"/>
-          </a:fillRef>
-          <a:effectRef idx="0">
-            <a:scrgbClr r="0" g="0" b="0"/>
-          </a:effectRef>
-          <a:fontRef idx="minor">
-            <a:schemeClr val="lt1"/>
-          </a:fontRef>
-        </p:style>
-        <p:txBody>
-          <a:bodyPr rtlCol="0" anchor="ctr"/>
-          <a:lstStyle/>
-          <a:p>
-            <a:pPr algn="ctr"/>
-            <a:endParaRPr lang="ko-KR" altLang="en-US">
-              <a:solidFill>
-                <a:schemeClr val="bg1"/>
-              </a:solidFill>
-            </a:endParaRPr>
-          </a:p>
-        </p:txBody>
-      </p:sp>
-      <p:graphicFrame>
-        <p:nvGraphicFramePr>
-          <p:cNvPr id="5" name="표 4">
-            <a:extLst>
-              <a:ext uri="{FF2B5EF4-FFF2-40B4-BE49-F238E27FC236}">
-                <a16:creationId xmlns:a16="http://schemas.microsoft.com/office/drawing/2014/main" id="{31CD9DAE-D6C1-2B67-A5D0-206D20690A63}"/>
-              </a:ext>
-            </a:extLst>
-          </p:cNvPr>
-          <p:cNvGraphicFramePr>
-            <a:graphicFrameLocks noGrp="1"/>
-          </p:cNvGraphicFramePr>
-          <p:nvPr/>
-        </p:nvGraphicFramePr>
-        <p:xfrm>
-          <a:off x="6250256" y="3850540"/>
-          <a:ext cx="5413190" cy="2370285"/>
-        </p:xfrm>
-        <a:graphic>
-          <a:graphicData uri="http://schemas.openxmlformats.org/drawingml/2006/table">
-            <a:tbl>
-              <a:tblPr firstRow="1" bandRow="1">
-                <a:tableStyleId>{5940675A-B579-460E-94D1-54222C63F5DA}</a:tableStyleId>
-              </a:tblPr>
-              <a:tblGrid>
-                <a:gridCol w="1082638">
-                  <a:extLst>
-                    <a:ext uri="{9D8B030D-6E8A-4147-A177-3AD203B41FA5}">
-                      <a16:colId xmlns:a16="http://schemas.microsoft.com/office/drawing/2014/main" val="2870540225"/>
-                    </a:ext>
-                  </a:extLst>
-                </a:gridCol>
-                <a:gridCol w="1082638">
-                  <a:extLst>
-                    <a:ext uri="{9D8B030D-6E8A-4147-A177-3AD203B41FA5}">
-                      <a16:colId xmlns:a16="http://schemas.microsoft.com/office/drawing/2014/main" val="2004156018"/>
-                    </a:ext>
-                  </a:extLst>
-                </a:gridCol>
-                <a:gridCol w="1082638">
-                  <a:extLst>
-                    <a:ext uri="{9D8B030D-6E8A-4147-A177-3AD203B41FA5}">
-                      <a16:colId xmlns:a16="http://schemas.microsoft.com/office/drawing/2014/main" val="1439812862"/>
-                    </a:ext>
-                  </a:extLst>
-                </a:gridCol>
-                <a:gridCol w="1082638">
-                  <a:extLst>
-                    <a:ext uri="{9D8B030D-6E8A-4147-A177-3AD203B41FA5}">
-                      <a16:colId xmlns:a16="http://schemas.microsoft.com/office/drawing/2014/main" val="2047450063"/>
-                    </a:ext>
-                  </a:extLst>
-                </a:gridCol>
-                <a:gridCol w="1082638">
-                  <a:extLst>
-                    <a:ext uri="{9D8B030D-6E8A-4147-A177-3AD203B41FA5}">
-                      <a16:colId xmlns:a16="http://schemas.microsoft.com/office/drawing/2014/main" val="4284352567"/>
-                    </a:ext>
-                  </a:extLst>
-                </a:gridCol>
-              </a:tblGrid>
-              <a:tr h="422944">
-                <a:tc>
-                  <a:txBody>
-                    <a:bodyPr/>
-                    <a:lstStyle/>
-                    <a:p>
-                      <a:pPr latinLnBrk="1"/>
-                      <a:r>
-                        <a:rPr lang="en-US" altLang="ko-KR" dirty="0"/>
-                        <a:t>12.22</a:t>
-                      </a:r>
-                      <a:endParaRPr lang="ko-KR" altLang="en-US" dirty="0"/>
-                    </a:p>
-                  </a:txBody>
-                  <a:tcPr/>
-                </a:tc>
-                <a:tc>
-                  <a:txBody>
-                    <a:bodyPr/>
-                    <a:lstStyle/>
-                    <a:p>
-                      <a:pPr latinLnBrk="1"/>
-                      <a:r>
-                        <a:rPr lang="en-US" altLang="ko-KR" dirty="0"/>
-                        <a:t>12.23</a:t>
-                      </a:r>
-                      <a:endParaRPr lang="ko-KR" altLang="en-US" dirty="0"/>
-                    </a:p>
-                  </a:txBody>
-                  <a:tcPr/>
-                </a:tc>
-                <a:tc>
-                  <a:txBody>
-                    <a:bodyPr/>
-                    <a:lstStyle/>
-                    <a:p>
-                      <a:pPr latinLnBrk="1"/>
-                      <a:r>
-                        <a:rPr lang="en-US" altLang="ko-KR" dirty="0"/>
-                        <a:t>12.24</a:t>
-                      </a:r>
-                      <a:endParaRPr lang="ko-KR" altLang="en-US" dirty="0"/>
-                    </a:p>
-                  </a:txBody>
-                  <a:tcPr/>
-                </a:tc>
-                <a:tc>
-                  <a:txBody>
-                    <a:bodyPr/>
-                    <a:lstStyle/>
-                    <a:p>
-                      <a:pPr latinLnBrk="1"/>
-                      <a:r>
-                        <a:rPr lang="en-US" altLang="ko-KR" dirty="0"/>
-                        <a:t>12.25</a:t>
-                      </a:r>
-                      <a:endParaRPr lang="ko-KR" altLang="en-US" dirty="0"/>
-                    </a:p>
-                  </a:txBody>
-                  <a:tcPr/>
-                </a:tc>
-                <a:tc>
-                  <a:txBody>
-                    <a:bodyPr/>
-                    <a:lstStyle/>
-                    <a:p>
-                      <a:pPr latinLnBrk="1"/>
-                      <a:r>
-                        <a:rPr lang="en-US" altLang="ko-KR" dirty="0"/>
-                        <a:t>12.26</a:t>
-                      </a:r>
-                      <a:endParaRPr lang="ko-KR" altLang="en-US" dirty="0"/>
-                    </a:p>
-                  </a:txBody>
-                  <a:tcPr/>
-                </a:tc>
-                <a:extLst>
-                  <a:ext uri="{0D108BD9-81ED-4DB2-BD59-A6C34878D82A}">
-                    <a16:rowId xmlns:a16="http://schemas.microsoft.com/office/drawing/2014/main" val="3987292969"/>
-                  </a:ext>
-                </a:extLst>
-              </a:tr>
-              <a:tr h="1947341">
-                <a:tc>
-                  <a:txBody>
-                    <a:bodyPr/>
-                    <a:lstStyle/>
-                    <a:p>
-                      <a:pPr marL="0" indent="0" algn="l" defTabSz="914400" rtl="0" eaLnBrk="1" latinLnBrk="1" hangingPunct="1">
-                        <a:buFontTx/>
-                        <a:buNone/>
-                      </a:pPr>
-                      <a:r>
-                        <a:rPr lang="en-US" altLang="ko-KR" sz="1400" kern="1200" dirty="0">
-                          <a:solidFill>
-                            <a:schemeClr val="tx1"/>
-                          </a:solidFill>
-                          <a:latin typeface="Noto Sans KR Medium" panose="020B0200000000000000" pitchFamily="50" charset="-127"/>
-                          <a:ea typeface="Noto Sans KR Medium" panose="020B0200000000000000" pitchFamily="50" charset="-127"/>
-                          <a:cs typeface="+mn-cs"/>
-                        </a:rPr>
-                        <a:t>• </a:t>
-                      </a:r>
-                      <a:r>
-                        <a:rPr lang="ko-KR" altLang="en-US" sz="1400" kern="1200" dirty="0">
-                          <a:solidFill>
-                            <a:schemeClr val="tx1"/>
-                          </a:solidFill>
-                          <a:latin typeface="Noto Sans KR Medium" panose="020B0200000000000000" pitchFamily="50" charset="-127"/>
-                          <a:ea typeface="Noto Sans KR Medium" panose="020B0200000000000000" pitchFamily="50" charset="-127"/>
-                          <a:cs typeface="+mn-cs"/>
-                        </a:rPr>
-                        <a:t>자료 정리 취합</a:t>
-                      </a:r>
-                      <a:endParaRPr lang="en-US" altLang="ko-KR" sz="1200" dirty="0">
-                        <a:latin typeface="Noto Sans KR Medium" panose="020B0200000000000000" pitchFamily="50" charset="-127"/>
-                        <a:ea typeface="Noto Sans KR Medium" panose="020B0200000000000000" pitchFamily="50" charset="-127"/>
-                      </a:endParaRPr>
-                    </a:p>
-                    <a:p>
-                      <a:pPr latinLnBrk="1"/>
-                      <a:endParaRPr lang="ko-KR" altLang="en-US" dirty="0">
-                        <a:latin typeface="Noto Sans KR Medium" panose="020B0200000000000000" pitchFamily="50" charset="-127"/>
-                        <a:ea typeface="Noto Sans KR Medium" panose="020B0200000000000000" pitchFamily="50" charset="-127"/>
-                      </a:endParaRPr>
-                    </a:p>
-                  </a:txBody>
-                  <a:tcPr/>
-                </a:tc>
-                <a:tc>
-                  <a:txBody>
-                    <a:bodyPr/>
-                    <a:lstStyle/>
-                    <a:p>
-                      <a:pPr marL="0" marR="0" lvl="0" indent="0" algn="l" defTabSz="914400" rtl="0" eaLnBrk="1" fontAlgn="auto" latinLnBrk="1" hangingPunct="1">
-                        <a:lnSpc>
-                          <a:spcPct val="100000"/>
-                        </a:lnSpc>
-                        <a:spcBef>
-                          <a:spcPts val="0"/>
-                        </a:spcBef>
-                        <a:spcAft>
-                          <a:spcPts val="0"/>
-                        </a:spcAft>
-                        <a:buClrTx/>
-                        <a:buSzTx/>
-                        <a:buFontTx/>
-                        <a:buNone/>
-                        <a:tabLst/>
-                        <a:defRPr/>
-                      </a:pPr>
-                      <a:r>
-                        <a:rPr lang="en-US" altLang="ko-KR" sz="1400" kern="1200" dirty="0">
-                          <a:solidFill>
-                            <a:schemeClr val="tx1"/>
-                          </a:solidFill>
-                          <a:latin typeface="Noto Sans KR Medium" panose="020B0200000000000000" pitchFamily="50" charset="-127"/>
-                          <a:ea typeface="Noto Sans KR Medium" panose="020B0200000000000000" pitchFamily="50" charset="-127"/>
-                          <a:cs typeface="+mn-cs"/>
-                        </a:rPr>
-                        <a:t>• </a:t>
-                      </a:r>
-                      <a:r>
-                        <a:rPr lang="ko-KR" altLang="en-US" sz="1400" kern="1200" dirty="0">
-                          <a:solidFill>
-                            <a:schemeClr val="tx1"/>
-                          </a:solidFill>
-                          <a:latin typeface="Noto Sans KR Medium" panose="020B0200000000000000" pitchFamily="50" charset="-127"/>
-                          <a:ea typeface="Noto Sans KR Medium" panose="020B0200000000000000" pitchFamily="50" charset="-127"/>
-                          <a:cs typeface="+mn-cs"/>
-                        </a:rPr>
-                        <a:t>발표 및 시뮬레이션</a:t>
-                      </a:r>
-                      <a:endParaRPr lang="en-US" altLang="ko-KR" sz="1400" kern="1200" dirty="0">
-                        <a:solidFill>
-                          <a:schemeClr val="tx1"/>
-                        </a:solidFill>
-                        <a:latin typeface="Noto Sans KR Medium" panose="020B0200000000000000" pitchFamily="50" charset="-127"/>
-                        <a:ea typeface="Noto Sans KR Medium" panose="020B0200000000000000" pitchFamily="50" charset="-127"/>
-                        <a:cs typeface="+mn-cs"/>
-                      </a:endParaRPr>
-                    </a:p>
-                    <a:p>
-                      <a:pPr latinLnBrk="1"/>
-                      <a:endParaRPr lang="ko-KR" altLang="en-US" dirty="0">
-                        <a:latin typeface="Noto Sans KR Medium" panose="020B0200000000000000" pitchFamily="50" charset="-127"/>
-                        <a:ea typeface="Noto Sans KR Medium" panose="020B0200000000000000" pitchFamily="50" charset="-127"/>
-                      </a:endParaRPr>
-                    </a:p>
-                  </a:txBody>
-                  <a:tcPr/>
-                </a:tc>
-                <a:tc>
-                  <a:txBody>
-                    <a:bodyPr/>
-                    <a:lstStyle/>
-                    <a:p>
-                      <a:pPr latinLnBrk="1"/>
-                      <a:endParaRPr lang="ko-KR" altLang="en-US" dirty="0">
-                        <a:latin typeface="Noto Sans KR Medium" panose="020B0200000000000000" pitchFamily="50" charset="-127"/>
-                        <a:ea typeface="Noto Sans KR Medium" panose="020B0200000000000000" pitchFamily="50" charset="-127"/>
-                      </a:endParaRPr>
-                    </a:p>
-                  </a:txBody>
-                  <a:tcPr/>
-                </a:tc>
-                <a:tc>
-                  <a:txBody>
-                    <a:bodyPr/>
-                    <a:lstStyle/>
-                    <a:p>
-                      <a:pPr latinLnBrk="1"/>
-                      <a:endParaRPr lang="ko-KR" altLang="en-US" dirty="0">
-                        <a:latin typeface="Noto Sans KR Medium" panose="020B0200000000000000" pitchFamily="50" charset="-127"/>
-                        <a:ea typeface="Noto Sans KR Medium" panose="020B0200000000000000" pitchFamily="50" charset="-127"/>
-                      </a:endParaRPr>
-                    </a:p>
-                  </a:txBody>
-                  <a:tcPr/>
-                </a:tc>
-                <a:tc>
-                  <a:txBody>
-                    <a:bodyPr/>
-                    <a:lstStyle/>
-                    <a:p>
-                      <a:pPr marL="0" indent="0" latinLnBrk="1">
-                        <a:buFontTx/>
-                        <a:buNone/>
-                      </a:pPr>
-                      <a:endParaRPr lang="en-US" altLang="ko-KR" sz="1050" dirty="0">
-                        <a:latin typeface="Noto Sans KR Medium" panose="020B0200000000000000" pitchFamily="50" charset="-127"/>
-                        <a:ea typeface="Noto Sans KR Medium" panose="020B0200000000000000" pitchFamily="50" charset="-127"/>
-                      </a:endParaRPr>
-                    </a:p>
-                  </a:txBody>
-                  <a:tcPr/>
-                </a:tc>
-                <a:extLst>
-                  <a:ext uri="{0D108BD9-81ED-4DB2-BD59-A6C34878D82A}">
-                    <a16:rowId xmlns:a16="http://schemas.microsoft.com/office/drawing/2014/main" val="269195298"/>
-                  </a:ext>
-                </a:extLst>
-              </a:tr>
-            </a:tbl>
-          </a:graphicData>
-        </a:graphic>
-      </p:graphicFrame>
-      <p:sp>
-        <p:nvSpPr>
-          <p:cNvPr id="29" name="직사각형 28">
-            <a:extLst>
-              <a:ext uri="{FF2B5EF4-FFF2-40B4-BE49-F238E27FC236}">
-                <a16:creationId xmlns:a16="http://schemas.microsoft.com/office/drawing/2014/main" id="{122E0F83-D542-6D80-D29D-582A5059AF6A}"/>
-              </a:ext>
-            </a:extLst>
-          </p:cNvPr>
-          <p:cNvSpPr/>
-          <p:nvPr/>
-        </p:nvSpPr>
-        <p:spPr>
-          <a:xfrm>
-            <a:off x="562525" y="3868124"/>
-            <a:ext cx="5405030" cy="2370285"/>
-          </a:xfrm>
-          <a:prstGeom prst="rect">
-            <a:avLst/>
-          </a:prstGeom>
-          <a:solidFill>
-            <a:srgbClr val="7C7C7A"/>
-          </a:solidFill>
-          <a:ln>
-            <a:noFill/>
-          </a:ln>
-        </p:spPr>
-        <p:style>
-          <a:lnRef idx="2">
-            <a:schemeClr val="accent1">
-              <a:shade val="50000"/>
-            </a:schemeClr>
-          </a:lnRef>
-          <a:fillRef idx="1">
-            <a:schemeClr val="accent1"/>
-          </a:fillRef>
-          <a:effectRef idx="0">
-            <a:schemeClr val="accent1"/>
-          </a:effectRef>
-          <a:fontRef idx="minor">
-            <a:schemeClr val="lt1"/>
-          </a:fontRef>
-        </p:style>
-        <p:txBody>
-          <a:bodyPr rtlCol="0" anchor="ctr"/>
-          <a:lstStyle/>
-          <a:p>
-            <a:pPr algn="ctr"/>
-            <a:endParaRPr lang="ko-KR" altLang="en-US">
-              <a:solidFill>
-                <a:schemeClr val="bg1"/>
-              </a:solidFill>
-            </a:endParaRPr>
-          </a:p>
-        </p:txBody>
-      </p:sp>
-      <p:graphicFrame>
-        <p:nvGraphicFramePr>
-          <p:cNvPr id="3" name="표 2">
-            <a:extLst>
-              <a:ext uri="{FF2B5EF4-FFF2-40B4-BE49-F238E27FC236}">
-                <a16:creationId xmlns:a16="http://schemas.microsoft.com/office/drawing/2014/main" id="{F72D26F6-F5F1-6F5D-B174-CD92F23745D6}"/>
-              </a:ext>
-            </a:extLst>
-          </p:cNvPr>
-          <p:cNvGraphicFramePr>
-            <a:graphicFrameLocks noGrp="1"/>
-          </p:cNvGraphicFramePr>
-          <p:nvPr/>
-        </p:nvGraphicFramePr>
-        <p:xfrm>
-          <a:off x="549070" y="3868124"/>
-          <a:ext cx="5413190" cy="2370285"/>
-        </p:xfrm>
-        <a:graphic>
-          <a:graphicData uri="http://schemas.openxmlformats.org/drawingml/2006/table">
-            <a:tbl>
-              <a:tblPr firstRow="1" bandRow="1">
-                <a:tableStyleId>{5940675A-B579-460E-94D1-54222C63F5DA}</a:tableStyleId>
-              </a:tblPr>
-              <a:tblGrid>
-                <a:gridCol w="1082638">
-                  <a:extLst>
-                    <a:ext uri="{9D8B030D-6E8A-4147-A177-3AD203B41FA5}">
-                      <a16:colId xmlns:a16="http://schemas.microsoft.com/office/drawing/2014/main" val="2870540225"/>
-                    </a:ext>
-                  </a:extLst>
-                </a:gridCol>
-                <a:gridCol w="1082638">
-                  <a:extLst>
-                    <a:ext uri="{9D8B030D-6E8A-4147-A177-3AD203B41FA5}">
-                      <a16:colId xmlns:a16="http://schemas.microsoft.com/office/drawing/2014/main" val="2004156018"/>
-                    </a:ext>
-                  </a:extLst>
-                </a:gridCol>
-                <a:gridCol w="1082638">
-                  <a:extLst>
-                    <a:ext uri="{9D8B030D-6E8A-4147-A177-3AD203B41FA5}">
-                      <a16:colId xmlns:a16="http://schemas.microsoft.com/office/drawing/2014/main" val="1439812862"/>
-                    </a:ext>
-                  </a:extLst>
-                </a:gridCol>
-                <a:gridCol w="1082638">
-                  <a:extLst>
-                    <a:ext uri="{9D8B030D-6E8A-4147-A177-3AD203B41FA5}">
-                      <a16:colId xmlns:a16="http://schemas.microsoft.com/office/drawing/2014/main" val="2047450063"/>
-                    </a:ext>
-                  </a:extLst>
-                </a:gridCol>
-                <a:gridCol w="1082638">
-                  <a:extLst>
-                    <a:ext uri="{9D8B030D-6E8A-4147-A177-3AD203B41FA5}">
-                      <a16:colId xmlns:a16="http://schemas.microsoft.com/office/drawing/2014/main" val="4284352567"/>
-                    </a:ext>
-                  </a:extLst>
-                </a:gridCol>
-              </a:tblGrid>
-              <a:tr h="422944">
-                <a:tc>
-                  <a:txBody>
-                    <a:bodyPr/>
-                    <a:lstStyle/>
-                    <a:p>
-                      <a:pPr latinLnBrk="1"/>
-                      <a:r>
-                        <a:rPr lang="en-US" altLang="ko-KR" dirty="0">
-                          <a:solidFill>
-                            <a:srgbClr val="E5E2E0"/>
-                          </a:solidFill>
-                        </a:rPr>
-                        <a:t>12.15</a:t>
-                      </a:r>
-                      <a:endParaRPr lang="ko-KR" altLang="en-US" dirty="0">
-                        <a:solidFill>
-                          <a:srgbClr val="E5E2E0"/>
-                        </a:solidFill>
-                      </a:endParaRPr>
-                    </a:p>
-                  </a:txBody>
-                  <a:tcPr>
-                    <a:lnL w="12700" cap="flat" cmpd="sng" algn="ctr">
-                      <a:solidFill>
-                        <a:schemeClr val="bg1"/>
-                      </a:solidFill>
-                      <a:prstDash val="solid"/>
-                      <a:round/>
-                      <a:headEnd type="none" w="med" len="med"/>
-                      <a:tailEnd type="none" w="med" len="med"/>
-                    </a:lnL>
-                    <a:lnR w="12700" cap="flat" cmpd="sng" algn="ctr">
-                      <a:solidFill>
-                        <a:schemeClr val="bg1"/>
-                      </a:solidFill>
-                      <a:prstDash val="solid"/>
-                      <a:round/>
-                      <a:headEnd type="none" w="med" len="med"/>
-                      <a:tailEnd type="none" w="med" len="med"/>
-                    </a:lnR>
-                    <a:lnT w="12700" cap="flat" cmpd="sng" algn="ctr">
-                      <a:solidFill>
-                        <a:schemeClr val="bg1"/>
-                      </a:solidFill>
-                      <a:prstDash val="solid"/>
-                      <a:round/>
-                      <a:headEnd type="none" w="med" len="med"/>
-                      <a:tailEnd type="none" w="med" len="med"/>
-                    </a:lnT>
-                    <a:lnB w="12700" cap="flat" cmpd="sng" algn="ctr">
-                      <a:solidFill>
-                        <a:schemeClr val="bg1"/>
-                      </a:solidFill>
-                      <a:prstDash val="solid"/>
-                      <a:round/>
-                      <a:headEnd type="none" w="med" len="med"/>
-                      <a:tailEnd type="none" w="med" len="med"/>
-                    </a:lnB>
-                    <a:lnTlToBr w="12700" cmpd="sng">
-                      <a:noFill/>
-                      <a:prstDash val="solid"/>
-                    </a:lnTlToBr>
-                    <a:lnBlToTr w="12700" cmpd="sng">
-                      <a:noFill/>
-                      <a:prstDash val="solid"/>
-                    </a:lnBlToTr>
-                  </a:tcPr>
-                </a:tc>
-                <a:tc>
-                  <a:txBody>
-                    <a:bodyPr/>
-                    <a:lstStyle/>
-                    <a:p>
-                      <a:pPr latinLnBrk="1"/>
-                      <a:r>
-                        <a:rPr lang="en-US" altLang="ko-KR" dirty="0">
-                          <a:solidFill>
-                            <a:srgbClr val="E5E2E0"/>
-                          </a:solidFill>
-                        </a:rPr>
-                        <a:t>12.16</a:t>
-                      </a:r>
-                      <a:endParaRPr lang="ko-KR" altLang="en-US" dirty="0">
-                        <a:solidFill>
-                          <a:srgbClr val="E5E2E0"/>
-                        </a:solidFill>
-                      </a:endParaRPr>
-                    </a:p>
-                  </a:txBody>
-                  <a:tcPr>
-                    <a:lnL w="12700" cap="flat" cmpd="sng" algn="ctr">
-                      <a:solidFill>
-                        <a:schemeClr val="bg1"/>
-                      </a:solidFill>
-                      <a:prstDash val="solid"/>
-                      <a:round/>
-                      <a:headEnd type="none" w="med" len="med"/>
-                      <a:tailEnd type="none" w="med" len="med"/>
-                    </a:lnL>
-                    <a:lnR w="12700" cap="flat" cmpd="sng" algn="ctr">
-                      <a:solidFill>
-                        <a:schemeClr val="bg1"/>
-                      </a:solidFill>
-                      <a:prstDash val="solid"/>
-                      <a:round/>
-                      <a:headEnd type="none" w="med" len="med"/>
-                      <a:tailEnd type="none" w="med" len="med"/>
-                    </a:lnR>
-                    <a:lnT w="12700" cap="flat" cmpd="sng" algn="ctr">
-                      <a:solidFill>
-                        <a:schemeClr val="bg1"/>
-                      </a:solidFill>
-                      <a:prstDash val="solid"/>
-                      <a:round/>
-                      <a:headEnd type="none" w="med" len="med"/>
-                      <a:tailEnd type="none" w="med" len="med"/>
-                    </a:lnT>
-                    <a:lnB w="12700" cap="flat" cmpd="sng" algn="ctr">
-                      <a:solidFill>
-                        <a:schemeClr val="bg1"/>
-                      </a:solidFill>
-                      <a:prstDash val="solid"/>
-                      <a:round/>
-                      <a:headEnd type="none" w="med" len="med"/>
-                      <a:tailEnd type="none" w="med" len="med"/>
-                    </a:lnB>
-                    <a:lnTlToBr w="12700" cmpd="sng">
-                      <a:noFill/>
-                      <a:prstDash val="solid"/>
-                    </a:lnTlToBr>
-                    <a:lnBlToTr w="12700" cmpd="sng">
-                      <a:noFill/>
-                      <a:prstDash val="solid"/>
-                    </a:lnBlToTr>
-                  </a:tcPr>
-                </a:tc>
-                <a:tc>
-                  <a:txBody>
-                    <a:bodyPr/>
-                    <a:lstStyle/>
-                    <a:p>
-                      <a:pPr latinLnBrk="1"/>
-                      <a:r>
-                        <a:rPr lang="en-US" altLang="ko-KR" dirty="0">
-                          <a:solidFill>
-                            <a:srgbClr val="E5E2E0"/>
-                          </a:solidFill>
-                        </a:rPr>
-                        <a:t>12.17</a:t>
-                      </a:r>
-                      <a:endParaRPr lang="ko-KR" altLang="en-US" dirty="0">
-                        <a:solidFill>
-                          <a:srgbClr val="E5E2E0"/>
-                        </a:solidFill>
-                      </a:endParaRPr>
-                    </a:p>
-                  </a:txBody>
-                  <a:tcPr>
-                    <a:lnL w="12700" cap="flat" cmpd="sng" algn="ctr">
-                      <a:solidFill>
-                        <a:schemeClr val="bg1"/>
-                      </a:solidFill>
-                      <a:prstDash val="solid"/>
-                      <a:round/>
-                      <a:headEnd type="none" w="med" len="med"/>
-                      <a:tailEnd type="none" w="med" len="med"/>
-                    </a:lnL>
-                    <a:lnR w="12700" cap="flat" cmpd="sng" algn="ctr">
-                      <a:solidFill>
-                        <a:schemeClr val="bg1"/>
-                      </a:solidFill>
-                      <a:prstDash val="solid"/>
-                      <a:round/>
-                      <a:headEnd type="none" w="med" len="med"/>
-                      <a:tailEnd type="none" w="med" len="med"/>
-                    </a:lnR>
-                    <a:lnT w="12700" cap="flat" cmpd="sng" algn="ctr">
-                      <a:solidFill>
-                        <a:schemeClr val="bg1"/>
-                      </a:solidFill>
-                      <a:prstDash val="solid"/>
-                      <a:round/>
-                      <a:headEnd type="none" w="med" len="med"/>
-                      <a:tailEnd type="none" w="med" len="med"/>
-                    </a:lnT>
-                    <a:lnB w="12700" cap="flat" cmpd="sng" algn="ctr">
-                      <a:solidFill>
-                        <a:schemeClr val="bg1"/>
-                      </a:solidFill>
-                      <a:prstDash val="solid"/>
-                      <a:round/>
-                      <a:headEnd type="none" w="med" len="med"/>
-                      <a:tailEnd type="none" w="med" len="med"/>
-                    </a:lnB>
-                    <a:lnTlToBr w="12700" cmpd="sng">
-                      <a:noFill/>
-                      <a:prstDash val="solid"/>
-                    </a:lnTlToBr>
-                    <a:lnBlToTr w="12700" cmpd="sng">
-                      <a:noFill/>
-                      <a:prstDash val="solid"/>
-                    </a:lnBlToTr>
-                  </a:tcPr>
-                </a:tc>
-                <a:tc>
-                  <a:txBody>
-                    <a:bodyPr/>
-                    <a:lstStyle/>
-                    <a:p>
-                      <a:pPr latinLnBrk="1"/>
-                      <a:r>
-                        <a:rPr lang="en-US" altLang="ko-KR" dirty="0">
-                          <a:solidFill>
-                            <a:srgbClr val="E5E2E0"/>
-                          </a:solidFill>
-                        </a:rPr>
-                        <a:t>12.18</a:t>
-                      </a:r>
-                      <a:endParaRPr lang="ko-KR" altLang="en-US" dirty="0">
-                        <a:solidFill>
-                          <a:srgbClr val="E5E2E0"/>
-                        </a:solidFill>
-                      </a:endParaRPr>
-                    </a:p>
-                  </a:txBody>
-                  <a:tcPr>
-                    <a:lnL w="12700" cap="flat" cmpd="sng" algn="ctr">
-                      <a:solidFill>
-                        <a:schemeClr val="bg1"/>
-                      </a:solidFill>
-                      <a:prstDash val="solid"/>
-                      <a:round/>
-                      <a:headEnd type="none" w="med" len="med"/>
-                      <a:tailEnd type="none" w="med" len="med"/>
-                    </a:lnL>
-                    <a:lnR w="12700" cap="flat" cmpd="sng" algn="ctr">
-                      <a:solidFill>
-                        <a:schemeClr val="bg1"/>
-                      </a:solidFill>
-                      <a:prstDash val="solid"/>
-                      <a:round/>
-                      <a:headEnd type="none" w="med" len="med"/>
-                      <a:tailEnd type="none" w="med" len="med"/>
-                    </a:lnR>
-                    <a:lnT w="12700" cap="flat" cmpd="sng" algn="ctr">
-                      <a:solidFill>
-                        <a:schemeClr val="bg1"/>
-                      </a:solidFill>
-                      <a:prstDash val="solid"/>
-                      <a:round/>
-                      <a:headEnd type="none" w="med" len="med"/>
-                      <a:tailEnd type="none" w="med" len="med"/>
-                    </a:lnT>
-                    <a:lnB w="12700" cap="flat" cmpd="sng" algn="ctr">
-                      <a:solidFill>
-                        <a:schemeClr val="bg1"/>
-                      </a:solidFill>
-                      <a:prstDash val="solid"/>
-                      <a:round/>
-                      <a:headEnd type="none" w="med" len="med"/>
-                      <a:tailEnd type="none" w="med" len="med"/>
-                    </a:lnB>
-                    <a:lnTlToBr w="12700" cmpd="sng">
-                      <a:noFill/>
-                      <a:prstDash val="solid"/>
-                    </a:lnTlToBr>
-                    <a:lnBlToTr w="12700" cmpd="sng">
-                      <a:noFill/>
-                      <a:prstDash val="solid"/>
-                    </a:lnBlToTr>
-                  </a:tcPr>
-                </a:tc>
-                <a:tc>
-                  <a:txBody>
-                    <a:bodyPr/>
-                    <a:lstStyle/>
-                    <a:p>
-                      <a:pPr latinLnBrk="1"/>
-                      <a:r>
-                        <a:rPr lang="en-US" altLang="ko-KR" dirty="0">
-                          <a:solidFill>
-                            <a:srgbClr val="E5E2E0"/>
-                          </a:solidFill>
-                        </a:rPr>
-                        <a:t>12.19</a:t>
-                      </a:r>
-                      <a:endParaRPr lang="ko-KR" altLang="en-US" dirty="0">
-                        <a:solidFill>
-                          <a:srgbClr val="E5E2E0"/>
-                        </a:solidFill>
-                      </a:endParaRPr>
-                    </a:p>
-                  </a:txBody>
-                  <a:tcPr>
-                    <a:lnL w="12700" cap="flat" cmpd="sng" algn="ctr">
-                      <a:solidFill>
-                        <a:schemeClr val="bg1"/>
-                      </a:solidFill>
-                      <a:prstDash val="solid"/>
-                      <a:round/>
-                      <a:headEnd type="none" w="med" len="med"/>
-                      <a:tailEnd type="none" w="med" len="med"/>
-                    </a:lnL>
-                    <a:lnR w="12700" cap="flat" cmpd="sng" algn="ctr">
-                      <a:solidFill>
-                        <a:schemeClr val="bg1"/>
-                      </a:solidFill>
-                      <a:prstDash val="solid"/>
-                      <a:round/>
-                      <a:headEnd type="none" w="med" len="med"/>
-                      <a:tailEnd type="none" w="med" len="med"/>
-                    </a:lnR>
-                    <a:lnT w="12700" cap="flat" cmpd="sng" algn="ctr">
-                      <a:solidFill>
-                        <a:schemeClr val="bg1"/>
-                      </a:solidFill>
-                      <a:prstDash val="solid"/>
-                      <a:round/>
-                      <a:headEnd type="none" w="med" len="med"/>
-                      <a:tailEnd type="none" w="med" len="med"/>
-                    </a:lnT>
-                    <a:lnB w="12700" cap="flat" cmpd="sng" algn="ctr">
-                      <a:solidFill>
-                        <a:schemeClr val="bg1"/>
-                      </a:solidFill>
-                      <a:prstDash val="solid"/>
-                      <a:round/>
-                      <a:headEnd type="none" w="med" len="med"/>
-                      <a:tailEnd type="none" w="med" len="med"/>
-                    </a:lnB>
-                    <a:lnTlToBr w="12700" cmpd="sng">
-                      <a:noFill/>
-                      <a:prstDash val="solid"/>
-                    </a:lnTlToBr>
-                    <a:lnBlToTr w="12700" cmpd="sng">
-                      <a:noFill/>
-                      <a:prstDash val="solid"/>
-                    </a:lnBlToTr>
-                  </a:tcPr>
-                </a:tc>
-                <a:extLst>
-                  <a:ext uri="{0D108BD9-81ED-4DB2-BD59-A6C34878D82A}">
-                    <a16:rowId xmlns:a16="http://schemas.microsoft.com/office/drawing/2014/main" val="3987292969"/>
-                  </a:ext>
-                </a:extLst>
-              </a:tr>
-              <a:tr h="1947341">
-                <a:tc>
-                  <a:txBody>
-                    <a:bodyPr/>
-                    <a:lstStyle/>
-                    <a:p>
-                      <a:pPr latinLnBrk="1"/>
-                      <a:r>
-                        <a:rPr lang="en-US" altLang="ko-KR" sz="1200" dirty="0">
-                          <a:solidFill>
-                            <a:srgbClr val="E5E2E0"/>
-                          </a:solidFill>
-                          <a:latin typeface="Noto Sans KR Medium" panose="020B0200000000000000" pitchFamily="50" charset="-127"/>
-                          <a:ea typeface="Noto Sans KR Medium" panose="020B0200000000000000" pitchFamily="50" charset="-127"/>
-                        </a:rPr>
-                        <a:t>• </a:t>
-                      </a:r>
-                      <a:r>
-                        <a:rPr lang="en-US" altLang="ko-KR" sz="1400" dirty="0">
-                          <a:solidFill>
-                            <a:srgbClr val="E5E2E0"/>
-                          </a:solidFill>
-                          <a:latin typeface="Noto Sans KR Medium" panose="020B0200000000000000" pitchFamily="50" charset="-127"/>
-                          <a:ea typeface="Noto Sans KR Medium" panose="020B0200000000000000" pitchFamily="50" charset="-127"/>
-                        </a:rPr>
-                        <a:t>RCNN </a:t>
-                      </a:r>
-                      <a:r>
-                        <a:rPr lang="ko-KR" altLang="en-US" sz="1400" dirty="0">
-                          <a:solidFill>
-                            <a:srgbClr val="E5E2E0"/>
-                          </a:solidFill>
-                          <a:latin typeface="Noto Sans KR Medium" panose="020B0200000000000000" pitchFamily="50" charset="-127"/>
-                          <a:ea typeface="Noto Sans KR Medium" panose="020B0200000000000000" pitchFamily="50" charset="-127"/>
-                        </a:rPr>
-                        <a:t>학습 및 확인 </a:t>
-                      </a:r>
-                      <a:endParaRPr lang="en-US" altLang="ko-KR" sz="1400" kern="1200" dirty="0">
-                        <a:solidFill>
-                          <a:srgbClr val="E5E2E0"/>
-                        </a:solidFill>
-                        <a:latin typeface="Noto Sans KR Medium" panose="020B0200000000000000" pitchFamily="50" charset="-127"/>
-                        <a:ea typeface="Noto Sans KR Medium" panose="020B0200000000000000" pitchFamily="50" charset="-127"/>
-                        <a:cs typeface="+mn-cs"/>
-                      </a:endParaRPr>
-                    </a:p>
-                  </a:txBody>
-                  <a:tcPr>
-                    <a:lnL w="12700" cap="flat" cmpd="sng" algn="ctr">
-                      <a:solidFill>
-                        <a:schemeClr val="bg1"/>
-                      </a:solidFill>
-                      <a:prstDash val="solid"/>
-                      <a:round/>
-                      <a:headEnd type="none" w="med" len="med"/>
-                      <a:tailEnd type="none" w="med" len="med"/>
-                    </a:lnL>
-                    <a:lnR w="12700" cap="flat" cmpd="sng" algn="ctr">
-                      <a:solidFill>
-                        <a:schemeClr val="bg1"/>
-                      </a:solidFill>
-                      <a:prstDash val="solid"/>
-                      <a:round/>
-                      <a:headEnd type="none" w="med" len="med"/>
-                      <a:tailEnd type="none" w="med" len="med"/>
-                    </a:lnR>
-                    <a:lnT w="12700" cap="flat" cmpd="sng" algn="ctr">
-                      <a:solidFill>
-                        <a:schemeClr val="bg1"/>
-                      </a:solidFill>
-                      <a:prstDash val="solid"/>
-                      <a:round/>
-                      <a:headEnd type="none" w="med" len="med"/>
-                      <a:tailEnd type="none" w="med" len="med"/>
-                    </a:lnT>
-                    <a:lnB w="12700" cap="flat" cmpd="sng" algn="ctr">
-                      <a:solidFill>
-                        <a:schemeClr val="bg1"/>
-                      </a:solidFill>
-                      <a:prstDash val="solid"/>
-                      <a:round/>
-                      <a:headEnd type="none" w="med" len="med"/>
-                      <a:tailEnd type="none" w="med" len="med"/>
-                    </a:lnB>
-                    <a:lnTlToBr w="12700" cmpd="sng">
-                      <a:noFill/>
-                      <a:prstDash val="solid"/>
-                    </a:lnTlToBr>
-                    <a:lnBlToTr w="12700" cmpd="sng">
-                      <a:noFill/>
-                      <a:prstDash val="solid"/>
-                    </a:lnBlToTr>
-                  </a:tcPr>
-                </a:tc>
-                <a:tc>
-                  <a:txBody>
-                    <a:bodyPr/>
-                    <a:lstStyle/>
-                    <a:p>
-                      <a:pPr latinLnBrk="1"/>
-                      <a:r>
-                        <a:rPr lang="en-US" altLang="ko-KR" sz="1400" dirty="0">
-                          <a:solidFill>
-                            <a:srgbClr val="E5E2E0"/>
-                          </a:solidFill>
-                          <a:latin typeface="Noto Sans KR Medium" panose="020B0200000000000000" pitchFamily="50" charset="-127"/>
-                          <a:ea typeface="Noto Sans KR Medium" panose="020B0200000000000000" pitchFamily="50" charset="-127"/>
-                        </a:rPr>
-                        <a:t>• </a:t>
-                      </a:r>
-                      <a:r>
-                        <a:rPr lang="ko-KR" altLang="en-US" sz="1400" dirty="0" err="1">
-                          <a:solidFill>
-                            <a:srgbClr val="E5E2E0"/>
-                          </a:solidFill>
-                          <a:latin typeface="Noto Sans KR Medium" panose="020B0200000000000000" pitchFamily="50" charset="-127"/>
-                          <a:ea typeface="Noto Sans KR Medium" panose="020B0200000000000000" pitchFamily="50" charset="-127"/>
-                        </a:rPr>
-                        <a:t>스트림밋</a:t>
-                      </a:r>
-                      <a:r>
-                        <a:rPr lang="ko-KR" altLang="en-US" sz="1400" dirty="0">
-                          <a:solidFill>
-                            <a:srgbClr val="E5E2E0"/>
-                          </a:solidFill>
-                          <a:latin typeface="Noto Sans KR Medium" panose="020B0200000000000000" pitchFamily="50" charset="-127"/>
-                          <a:ea typeface="Noto Sans KR Medium" panose="020B0200000000000000" pitchFamily="50" charset="-127"/>
-                        </a:rPr>
-                        <a:t> 서버 구축</a:t>
-                      </a:r>
-                      <a:endParaRPr lang="en-US" altLang="ko-KR" sz="1400" dirty="0">
-                        <a:solidFill>
-                          <a:srgbClr val="E5E2E0"/>
-                        </a:solidFill>
-                        <a:latin typeface="Noto Sans KR Medium" panose="020B0200000000000000" pitchFamily="50" charset="-127"/>
-                        <a:ea typeface="Noto Sans KR Medium" panose="020B0200000000000000" pitchFamily="50" charset="-127"/>
-                      </a:endParaRPr>
-                    </a:p>
-                    <a:p>
-                      <a:pPr latinLnBrk="1"/>
-                      <a:r>
-                        <a:rPr lang="en-US" altLang="ko-KR" sz="1400" dirty="0">
-                          <a:solidFill>
-                            <a:srgbClr val="E5E2E0"/>
-                          </a:solidFill>
-                          <a:latin typeface="Noto Sans KR Medium" panose="020B0200000000000000" pitchFamily="50" charset="-127"/>
-                          <a:ea typeface="Noto Sans KR Medium" panose="020B0200000000000000" pitchFamily="50" charset="-127"/>
-                        </a:rPr>
-                        <a:t>• </a:t>
-                      </a:r>
-                      <a:r>
-                        <a:rPr lang="ko-KR" altLang="en-US" sz="1400" dirty="0">
-                          <a:solidFill>
-                            <a:srgbClr val="E5E2E0"/>
-                          </a:solidFill>
-                          <a:latin typeface="Noto Sans KR Medium" panose="020B0200000000000000" pitchFamily="50" charset="-127"/>
-                          <a:ea typeface="Noto Sans KR Medium" panose="020B0200000000000000" pitchFamily="50" charset="-127"/>
-                        </a:rPr>
-                        <a:t>프롬프트 엔지니어링</a:t>
-                      </a:r>
-                      <a:endParaRPr lang="en-US" altLang="ko-KR" sz="1400" dirty="0">
-                        <a:solidFill>
-                          <a:srgbClr val="E5E2E0"/>
-                        </a:solidFill>
-                        <a:latin typeface="Noto Sans KR Medium" panose="020B0200000000000000" pitchFamily="50" charset="-127"/>
-                        <a:ea typeface="Noto Sans KR Medium" panose="020B0200000000000000" pitchFamily="50" charset="-127"/>
-                      </a:endParaRPr>
-                    </a:p>
-                  </a:txBody>
-                  <a:tcPr>
-                    <a:lnL w="12700" cap="flat" cmpd="sng" algn="ctr">
-                      <a:solidFill>
-                        <a:schemeClr val="bg1"/>
-                      </a:solidFill>
-                      <a:prstDash val="solid"/>
-                      <a:round/>
-                      <a:headEnd type="none" w="med" len="med"/>
-                      <a:tailEnd type="none" w="med" len="med"/>
-                    </a:lnL>
-                    <a:lnR w="12700" cap="flat" cmpd="sng" algn="ctr">
-                      <a:solidFill>
-                        <a:schemeClr val="bg1"/>
-                      </a:solidFill>
-                      <a:prstDash val="solid"/>
-                      <a:round/>
-                      <a:headEnd type="none" w="med" len="med"/>
-                      <a:tailEnd type="none" w="med" len="med"/>
-                    </a:lnR>
-                    <a:lnT w="12700" cap="flat" cmpd="sng" algn="ctr">
-                      <a:solidFill>
-                        <a:schemeClr val="bg1"/>
-                      </a:solidFill>
-                      <a:prstDash val="solid"/>
-                      <a:round/>
-                      <a:headEnd type="none" w="med" len="med"/>
-                      <a:tailEnd type="none" w="med" len="med"/>
-                    </a:lnT>
-                    <a:lnB w="12700" cap="flat" cmpd="sng" algn="ctr">
-                      <a:solidFill>
-                        <a:schemeClr val="bg1"/>
-                      </a:solidFill>
-                      <a:prstDash val="solid"/>
-                      <a:round/>
-                      <a:headEnd type="none" w="med" len="med"/>
-                      <a:tailEnd type="none" w="med" len="med"/>
-                    </a:lnB>
-                    <a:lnTlToBr w="12700" cmpd="sng">
-                      <a:noFill/>
-                      <a:prstDash val="solid"/>
-                    </a:lnTlToBr>
-                    <a:lnBlToTr w="12700" cmpd="sng">
-                      <a:noFill/>
-                      <a:prstDash val="solid"/>
-                    </a:lnBlToTr>
-                  </a:tcPr>
-                </a:tc>
-                <a:tc>
-                  <a:txBody>
-                    <a:bodyPr/>
-                    <a:lstStyle/>
-                    <a:p>
-                      <a:pPr marL="0" marR="0" lvl="0" indent="0" algn="l" defTabSz="914400" rtl="0" eaLnBrk="1" fontAlgn="auto" latinLnBrk="1" hangingPunct="1">
-                        <a:lnSpc>
-                          <a:spcPct val="100000"/>
-                        </a:lnSpc>
-                        <a:spcBef>
-                          <a:spcPts val="0"/>
-                        </a:spcBef>
-                        <a:spcAft>
-                          <a:spcPts val="0"/>
-                        </a:spcAft>
-                        <a:buClrTx/>
-                        <a:buSzTx/>
-                        <a:buFontTx/>
-                        <a:buNone/>
-                        <a:tabLst/>
-                        <a:defRPr/>
-                      </a:pPr>
-                      <a:r>
-                        <a:rPr lang="en-US" altLang="ko-KR" sz="1400" dirty="0">
-                          <a:solidFill>
-                            <a:srgbClr val="E5E2E0"/>
-                          </a:solidFill>
-                          <a:latin typeface="Noto Sans KR Medium" panose="020B0200000000000000" pitchFamily="50" charset="-127"/>
-                          <a:ea typeface="Noto Sans KR Medium" panose="020B0200000000000000" pitchFamily="50" charset="-127"/>
-                        </a:rPr>
-                        <a:t>• </a:t>
-                      </a:r>
-                      <a:r>
-                        <a:rPr lang="ko-KR" altLang="en-US" sz="1400" dirty="0" err="1">
-                          <a:solidFill>
-                            <a:srgbClr val="E5E2E0"/>
-                          </a:solidFill>
-                          <a:latin typeface="Noto Sans KR Medium" panose="020B0200000000000000" pitchFamily="50" charset="-127"/>
-                          <a:ea typeface="Noto Sans KR Medium" panose="020B0200000000000000" pitchFamily="50" charset="-127"/>
-                        </a:rPr>
-                        <a:t>스트림밋과</a:t>
-                      </a:r>
-                      <a:r>
-                        <a:rPr lang="ko-KR" altLang="en-US" sz="1400" dirty="0">
-                          <a:solidFill>
-                            <a:srgbClr val="E5E2E0"/>
-                          </a:solidFill>
-                          <a:latin typeface="Noto Sans KR Medium" panose="020B0200000000000000" pitchFamily="50" charset="-127"/>
-                          <a:ea typeface="Noto Sans KR Medium" panose="020B0200000000000000" pitchFamily="50" charset="-127"/>
-                        </a:rPr>
-                        <a:t> </a:t>
-                      </a:r>
-                      <a:r>
-                        <a:rPr lang="en-US" altLang="ko-KR" sz="1400" dirty="0">
-                          <a:solidFill>
-                            <a:srgbClr val="E5E2E0"/>
-                          </a:solidFill>
-                          <a:latin typeface="Noto Sans KR Medium" panose="020B0200000000000000" pitchFamily="50" charset="-127"/>
-                          <a:ea typeface="Noto Sans KR Medium" panose="020B0200000000000000" pitchFamily="50" charset="-127"/>
-                        </a:rPr>
-                        <a:t>GPT </a:t>
-                      </a:r>
-                      <a:r>
-                        <a:rPr lang="ko-KR" altLang="en-US" sz="1400" dirty="0">
-                          <a:solidFill>
-                            <a:srgbClr val="E5E2E0"/>
-                          </a:solidFill>
-                          <a:latin typeface="Noto Sans KR Medium" panose="020B0200000000000000" pitchFamily="50" charset="-127"/>
-                          <a:ea typeface="Noto Sans KR Medium" panose="020B0200000000000000" pitchFamily="50" charset="-127"/>
-                        </a:rPr>
-                        <a:t>프롬프트 엔지니어링</a:t>
-                      </a:r>
-                      <a:endParaRPr lang="en-US" altLang="ko-KR" sz="1400" dirty="0">
-                        <a:solidFill>
-                          <a:srgbClr val="E5E2E0"/>
-                        </a:solidFill>
-                        <a:latin typeface="Noto Sans KR Medium" panose="020B0200000000000000" pitchFamily="50" charset="-127"/>
-                        <a:ea typeface="Noto Sans KR Medium" panose="020B0200000000000000" pitchFamily="50" charset="-127"/>
-                      </a:endParaRPr>
-                    </a:p>
-                    <a:p>
-                      <a:pPr marL="0" marR="0" lvl="0" indent="0" algn="l" defTabSz="914400" rtl="0" eaLnBrk="1" fontAlgn="auto" latinLnBrk="1" hangingPunct="1">
-                        <a:lnSpc>
-                          <a:spcPct val="100000"/>
-                        </a:lnSpc>
-                        <a:spcBef>
-                          <a:spcPts val="0"/>
-                        </a:spcBef>
-                        <a:spcAft>
-                          <a:spcPts val="0"/>
-                        </a:spcAft>
-                        <a:buClrTx/>
-                        <a:buSzTx/>
-                        <a:buFontTx/>
-                        <a:buNone/>
-                        <a:tabLst/>
-                        <a:defRPr/>
-                      </a:pPr>
-                      <a:r>
-                        <a:rPr lang="en-US" altLang="ko-KR" sz="1400" dirty="0">
-                          <a:solidFill>
-                            <a:srgbClr val="E5E2E0"/>
-                          </a:solidFill>
-                          <a:latin typeface="Noto Sans KR Medium" panose="020B0200000000000000" pitchFamily="50" charset="-127"/>
-                          <a:ea typeface="Noto Sans KR Medium" panose="020B0200000000000000" pitchFamily="50" charset="-127"/>
-                        </a:rPr>
-                        <a:t>• </a:t>
-                      </a:r>
-                      <a:r>
-                        <a:rPr lang="ko-KR" altLang="en-US" sz="1400" dirty="0">
-                          <a:solidFill>
-                            <a:srgbClr val="E5E2E0"/>
-                          </a:solidFill>
-                          <a:latin typeface="Noto Sans KR Medium" panose="020B0200000000000000" pitchFamily="50" charset="-127"/>
-                          <a:ea typeface="Noto Sans KR Medium" panose="020B0200000000000000" pitchFamily="50" charset="-127"/>
-                        </a:rPr>
-                        <a:t>자료 제작</a:t>
-                      </a:r>
-                      <a:r>
-                        <a:rPr lang="en-US" altLang="ko-KR" sz="1400" dirty="0">
-                          <a:solidFill>
-                            <a:srgbClr val="E5E2E0"/>
-                          </a:solidFill>
-                          <a:latin typeface="Noto Sans KR Medium" panose="020B0200000000000000" pitchFamily="50" charset="-127"/>
-                          <a:ea typeface="Noto Sans KR Medium" panose="020B0200000000000000" pitchFamily="50" charset="-127"/>
-                        </a:rPr>
-                        <a:t> </a:t>
-                      </a:r>
-                    </a:p>
-                  </a:txBody>
-                  <a:tcPr>
-                    <a:lnL w="12700" cap="flat" cmpd="sng" algn="ctr">
-                      <a:solidFill>
-                        <a:schemeClr val="bg1"/>
-                      </a:solidFill>
-                      <a:prstDash val="solid"/>
-                      <a:round/>
-                      <a:headEnd type="none" w="med" len="med"/>
-                      <a:tailEnd type="none" w="med" len="med"/>
-                    </a:lnL>
-                    <a:lnR w="12700" cap="flat" cmpd="sng" algn="ctr">
-                      <a:solidFill>
-                        <a:schemeClr val="bg1"/>
-                      </a:solidFill>
-                      <a:prstDash val="solid"/>
-                      <a:round/>
-                      <a:headEnd type="none" w="med" len="med"/>
-                      <a:tailEnd type="none" w="med" len="med"/>
-                    </a:lnR>
-                    <a:lnT w="12700" cap="flat" cmpd="sng" algn="ctr">
-                      <a:solidFill>
-                        <a:schemeClr val="bg1"/>
-                      </a:solidFill>
-                      <a:prstDash val="solid"/>
-                      <a:round/>
-                      <a:headEnd type="none" w="med" len="med"/>
-                      <a:tailEnd type="none" w="med" len="med"/>
-                    </a:lnT>
-                    <a:lnB w="12700" cap="flat" cmpd="sng" algn="ctr">
-                      <a:solidFill>
-                        <a:schemeClr val="bg1"/>
-                      </a:solidFill>
-                      <a:prstDash val="solid"/>
-                      <a:round/>
-                      <a:headEnd type="none" w="med" len="med"/>
-                      <a:tailEnd type="none" w="med" len="med"/>
-                    </a:lnB>
-                    <a:lnTlToBr w="12700" cmpd="sng">
-                      <a:noFill/>
-                      <a:prstDash val="solid"/>
-                    </a:lnTlToBr>
-                    <a:lnBlToTr w="12700" cmpd="sng">
-                      <a:noFill/>
-                      <a:prstDash val="solid"/>
-                    </a:lnBlToTr>
-                  </a:tcPr>
-                </a:tc>
-                <a:tc>
-                  <a:txBody>
-                    <a:bodyPr/>
-                    <a:lstStyle/>
-                    <a:p>
-                      <a:pPr latinLnBrk="1"/>
-                      <a:r>
-                        <a:rPr lang="en-US" altLang="ko-KR" sz="1400" dirty="0">
-                          <a:solidFill>
-                            <a:srgbClr val="E5E2E0"/>
-                          </a:solidFill>
-                          <a:latin typeface="Noto Sans KR Medium" panose="020B0200000000000000" pitchFamily="50" charset="-127"/>
-                          <a:ea typeface="Noto Sans KR Medium" panose="020B0200000000000000" pitchFamily="50" charset="-127"/>
-                        </a:rPr>
-                        <a:t>• </a:t>
-                      </a:r>
-                      <a:r>
-                        <a:rPr lang="ko-KR" altLang="en-US" sz="1400" dirty="0">
-                          <a:solidFill>
-                            <a:srgbClr val="E5E2E0"/>
-                          </a:solidFill>
-                          <a:latin typeface="Noto Sans KR Medium" panose="020B0200000000000000" pitchFamily="50" charset="-127"/>
-                          <a:ea typeface="Noto Sans KR Medium" panose="020B0200000000000000" pitchFamily="50" charset="-127"/>
-                        </a:rPr>
-                        <a:t>리포트 자체 </a:t>
-                      </a:r>
-                      <a:r>
-                        <a:rPr lang="en-US" altLang="ko-KR" sz="1400" dirty="0">
-                          <a:solidFill>
-                            <a:srgbClr val="E5E2E0"/>
-                          </a:solidFill>
-                          <a:latin typeface="Noto Sans KR Medium" panose="020B0200000000000000" pitchFamily="50" charset="-127"/>
-                          <a:ea typeface="Noto Sans KR Medium" panose="020B0200000000000000" pitchFamily="50" charset="-127"/>
-                        </a:rPr>
-                        <a:t>pdf, </a:t>
-                      </a:r>
-                      <a:r>
-                        <a:rPr lang="en-US" altLang="ko-KR" sz="1400" dirty="0" err="1">
-                          <a:solidFill>
-                            <a:srgbClr val="E5E2E0"/>
-                          </a:solidFill>
-                          <a:latin typeface="Noto Sans KR Medium" panose="020B0200000000000000" pitchFamily="50" charset="-127"/>
-                          <a:ea typeface="Noto Sans KR Medium" panose="020B0200000000000000" pitchFamily="50" charset="-127"/>
-                        </a:rPr>
-                        <a:t>eda</a:t>
-                      </a:r>
-                      <a:r>
-                        <a:rPr lang="en-US" altLang="ko-KR" sz="1400" dirty="0">
-                          <a:solidFill>
-                            <a:srgbClr val="E5E2E0"/>
-                          </a:solidFill>
-                          <a:latin typeface="Noto Sans KR Medium" panose="020B0200000000000000" pitchFamily="50" charset="-127"/>
-                          <a:ea typeface="Noto Sans KR Medium" panose="020B0200000000000000" pitchFamily="50" charset="-127"/>
-                        </a:rPr>
-                        <a:t> </a:t>
-                      </a:r>
-                      <a:r>
-                        <a:rPr lang="ko-KR" altLang="en-US" sz="1400" dirty="0">
-                          <a:solidFill>
-                            <a:srgbClr val="E5E2E0"/>
-                          </a:solidFill>
-                          <a:latin typeface="Noto Sans KR Medium" panose="020B0200000000000000" pitchFamily="50" charset="-127"/>
-                          <a:ea typeface="Noto Sans KR Medium" panose="020B0200000000000000" pitchFamily="50" charset="-127"/>
-                        </a:rPr>
-                        <a:t>구현 확인</a:t>
-                      </a:r>
-                      <a:endParaRPr lang="ko-KR" altLang="en-US" sz="1400" kern="1200" dirty="0">
-                        <a:solidFill>
-                          <a:srgbClr val="E5E2E0"/>
-                        </a:solidFill>
-                        <a:latin typeface="Noto Sans KR Medium" panose="020B0200000000000000" pitchFamily="50" charset="-127"/>
-                        <a:ea typeface="Noto Sans KR Medium" panose="020B0200000000000000" pitchFamily="50" charset="-127"/>
-                        <a:cs typeface="+mn-cs"/>
-                      </a:endParaRPr>
-                    </a:p>
-                  </a:txBody>
-                  <a:tcPr>
-                    <a:lnL w="12700" cap="flat" cmpd="sng" algn="ctr">
-                      <a:solidFill>
-                        <a:schemeClr val="bg1"/>
-                      </a:solidFill>
-                      <a:prstDash val="solid"/>
-                      <a:round/>
-                      <a:headEnd type="none" w="med" len="med"/>
-                      <a:tailEnd type="none" w="med" len="med"/>
-                    </a:lnL>
-                    <a:lnR w="12700" cap="flat" cmpd="sng" algn="ctr">
-                      <a:solidFill>
-                        <a:schemeClr val="bg1"/>
-                      </a:solidFill>
-                      <a:prstDash val="solid"/>
-                      <a:round/>
-                      <a:headEnd type="none" w="med" len="med"/>
-                      <a:tailEnd type="none" w="med" len="med"/>
-                    </a:lnR>
-                    <a:lnT w="12700" cap="flat" cmpd="sng" algn="ctr">
-                      <a:solidFill>
-                        <a:schemeClr val="bg1"/>
-                      </a:solidFill>
-                      <a:prstDash val="solid"/>
-                      <a:round/>
-                      <a:headEnd type="none" w="med" len="med"/>
-                      <a:tailEnd type="none" w="med" len="med"/>
-                    </a:lnT>
-                    <a:lnB w="12700" cap="flat" cmpd="sng" algn="ctr">
-                      <a:solidFill>
-                        <a:schemeClr val="bg1"/>
-                      </a:solidFill>
-                      <a:prstDash val="solid"/>
-                      <a:round/>
-                      <a:headEnd type="none" w="med" len="med"/>
-                      <a:tailEnd type="none" w="med" len="med"/>
-                    </a:lnB>
-                    <a:lnTlToBr w="12700" cmpd="sng">
-                      <a:noFill/>
-                      <a:prstDash val="solid"/>
-                    </a:lnTlToBr>
-                    <a:lnBlToTr w="12700" cmpd="sng">
-                      <a:noFill/>
-                      <a:prstDash val="solid"/>
-                    </a:lnBlToTr>
-                  </a:tcPr>
-                </a:tc>
-                <a:tc>
-                  <a:txBody>
-                    <a:bodyPr/>
-                    <a:lstStyle/>
-                    <a:p>
-                      <a:pPr marL="0" indent="0" latinLnBrk="1">
-                        <a:buFontTx/>
-                        <a:buNone/>
-                      </a:pPr>
-                      <a:r>
-                        <a:rPr lang="en-US" altLang="ko-KR" sz="1400" dirty="0">
-                          <a:solidFill>
-                            <a:srgbClr val="E5E2E0"/>
-                          </a:solidFill>
-                          <a:latin typeface="Noto Sans KR Medium" panose="020B0200000000000000" pitchFamily="50" charset="-127"/>
-                          <a:ea typeface="Noto Sans KR Medium" panose="020B0200000000000000" pitchFamily="50" charset="-127"/>
-                        </a:rPr>
-                        <a:t>• </a:t>
-                      </a:r>
-                      <a:r>
-                        <a:rPr lang="ko-KR" altLang="en-US" sz="1400" dirty="0">
-                          <a:solidFill>
-                            <a:srgbClr val="E5E2E0"/>
-                          </a:solidFill>
-                          <a:latin typeface="Noto Sans KR Medium" panose="020B0200000000000000" pitchFamily="50" charset="-127"/>
-                          <a:ea typeface="Noto Sans KR Medium" panose="020B0200000000000000" pitchFamily="50" charset="-127"/>
-                        </a:rPr>
-                        <a:t>코드 통합 테스트</a:t>
-                      </a:r>
-                      <a:endParaRPr lang="en-US" altLang="ko-KR" sz="1400" dirty="0">
-                        <a:solidFill>
-                          <a:srgbClr val="E5E2E0"/>
-                        </a:solidFill>
-                        <a:latin typeface="Noto Sans KR Medium" panose="020B0200000000000000" pitchFamily="50" charset="-127"/>
-                        <a:ea typeface="Noto Sans KR Medium" panose="020B0200000000000000" pitchFamily="50" charset="-127"/>
-                      </a:endParaRPr>
-                    </a:p>
-                    <a:p>
-                      <a:pPr marL="0" indent="0" latinLnBrk="1">
-                        <a:buFontTx/>
-                        <a:buNone/>
-                      </a:pPr>
-                      <a:r>
-                        <a:rPr lang="en-US" altLang="ko-KR" sz="1400" kern="1200" dirty="0">
-                          <a:solidFill>
-                            <a:srgbClr val="E5E2E0"/>
-                          </a:solidFill>
-                          <a:latin typeface="Noto Sans KR Medium" panose="020B0200000000000000" pitchFamily="50" charset="-127"/>
-                          <a:ea typeface="Noto Sans KR Medium" panose="020B0200000000000000" pitchFamily="50" charset="-127"/>
-                          <a:cs typeface="+mn-cs"/>
-                        </a:rPr>
-                        <a:t>•</a:t>
-                      </a:r>
-                      <a:r>
-                        <a:rPr lang="ko-KR" altLang="en-US" sz="1400" kern="1200" dirty="0">
-                          <a:solidFill>
-                            <a:srgbClr val="E5E2E0"/>
-                          </a:solidFill>
-                          <a:latin typeface="Noto Sans KR Medium" panose="020B0200000000000000" pitchFamily="50" charset="-127"/>
-                          <a:ea typeface="Noto Sans KR Medium" panose="020B0200000000000000" pitchFamily="50" charset="-127"/>
-                          <a:cs typeface="+mn-cs"/>
-                        </a:rPr>
-                        <a:t> </a:t>
-                      </a:r>
-                      <a:r>
-                        <a:rPr lang="ko-KR" altLang="en-US" sz="1400" kern="1200" dirty="0" err="1">
-                          <a:solidFill>
-                            <a:srgbClr val="E5E2E0"/>
-                          </a:solidFill>
-                          <a:latin typeface="Noto Sans KR Medium" panose="020B0200000000000000" pitchFamily="50" charset="-127"/>
-                          <a:ea typeface="Noto Sans KR Medium" panose="020B0200000000000000" pitchFamily="50" charset="-127"/>
-                          <a:cs typeface="+mn-cs"/>
-                        </a:rPr>
-                        <a:t>리포</a:t>
-                      </a:r>
-                      <a:r>
-                        <a:rPr lang="ko-KR" altLang="en-US" sz="1400" kern="1200" dirty="0">
-                          <a:solidFill>
-                            <a:srgbClr val="E5E2E0"/>
-                          </a:solidFill>
-                          <a:latin typeface="Noto Sans KR Medium" panose="020B0200000000000000" pitchFamily="50" charset="-127"/>
-                          <a:ea typeface="Noto Sans KR Medium" panose="020B0200000000000000" pitchFamily="50" charset="-127"/>
-                          <a:cs typeface="+mn-cs"/>
-                        </a:rPr>
-                        <a:t> </a:t>
-                      </a:r>
-                      <a:r>
-                        <a:rPr lang="en-US" altLang="ko-KR" sz="1400" kern="1200" dirty="0">
-                          <a:solidFill>
-                            <a:srgbClr val="E5E2E0"/>
-                          </a:solidFill>
-                          <a:latin typeface="Noto Sans KR Medium" panose="020B0200000000000000" pitchFamily="50" charset="-127"/>
-                          <a:ea typeface="Noto Sans KR Medium" panose="020B0200000000000000" pitchFamily="50" charset="-127"/>
-                          <a:cs typeface="+mn-cs"/>
-                        </a:rPr>
-                        <a:t>stream </a:t>
-                      </a:r>
-                      <a:r>
-                        <a:rPr lang="ko-KR" altLang="en-US" sz="1400" kern="1200" dirty="0">
-                          <a:solidFill>
-                            <a:srgbClr val="E5E2E0"/>
-                          </a:solidFill>
-                          <a:latin typeface="Noto Sans KR Medium" panose="020B0200000000000000" pitchFamily="50" charset="-127"/>
-                          <a:ea typeface="Noto Sans KR Medium" panose="020B0200000000000000" pitchFamily="50" charset="-127"/>
-                          <a:cs typeface="+mn-cs"/>
-                        </a:rPr>
-                        <a:t>으로 구현 확인 </a:t>
-                      </a:r>
-                      <a:endParaRPr lang="en-US" altLang="ko-KR" sz="1400" kern="1200" dirty="0">
-                        <a:solidFill>
-                          <a:srgbClr val="E5E2E0"/>
-                        </a:solidFill>
-                        <a:latin typeface="Noto Sans KR Medium" panose="020B0200000000000000" pitchFamily="50" charset="-127"/>
-                        <a:ea typeface="Noto Sans KR Medium" panose="020B0200000000000000" pitchFamily="50" charset="-127"/>
-                        <a:cs typeface="+mn-cs"/>
-                      </a:endParaRPr>
-                    </a:p>
-                  </a:txBody>
-                  <a:tcPr>
-                    <a:lnL w="12700" cap="flat" cmpd="sng" algn="ctr">
-                      <a:solidFill>
-                        <a:schemeClr val="bg1"/>
-                      </a:solidFill>
-                      <a:prstDash val="solid"/>
-                      <a:round/>
-                      <a:headEnd type="none" w="med" len="med"/>
-                      <a:tailEnd type="none" w="med" len="med"/>
-                    </a:lnL>
-                    <a:lnR w="12700" cap="flat" cmpd="sng" algn="ctr">
-                      <a:solidFill>
-                        <a:schemeClr val="bg1"/>
-                      </a:solidFill>
-                      <a:prstDash val="solid"/>
-                      <a:round/>
-                      <a:headEnd type="none" w="med" len="med"/>
-                      <a:tailEnd type="none" w="med" len="med"/>
-                    </a:lnR>
-                    <a:lnT w="12700" cap="flat" cmpd="sng" algn="ctr">
-                      <a:solidFill>
-                        <a:schemeClr val="bg1"/>
-                      </a:solidFill>
-                      <a:prstDash val="solid"/>
-                      <a:round/>
-                      <a:headEnd type="none" w="med" len="med"/>
-                      <a:tailEnd type="none" w="med" len="med"/>
-                    </a:lnT>
-                    <a:lnB w="12700" cap="flat" cmpd="sng" algn="ctr">
-                      <a:solidFill>
-                        <a:schemeClr val="bg1"/>
-                      </a:solidFill>
-                      <a:prstDash val="solid"/>
-                      <a:round/>
-                      <a:headEnd type="none" w="med" len="med"/>
-                      <a:tailEnd type="none" w="med" len="med"/>
-                    </a:lnB>
-                    <a:lnTlToBr w="12700" cmpd="sng">
-                      <a:noFill/>
-                      <a:prstDash val="solid"/>
-                    </a:lnTlToBr>
-                    <a:lnBlToTr w="12700" cmpd="sng">
-                      <a:noFill/>
-                      <a:prstDash val="solid"/>
-                    </a:lnBlToTr>
-                  </a:tcPr>
-                </a:tc>
-                <a:extLst>
-                  <a:ext uri="{0D108BD9-81ED-4DB2-BD59-A6C34878D82A}">
-                    <a16:rowId xmlns:a16="http://schemas.microsoft.com/office/drawing/2014/main" val="269195298"/>
-                  </a:ext>
-                </a:extLst>
-              </a:tr>
-            </a:tbl>
-          </a:graphicData>
-        </a:graphic>
-      </p:graphicFrame>
-      <p:sp>
-        <p:nvSpPr>
-          <p:cNvPr id="30" name="직사각형 29">
-            <a:extLst>
-              <a:ext uri="{FF2B5EF4-FFF2-40B4-BE49-F238E27FC236}">
-                <a16:creationId xmlns:a16="http://schemas.microsoft.com/office/drawing/2014/main" id="{BA566F6A-4F78-7551-6C27-63B39701CC69}"/>
-              </a:ext>
-            </a:extLst>
-          </p:cNvPr>
-          <p:cNvSpPr/>
-          <p:nvPr/>
-        </p:nvSpPr>
-        <p:spPr>
-          <a:xfrm>
-            <a:off x="6250258" y="1216875"/>
-            <a:ext cx="5405030" cy="2370285"/>
-          </a:xfrm>
-          <a:prstGeom prst="rect">
-            <a:avLst/>
-          </a:prstGeom>
-          <a:solidFill>
-            <a:srgbClr val="3D3A35"/>
-          </a:solidFill>
-          <a:ln>
-            <a:noFill/>
-          </a:ln>
-        </p:spPr>
-        <p:style>
-          <a:lnRef idx="2">
-            <a:schemeClr val="accent1">
-              <a:shade val="50000"/>
-            </a:schemeClr>
-          </a:lnRef>
-          <a:fillRef idx="1">
-            <a:schemeClr val="accent1"/>
-          </a:fillRef>
-          <a:effectRef idx="0">
-            <a:schemeClr val="accent1"/>
-          </a:effectRef>
-          <a:fontRef idx="minor">
-            <a:schemeClr val="lt1"/>
-          </a:fontRef>
-        </p:style>
-        <p:txBody>
-          <a:bodyPr rtlCol="0" anchor="ctr"/>
-          <a:lstStyle/>
-          <a:p>
-            <a:pPr algn="ctr"/>
-            <a:endParaRPr lang="ko-KR" altLang="en-US">
-              <a:solidFill>
-                <a:schemeClr val="bg1"/>
-              </a:solidFill>
-            </a:endParaRPr>
-          </a:p>
-        </p:txBody>
-      </p:sp>
-      <p:graphicFrame>
-        <p:nvGraphicFramePr>
-          <p:cNvPr id="35" name="표 34">
-            <a:extLst>
-              <a:ext uri="{FF2B5EF4-FFF2-40B4-BE49-F238E27FC236}">
-                <a16:creationId xmlns:a16="http://schemas.microsoft.com/office/drawing/2014/main" id="{31038E98-8181-695B-1076-0F1D1F3896A9}"/>
-              </a:ext>
-            </a:extLst>
-          </p:cNvPr>
-          <p:cNvGraphicFramePr>
-            <a:graphicFrameLocks noGrp="1"/>
-          </p:cNvGraphicFramePr>
-          <p:nvPr/>
-        </p:nvGraphicFramePr>
-        <p:xfrm>
-          <a:off x="6250256" y="1216875"/>
-          <a:ext cx="5413190" cy="2370285"/>
-        </p:xfrm>
-        <a:graphic>
-          <a:graphicData uri="http://schemas.openxmlformats.org/drawingml/2006/table">
-            <a:tbl>
-              <a:tblPr firstRow="1" bandRow="1">
-                <a:tableStyleId>{5940675A-B579-460E-94D1-54222C63F5DA}</a:tableStyleId>
-              </a:tblPr>
-              <a:tblGrid>
-                <a:gridCol w="1082638">
-                  <a:extLst>
-                    <a:ext uri="{9D8B030D-6E8A-4147-A177-3AD203B41FA5}">
-                      <a16:colId xmlns:a16="http://schemas.microsoft.com/office/drawing/2014/main" val="2870540225"/>
-                    </a:ext>
-                  </a:extLst>
-                </a:gridCol>
-                <a:gridCol w="1082638">
-                  <a:extLst>
-                    <a:ext uri="{9D8B030D-6E8A-4147-A177-3AD203B41FA5}">
-                      <a16:colId xmlns:a16="http://schemas.microsoft.com/office/drawing/2014/main" val="2004156018"/>
-                    </a:ext>
-                  </a:extLst>
-                </a:gridCol>
-                <a:gridCol w="1082638">
-                  <a:extLst>
-                    <a:ext uri="{9D8B030D-6E8A-4147-A177-3AD203B41FA5}">
-                      <a16:colId xmlns:a16="http://schemas.microsoft.com/office/drawing/2014/main" val="1439812862"/>
-                    </a:ext>
-                  </a:extLst>
-                </a:gridCol>
-                <a:gridCol w="1082638">
-                  <a:extLst>
-                    <a:ext uri="{9D8B030D-6E8A-4147-A177-3AD203B41FA5}">
-                      <a16:colId xmlns:a16="http://schemas.microsoft.com/office/drawing/2014/main" val="2047450063"/>
-                    </a:ext>
-                  </a:extLst>
-                </a:gridCol>
-                <a:gridCol w="1082638">
-                  <a:extLst>
-                    <a:ext uri="{9D8B030D-6E8A-4147-A177-3AD203B41FA5}">
-                      <a16:colId xmlns:a16="http://schemas.microsoft.com/office/drawing/2014/main" val="4284352567"/>
-                    </a:ext>
-                  </a:extLst>
-                </a:gridCol>
-              </a:tblGrid>
-              <a:tr h="422944">
-                <a:tc>
-                  <a:txBody>
-                    <a:bodyPr/>
-                    <a:lstStyle/>
-                    <a:p>
-                      <a:pPr latinLnBrk="1"/>
-                      <a:r>
-                        <a:rPr lang="en-US" altLang="ko-KR" dirty="0">
-                          <a:solidFill>
-                            <a:srgbClr val="E5E2E0"/>
-                          </a:solidFill>
-                        </a:rPr>
-                        <a:t>12.08</a:t>
-                      </a:r>
-                      <a:endParaRPr lang="ko-KR" altLang="en-US" dirty="0">
-                        <a:solidFill>
-                          <a:srgbClr val="E5E2E0"/>
-                        </a:solidFill>
-                      </a:endParaRPr>
-                    </a:p>
-                  </a:txBody>
-                  <a:tcPr>
-                    <a:lnL w="12700" cap="flat" cmpd="sng" algn="ctr">
-                      <a:solidFill>
-                        <a:schemeClr val="bg1"/>
-                      </a:solidFill>
-                      <a:prstDash val="solid"/>
-                      <a:round/>
-                      <a:headEnd type="none" w="med" len="med"/>
-                      <a:tailEnd type="none" w="med" len="med"/>
-                    </a:lnL>
-                    <a:lnR w="12700" cap="flat" cmpd="sng" algn="ctr">
-                      <a:solidFill>
-                        <a:schemeClr val="bg1"/>
-                      </a:solidFill>
-                      <a:prstDash val="solid"/>
-                      <a:round/>
-                      <a:headEnd type="none" w="med" len="med"/>
-                      <a:tailEnd type="none" w="med" len="med"/>
-                    </a:lnR>
-                    <a:lnT w="12700" cap="flat" cmpd="sng" algn="ctr">
-                      <a:solidFill>
-                        <a:schemeClr val="bg1"/>
-                      </a:solidFill>
-                      <a:prstDash val="solid"/>
-                      <a:round/>
-                      <a:headEnd type="none" w="med" len="med"/>
-                      <a:tailEnd type="none" w="med" len="med"/>
-                    </a:lnT>
-                    <a:lnB w="12700" cap="flat" cmpd="sng" algn="ctr">
-                      <a:solidFill>
-                        <a:schemeClr val="bg1"/>
-                      </a:solidFill>
-                      <a:prstDash val="solid"/>
-                      <a:round/>
-                      <a:headEnd type="none" w="med" len="med"/>
-                      <a:tailEnd type="none" w="med" len="med"/>
-                    </a:lnB>
-                    <a:lnTlToBr w="12700" cmpd="sng">
-                      <a:noFill/>
-                      <a:prstDash val="solid"/>
-                    </a:lnTlToBr>
-                    <a:lnBlToTr w="12700" cmpd="sng">
-                      <a:noFill/>
-                      <a:prstDash val="solid"/>
-                    </a:lnBlToTr>
-                  </a:tcPr>
-                </a:tc>
-                <a:tc>
-                  <a:txBody>
-                    <a:bodyPr/>
-                    <a:lstStyle/>
-                    <a:p>
-                      <a:pPr latinLnBrk="1"/>
-                      <a:r>
-                        <a:rPr lang="en-US" altLang="ko-KR" dirty="0">
-                          <a:solidFill>
-                            <a:srgbClr val="E5E2E0"/>
-                          </a:solidFill>
-                        </a:rPr>
-                        <a:t>12.09</a:t>
-                      </a:r>
-                      <a:endParaRPr lang="ko-KR" altLang="en-US" dirty="0">
-                        <a:solidFill>
-                          <a:srgbClr val="E5E2E0"/>
-                        </a:solidFill>
-                      </a:endParaRPr>
-                    </a:p>
-                  </a:txBody>
-                  <a:tcPr>
-                    <a:lnL w="12700" cap="flat" cmpd="sng" algn="ctr">
-                      <a:solidFill>
-                        <a:schemeClr val="bg1"/>
-                      </a:solidFill>
-                      <a:prstDash val="solid"/>
-                      <a:round/>
-                      <a:headEnd type="none" w="med" len="med"/>
-                      <a:tailEnd type="none" w="med" len="med"/>
-                    </a:lnL>
-                    <a:lnR w="12700" cap="flat" cmpd="sng" algn="ctr">
-                      <a:solidFill>
-                        <a:schemeClr val="bg1"/>
-                      </a:solidFill>
-                      <a:prstDash val="solid"/>
-                      <a:round/>
-                      <a:headEnd type="none" w="med" len="med"/>
-                      <a:tailEnd type="none" w="med" len="med"/>
-                    </a:lnR>
-                    <a:lnT w="12700" cap="flat" cmpd="sng" algn="ctr">
-                      <a:solidFill>
-                        <a:schemeClr val="bg1"/>
-                      </a:solidFill>
-                      <a:prstDash val="solid"/>
-                      <a:round/>
-                      <a:headEnd type="none" w="med" len="med"/>
-                      <a:tailEnd type="none" w="med" len="med"/>
-                    </a:lnT>
-                    <a:lnB w="12700" cap="flat" cmpd="sng" algn="ctr">
-                      <a:solidFill>
-                        <a:schemeClr val="bg1"/>
-                      </a:solidFill>
-                      <a:prstDash val="solid"/>
-                      <a:round/>
-                      <a:headEnd type="none" w="med" len="med"/>
-                      <a:tailEnd type="none" w="med" len="med"/>
-                    </a:lnB>
-                    <a:lnTlToBr w="12700" cmpd="sng">
-                      <a:noFill/>
-                      <a:prstDash val="solid"/>
-                    </a:lnTlToBr>
-                    <a:lnBlToTr w="12700" cmpd="sng">
-                      <a:noFill/>
-                      <a:prstDash val="solid"/>
-                    </a:lnBlToTr>
-                  </a:tcPr>
-                </a:tc>
-                <a:tc>
-                  <a:txBody>
-                    <a:bodyPr/>
-                    <a:lstStyle/>
-                    <a:p>
-                      <a:pPr latinLnBrk="1"/>
-                      <a:r>
-                        <a:rPr lang="en-US" altLang="ko-KR" dirty="0">
-                          <a:solidFill>
-                            <a:srgbClr val="E5E2E0"/>
-                          </a:solidFill>
-                        </a:rPr>
-                        <a:t>12.10</a:t>
-                      </a:r>
-                      <a:endParaRPr lang="ko-KR" altLang="en-US" dirty="0">
-                        <a:solidFill>
-                          <a:srgbClr val="E5E2E0"/>
-                        </a:solidFill>
-                      </a:endParaRPr>
-                    </a:p>
-                  </a:txBody>
-                  <a:tcPr>
-                    <a:lnL w="12700" cap="flat" cmpd="sng" algn="ctr">
-                      <a:solidFill>
-                        <a:schemeClr val="bg1"/>
-                      </a:solidFill>
-                      <a:prstDash val="solid"/>
-                      <a:round/>
-                      <a:headEnd type="none" w="med" len="med"/>
-                      <a:tailEnd type="none" w="med" len="med"/>
-                    </a:lnL>
-                    <a:lnR w="12700" cap="flat" cmpd="sng" algn="ctr">
-                      <a:solidFill>
-                        <a:schemeClr val="bg1"/>
-                      </a:solidFill>
-                      <a:prstDash val="solid"/>
-                      <a:round/>
-                      <a:headEnd type="none" w="med" len="med"/>
-                      <a:tailEnd type="none" w="med" len="med"/>
-                    </a:lnR>
-                    <a:lnT w="12700" cap="flat" cmpd="sng" algn="ctr">
-                      <a:solidFill>
-                        <a:schemeClr val="bg1"/>
-                      </a:solidFill>
-                      <a:prstDash val="solid"/>
-                      <a:round/>
-                      <a:headEnd type="none" w="med" len="med"/>
-                      <a:tailEnd type="none" w="med" len="med"/>
-                    </a:lnT>
-                    <a:lnB w="12700" cap="flat" cmpd="sng" algn="ctr">
-                      <a:solidFill>
-                        <a:schemeClr val="bg1"/>
-                      </a:solidFill>
-                      <a:prstDash val="solid"/>
-                      <a:round/>
-                      <a:headEnd type="none" w="med" len="med"/>
-                      <a:tailEnd type="none" w="med" len="med"/>
-                    </a:lnB>
-                    <a:lnTlToBr w="12700" cmpd="sng">
-                      <a:noFill/>
-                      <a:prstDash val="solid"/>
-                    </a:lnTlToBr>
-                    <a:lnBlToTr w="12700" cmpd="sng">
-                      <a:noFill/>
-                      <a:prstDash val="solid"/>
-                    </a:lnBlToTr>
-                  </a:tcPr>
-                </a:tc>
-                <a:tc>
-                  <a:txBody>
-                    <a:bodyPr/>
-                    <a:lstStyle/>
-                    <a:p>
-                      <a:pPr latinLnBrk="1"/>
-                      <a:r>
-                        <a:rPr lang="en-US" altLang="ko-KR" dirty="0">
-                          <a:solidFill>
-                            <a:srgbClr val="E5E2E0"/>
-                          </a:solidFill>
-                        </a:rPr>
-                        <a:t>12.11</a:t>
-                      </a:r>
-                      <a:endParaRPr lang="ko-KR" altLang="en-US" dirty="0">
-                        <a:solidFill>
-                          <a:srgbClr val="E5E2E0"/>
-                        </a:solidFill>
-                      </a:endParaRPr>
-                    </a:p>
-                  </a:txBody>
-                  <a:tcPr>
-                    <a:lnL w="12700" cap="flat" cmpd="sng" algn="ctr">
-                      <a:solidFill>
-                        <a:schemeClr val="bg1"/>
-                      </a:solidFill>
-                      <a:prstDash val="solid"/>
-                      <a:round/>
-                      <a:headEnd type="none" w="med" len="med"/>
-                      <a:tailEnd type="none" w="med" len="med"/>
-                    </a:lnL>
-                    <a:lnR w="12700" cap="flat" cmpd="sng" algn="ctr">
-                      <a:solidFill>
-                        <a:schemeClr val="bg1"/>
-                      </a:solidFill>
-                      <a:prstDash val="solid"/>
-                      <a:round/>
-                      <a:headEnd type="none" w="med" len="med"/>
-                      <a:tailEnd type="none" w="med" len="med"/>
-                    </a:lnR>
-                    <a:lnT w="12700" cap="flat" cmpd="sng" algn="ctr">
-                      <a:solidFill>
-                        <a:schemeClr val="bg1"/>
-                      </a:solidFill>
-                      <a:prstDash val="solid"/>
-                      <a:round/>
-                      <a:headEnd type="none" w="med" len="med"/>
-                      <a:tailEnd type="none" w="med" len="med"/>
-                    </a:lnT>
-                    <a:lnB w="12700" cap="flat" cmpd="sng" algn="ctr">
-                      <a:solidFill>
-                        <a:schemeClr val="bg1"/>
-                      </a:solidFill>
-                      <a:prstDash val="solid"/>
-                      <a:round/>
-                      <a:headEnd type="none" w="med" len="med"/>
-                      <a:tailEnd type="none" w="med" len="med"/>
-                    </a:lnB>
-                    <a:lnTlToBr w="12700" cmpd="sng">
-                      <a:noFill/>
-                      <a:prstDash val="solid"/>
-                    </a:lnTlToBr>
-                    <a:lnBlToTr w="12700" cmpd="sng">
-                      <a:noFill/>
-                      <a:prstDash val="solid"/>
-                    </a:lnBlToTr>
-                  </a:tcPr>
-                </a:tc>
-                <a:tc>
-                  <a:txBody>
-                    <a:bodyPr/>
-                    <a:lstStyle/>
-                    <a:p>
-                      <a:pPr latinLnBrk="1"/>
-                      <a:r>
-                        <a:rPr lang="en-US" altLang="ko-KR" dirty="0">
-                          <a:solidFill>
-                            <a:srgbClr val="E5E2E0"/>
-                          </a:solidFill>
-                        </a:rPr>
-                        <a:t>12.12</a:t>
-                      </a:r>
-                      <a:endParaRPr lang="ko-KR" altLang="en-US" dirty="0">
-                        <a:solidFill>
-                          <a:srgbClr val="E5E2E0"/>
-                        </a:solidFill>
-                      </a:endParaRPr>
-                    </a:p>
-                  </a:txBody>
-                  <a:tcPr>
-                    <a:lnL w="12700" cap="flat" cmpd="sng" algn="ctr">
-                      <a:solidFill>
-                        <a:schemeClr val="bg1"/>
-                      </a:solidFill>
-                      <a:prstDash val="solid"/>
-                      <a:round/>
-                      <a:headEnd type="none" w="med" len="med"/>
-                      <a:tailEnd type="none" w="med" len="med"/>
-                    </a:lnL>
-                    <a:lnR w="12700" cap="flat" cmpd="sng" algn="ctr">
-                      <a:solidFill>
-                        <a:schemeClr val="bg1"/>
-                      </a:solidFill>
-                      <a:prstDash val="solid"/>
-                      <a:round/>
-                      <a:headEnd type="none" w="med" len="med"/>
-                      <a:tailEnd type="none" w="med" len="med"/>
-                    </a:lnR>
-                    <a:lnT w="12700" cap="flat" cmpd="sng" algn="ctr">
-                      <a:solidFill>
-                        <a:schemeClr val="bg1"/>
-                      </a:solidFill>
-                      <a:prstDash val="solid"/>
-                      <a:round/>
-                      <a:headEnd type="none" w="med" len="med"/>
-                      <a:tailEnd type="none" w="med" len="med"/>
-                    </a:lnT>
-                    <a:lnB w="12700" cap="flat" cmpd="sng" algn="ctr">
-                      <a:solidFill>
-                        <a:schemeClr val="bg1"/>
-                      </a:solidFill>
-                      <a:prstDash val="solid"/>
-                      <a:round/>
-                      <a:headEnd type="none" w="med" len="med"/>
-                      <a:tailEnd type="none" w="med" len="med"/>
-                    </a:lnB>
-                    <a:lnTlToBr w="12700" cmpd="sng">
-                      <a:noFill/>
-                      <a:prstDash val="solid"/>
-                    </a:lnTlToBr>
-                    <a:lnBlToTr w="12700" cmpd="sng">
-                      <a:noFill/>
-                      <a:prstDash val="solid"/>
-                    </a:lnBlToTr>
-                  </a:tcPr>
-                </a:tc>
-                <a:extLst>
-                  <a:ext uri="{0D108BD9-81ED-4DB2-BD59-A6C34878D82A}">
-                    <a16:rowId xmlns:a16="http://schemas.microsoft.com/office/drawing/2014/main" val="3987292969"/>
-                  </a:ext>
-                </a:extLst>
-              </a:tr>
-              <a:tr h="1947341">
-                <a:tc>
-                  <a:txBody>
-                    <a:bodyPr/>
-                    <a:lstStyle/>
-                    <a:p>
-                      <a:pPr latinLnBrk="1"/>
-                      <a:r>
-                        <a:rPr lang="en-US" altLang="ko-KR" sz="1200" dirty="0">
-                          <a:solidFill>
-                            <a:srgbClr val="E5E2E0"/>
-                          </a:solidFill>
-                          <a:latin typeface="Noto Sans KR Medium" panose="020B0200000000000000" pitchFamily="50" charset="-127"/>
-                          <a:ea typeface="Noto Sans KR Medium" panose="020B0200000000000000" pitchFamily="50" charset="-127"/>
-                        </a:rPr>
-                        <a:t>• </a:t>
-                      </a:r>
-                      <a:r>
-                        <a:rPr lang="ko-KR" altLang="en-US" sz="1400" dirty="0">
-                          <a:solidFill>
-                            <a:srgbClr val="E5E2E0"/>
-                          </a:solidFill>
-                          <a:latin typeface="Noto Sans KR Medium" panose="020B0200000000000000" pitchFamily="50" charset="-127"/>
-                          <a:ea typeface="Noto Sans KR Medium" panose="020B0200000000000000" pitchFamily="50" charset="-127"/>
-                        </a:rPr>
-                        <a:t>이미지와 </a:t>
-                      </a:r>
-                      <a:r>
-                        <a:rPr lang="en-US" altLang="ko-KR" sz="1400" dirty="0">
-                          <a:solidFill>
-                            <a:srgbClr val="E5E2E0"/>
-                          </a:solidFill>
-                          <a:latin typeface="Noto Sans KR Medium" panose="020B0200000000000000" pitchFamily="50" charset="-127"/>
-                          <a:ea typeface="Noto Sans KR Medium" panose="020B0200000000000000" pitchFamily="50" charset="-127"/>
-                        </a:rPr>
-                        <a:t>AI </a:t>
-                      </a:r>
-                      <a:r>
-                        <a:rPr lang="ko-KR" altLang="en-US" sz="1400" dirty="0">
-                          <a:solidFill>
-                            <a:srgbClr val="E5E2E0"/>
-                          </a:solidFill>
-                          <a:latin typeface="Noto Sans KR Medium" panose="020B0200000000000000" pitchFamily="50" charset="-127"/>
-                          <a:ea typeface="Noto Sans KR Medium" panose="020B0200000000000000" pitchFamily="50" charset="-127"/>
-                        </a:rPr>
-                        <a:t>허브 자료 비교</a:t>
-                      </a:r>
-                      <a:endParaRPr lang="en-US" altLang="ko-KR" sz="1400" dirty="0">
-                        <a:solidFill>
-                          <a:srgbClr val="E5E2E0"/>
-                        </a:solidFill>
-                        <a:latin typeface="Noto Sans KR Medium" panose="020B0200000000000000" pitchFamily="50" charset="-127"/>
-                        <a:ea typeface="Noto Sans KR Medium" panose="020B0200000000000000" pitchFamily="50" charset="-127"/>
-                      </a:endParaRPr>
-                    </a:p>
-                    <a:p>
-                      <a:pPr latinLnBrk="1"/>
-                      <a:r>
-                        <a:rPr lang="en-US" altLang="ko-KR" sz="1400" dirty="0">
-                          <a:solidFill>
-                            <a:srgbClr val="E5E2E0"/>
-                          </a:solidFill>
-                          <a:latin typeface="Noto Sans KR Medium" panose="020B0200000000000000" pitchFamily="50" charset="-127"/>
-                          <a:ea typeface="Noto Sans KR Medium" panose="020B0200000000000000" pitchFamily="50" charset="-127"/>
-                        </a:rPr>
-                        <a:t>• </a:t>
-                      </a:r>
-                      <a:r>
-                        <a:rPr lang="ko-KR" altLang="en-US" sz="1400" kern="1200" dirty="0" err="1">
-                          <a:solidFill>
-                            <a:srgbClr val="E5E2E0"/>
-                          </a:solidFill>
-                          <a:latin typeface="Noto Sans KR Medium" panose="020B0200000000000000" pitchFamily="50" charset="-127"/>
-                          <a:ea typeface="Noto Sans KR Medium" panose="020B0200000000000000" pitchFamily="50" charset="-127"/>
-                          <a:cs typeface="+mn-cs"/>
-                        </a:rPr>
-                        <a:t>체크섬</a:t>
-                      </a:r>
-                      <a:r>
-                        <a:rPr lang="ko-KR" altLang="en-US" sz="1400" kern="1200" dirty="0">
-                          <a:solidFill>
-                            <a:srgbClr val="E5E2E0"/>
-                          </a:solidFill>
-                          <a:latin typeface="Noto Sans KR Medium" panose="020B0200000000000000" pitchFamily="50" charset="-127"/>
-                          <a:ea typeface="Noto Sans KR Medium" panose="020B0200000000000000" pitchFamily="50" charset="-127"/>
-                          <a:cs typeface="+mn-cs"/>
-                        </a:rPr>
-                        <a:t> 유사도 매칭</a:t>
-                      </a:r>
-                      <a:endParaRPr lang="en-US" altLang="ko-KR" sz="1400" kern="1200" dirty="0">
-                        <a:solidFill>
-                          <a:srgbClr val="E5E2E0"/>
-                        </a:solidFill>
-                        <a:latin typeface="Noto Sans KR Medium" panose="020B0200000000000000" pitchFamily="50" charset="-127"/>
-                        <a:ea typeface="Noto Sans KR Medium" panose="020B0200000000000000" pitchFamily="50" charset="-127"/>
-                        <a:cs typeface="+mn-cs"/>
-                      </a:endParaRPr>
-                    </a:p>
-                  </a:txBody>
-                  <a:tcPr>
-                    <a:lnL w="12700" cap="flat" cmpd="sng" algn="ctr">
-                      <a:solidFill>
-                        <a:schemeClr val="bg1"/>
-                      </a:solidFill>
-                      <a:prstDash val="solid"/>
-                      <a:round/>
-                      <a:headEnd type="none" w="med" len="med"/>
-                      <a:tailEnd type="none" w="med" len="med"/>
-                    </a:lnL>
-                    <a:lnR w="12700" cap="flat" cmpd="sng" algn="ctr">
-                      <a:solidFill>
-                        <a:schemeClr val="bg1"/>
-                      </a:solidFill>
-                      <a:prstDash val="solid"/>
-                      <a:round/>
-                      <a:headEnd type="none" w="med" len="med"/>
-                      <a:tailEnd type="none" w="med" len="med"/>
-                    </a:lnR>
-                    <a:lnT w="12700" cap="flat" cmpd="sng" algn="ctr">
-                      <a:solidFill>
-                        <a:schemeClr val="bg1"/>
-                      </a:solidFill>
-                      <a:prstDash val="solid"/>
-                      <a:round/>
-                      <a:headEnd type="none" w="med" len="med"/>
-                      <a:tailEnd type="none" w="med" len="med"/>
-                    </a:lnT>
-                    <a:lnB w="12700" cap="flat" cmpd="sng" algn="ctr">
-                      <a:solidFill>
-                        <a:schemeClr val="bg1"/>
-                      </a:solidFill>
-                      <a:prstDash val="solid"/>
-                      <a:round/>
-                      <a:headEnd type="none" w="med" len="med"/>
-                      <a:tailEnd type="none" w="med" len="med"/>
-                    </a:lnB>
-                    <a:lnTlToBr w="12700" cmpd="sng">
-                      <a:noFill/>
-                      <a:prstDash val="solid"/>
-                    </a:lnTlToBr>
-                    <a:lnBlToTr w="12700" cmpd="sng">
-                      <a:noFill/>
-                      <a:prstDash val="solid"/>
-                    </a:lnBlToTr>
-                  </a:tcPr>
-                </a:tc>
-                <a:tc>
-                  <a:txBody>
-                    <a:bodyPr/>
-                    <a:lstStyle/>
-                    <a:p>
-                      <a:pPr latinLnBrk="1"/>
-                      <a:r>
-                        <a:rPr lang="en-US" altLang="ko-KR" sz="1400" dirty="0">
-                          <a:solidFill>
-                            <a:srgbClr val="E5E2E0"/>
-                          </a:solidFill>
-                          <a:latin typeface="Noto Sans KR Medium" panose="020B0200000000000000" pitchFamily="50" charset="-127"/>
-                          <a:ea typeface="Noto Sans KR Medium" panose="020B0200000000000000" pitchFamily="50" charset="-127"/>
-                        </a:rPr>
-                        <a:t>• </a:t>
-                      </a:r>
-                      <a:r>
-                        <a:rPr lang="ko-KR" altLang="en-US" sz="1400" dirty="0">
-                          <a:solidFill>
-                            <a:srgbClr val="E5E2E0"/>
-                          </a:solidFill>
-                          <a:latin typeface="Noto Sans KR Medium" panose="020B0200000000000000" pitchFamily="50" charset="-127"/>
-                          <a:ea typeface="Noto Sans KR Medium" panose="020B0200000000000000" pitchFamily="50" charset="-127"/>
-                        </a:rPr>
-                        <a:t>이미지 </a:t>
-                      </a:r>
-                      <a:r>
-                        <a:rPr lang="en-US" altLang="ko-KR" sz="1400" dirty="0">
-                          <a:solidFill>
-                            <a:srgbClr val="E5E2E0"/>
-                          </a:solidFill>
-                          <a:latin typeface="Noto Sans KR Medium" panose="020B0200000000000000" pitchFamily="50" charset="-127"/>
-                          <a:ea typeface="Noto Sans KR Medium" panose="020B0200000000000000" pitchFamily="50" charset="-127"/>
-                        </a:rPr>
-                        <a:t>+ </a:t>
-                      </a:r>
-                      <a:r>
-                        <a:rPr lang="ko-KR" altLang="en-US" sz="1400" dirty="0" err="1">
-                          <a:solidFill>
-                            <a:srgbClr val="E5E2E0"/>
-                          </a:solidFill>
-                          <a:latin typeface="Noto Sans KR Medium" panose="020B0200000000000000" pitchFamily="50" charset="-127"/>
-                          <a:ea typeface="Noto Sans KR Medium" panose="020B0200000000000000" pitchFamily="50" charset="-127"/>
-                        </a:rPr>
-                        <a:t>어노테이션</a:t>
-                      </a:r>
-                      <a:r>
-                        <a:rPr lang="ko-KR" altLang="en-US" sz="1400" dirty="0">
-                          <a:solidFill>
-                            <a:srgbClr val="E5E2E0"/>
-                          </a:solidFill>
-                          <a:latin typeface="Noto Sans KR Medium" panose="020B0200000000000000" pitchFamily="50" charset="-127"/>
-                          <a:ea typeface="Noto Sans KR Medium" panose="020B0200000000000000" pitchFamily="50" charset="-127"/>
-                        </a:rPr>
-                        <a:t> 전수 </a:t>
-                      </a:r>
-                      <a:r>
-                        <a:rPr lang="en-US" altLang="ko-KR" sz="1400" dirty="0" err="1">
-                          <a:solidFill>
-                            <a:srgbClr val="E5E2E0"/>
-                          </a:solidFill>
-                          <a:latin typeface="Noto Sans KR Medium" panose="020B0200000000000000" pitchFamily="50" charset="-127"/>
-                          <a:ea typeface="Noto Sans KR Medium" panose="020B0200000000000000" pitchFamily="50" charset="-127"/>
-                        </a:rPr>
-                        <a:t>bbox</a:t>
-                      </a:r>
-                      <a:r>
-                        <a:rPr lang="en-US" altLang="ko-KR" sz="1400" dirty="0">
-                          <a:solidFill>
-                            <a:srgbClr val="E5E2E0"/>
-                          </a:solidFill>
-                          <a:latin typeface="Noto Sans KR Medium" panose="020B0200000000000000" pitchFamily="50" charset="-127"/>
-                          <a:ea typeface="Noto Sans KR Medium" panose="020B0200000000000000" pitchFamily="50" charset="-127"/>
-                        </a:rPr>
-                        <a:t> </a:t>
-                      </a:r>
-                      <a:r>
-                        <a:rPr lang="ko-KR" altLang="en-US" sz="1400" dirty="0">
-                          <a:solidFill>
-                            <a:srgbClr val="E5E2E0"/>
-                          </a:solidFill>
-                          <a:latin typeface="Noto Sans KR Medium" panose="020B0200000000000000" pitchFamily="50" charset="-127"/>
-                          <a:ea typeface="Noto Sans KR Medium" panose="020B0200000000000000" pitchFamily="50" charset="-127"/>
-                        </a:rPr>
-                        <a:t>오버레이 확인</a:t>
-                      </a:r>
-                      <a:r>
-                        <a:rPr lang="en-US" altLang="ko-KR" sz="1400" kern="1200" dirty="0">
-                          <a:solidFill>
-                            <a:srgbClr val="E5E2E0"/>
-                          </a:solidFill>
-                          <a:latin typeface="Noto Sans KR Medium" panose="020B0200000000000000" pitchFamily="50" charset="-127"/>
-                          <a:ea typeface="Noto Sans KR Medium" panose="020B0200000000000000" pitchFamily="50" charset="-127"/>
-                          <a:cs typeface="+mn-cs"/>
-                        </a:rPr>
-                        <a:t> </a:t>
-                      </a:r>
-                      <a:r>
-                        <a:rPr lang="ko-KR" altLang="en-US" sz="1400" kern="1200" dirty="0">
-                          <a:solidFill>
-                            <a:srgbClr val="E5E2E0"/>
-                          </a:solidFill>
-                          <a:latin typeface="Noto Sans KR Medium" panose="020B0200000000000000" pitchFamily="50" charset="-127"/>
-                          <a:ea typeface="Noto Sans KR Medium" panose="020B0200000000000000" pitchFamily="50" charset="-127"/>
-                          <a:cs typeface="+mn-cs"/>
-                        </a:rPr>
-                        <a:t>및 좌표 수정</a:t>
-                      </a:r>
-                      <a:endParaRPr lang="en-US" altLang="ko-KR" sz="1400" dirty="0">
-                        <a:solidFill>
-                          <a:srgbClr val="E5E2E0"/>
-                        </a:solidFill>
-                        <a:latin typeface="Noto Sans KR Medium" panose="020B0200000000000000" pitchFamily="50" charset="-127"/>
-                        <a:ea typeface="Noto Sans KR Medium" panose="020B0200000000000000" pitchFamily="50" charset="-127"/>
-                      </a:endParaRPr>
-                    </a:p>
-                  </a:txBody>
-                  <a:tcPr>
-                    <a:lnL w="12700" cap="flat" cmpd="sng" algn="ctr">
-                      <a:solidFill>
-                        <a:schemeClr val="bg1"/>
-                      </a:solidFill>
-                      <a:prstDash val="solid"/>
-                      <a:round/>
-                      <a:headEnd type="none" w="med" len="med"/>
-                      <a:tailEnd type="none" w="med" len="med"/>
-                    </a:lnL>
-                    <a:lnR w="12700" cap="flat" cmpd="sng" algn="ctr">
-                      <a:solidFill>
-                        <a:schemeClr val="bg1"/>
-                      </a:solidFill>
-                      <a:prstDash val="solid"/>
-                      <a:round/>
-                      <a:headEnd type="none" w="med" len="med"/>
-                      <a:tailEnd type="none" w="med" len="med"/>
-                    </a:lnR>
-                    <a:lnT w="12700" cap="flat" cmpd="sng" algn="ctr">
-                      <a:solidFill>
-                        <a:schemeClr val="bg1"/>
-                      </a:solidFill>
-                      <a:prstDash val="solid"/>
-                      <a:round/>
-                      <a:headEnd type="none" w="med" len="med"/>
-                      <a:tailEnd type="none" w="med" len="med"/>
-                    </a:lnT>
-                    <a:lnB w="12700" cap="flat" cmpd="sng" algn="ctr">
-                      <a:solidFill>
-                        <a:schemeClr val="bg1"/>
-                      </a:solidFill>
-                      <a:prstDash val="solid"/>
-                      <a:round/>
-                      <a:headEnd type="none" w="med" len="med"/>
-                      <a:tailEnd type="none" w="med" len="med"/>
-                    </a:lnB>
-                    <a:lnTlToBr w="12700" cmpd="sng">
-                      <a:noFill/>
-                      <a:prstDash val="solid"/>
-                    </a:lnTlToBr>
-                    <a:lnBlToTr w="12700" cmpd="sng">
-                      <a:noFill/>
-                      <a:prstDash val="solid"/>
-                    </a:lnBlToTr>
-                  </a:tcPr>
-                </a:tc>
-                <a:tc>
-                  <a:txBody>
-                    <a:bodyPr/>
-                    <a:lstStyle/>
-                    <a:p>
-                      <a:pPr marL="0" marR="0" lvl="0" indent="0" algn="l" defTabSz="914400" rtl="0" eaLnBrk="1" fontAlgn="auto" latinLnBrk="1" hangingPunct="1">
-                        <a:lnSpc>
-                          <a:spcPct val="100000"/>
-                        </a:lnSpc>
-                        <a:spcBef>
-                          <a:spcPts val="0"/>
-                        </a:spcBef>
-                        <a:spcAft>
-                          <a:spcPts val="0"/>
-                        </a:spcAft>
-                        <a:buClrTx/>
-                        <a:buSzTx/>
-                        <a:buFontTx/>
-                        <a:buNone/>
-                        <a:tabLst/>
-                        <a:defRPr/>
-                      </a:pPr>
-                      <a:r>
-                        <a:rPr lang="en-US" altLang="ko-KR" sz="1400" dirty="0">
-                          <a:solidFill>
-                            <a:srgbClr val="E5E2E0"/>
-                          </a:solidFill>
-                          <a:latin typeface="Noto Sans KR Medium" panose="020B0200000000000000" pitchFamily="50" charset="-127"/>
-                          <a:ea typeface="Noto Sans KR Medium" panose="020B0200000000000000" pitchFamily="50" charset="-127"/>
-                        </a:rPr>
-                        <a:t>• </a:t>
-                      </a:r>
-                      <a:r>
-                        <a:rPr lang="ko-KR" altLang="en-US" sz="1400" dirty="0">
-                          <a:solidFill>
-                            <a:srgbClr val="E5E2E0"/>
-                          </a:solidFill>
-                          <a:latin typeface="Noto Sans KR Medium" panose="020B0200000000000000" pitchFamily="50" charset="-127"/>
-                          <a:ea typeface="Noto Sans KR Medium" panose="020B0200000000000000" pitchFamily="50" charset="-127"/>
-                        </a:rPr>
-                        <a:t>이미지 </a:t>
-                      </a:r>
-                      <a:r>
-                        <a:rPr lang="en-US" altLang="ko-KR" sz="1400" dirty="0">
-                          <a:solidFill>
-                            <a:srgbClr val="E5E2E0"/>
-                          </a:solidFill>
-                          <a:latin typeface="Noto Sans KR Medium" panose="020B0200000000000000" pitchFamily="50" charset="-127"/>
-                          <a:ea typeface="Noto Sans KR Medium" panose="020B0200000000000000" pitchFamily="50" charset="-127"/>
-                        </a:rPr>
-                        <a:t>+ </a:t>
-                      </a:r>
-                      <a:r>
-                        <a:rPr lang="ko-KR" altLang="en-US" sz="1400" dirty="0" err="1">
-                          <a:solidFill>
-                            <a:srgbClr val="E5E2E0"/>
-                          </a:solidFill>
-                          <a:latin typeface="Noto Sans KR Medium" panose="020B0200000000000000" pitchFamily="50" charset="-127"/>
-                          <a:ea typeface="Noto Sans KR Medium" panose="020B0200000000000000" pitchFamily="50" charset="-127"/>
-                        </a:rPr>
-                        <a:t>어노테이션</a:t>
-                      </a:r>
-                      <a:r>
-                        <a:rPr lang="ko-KR" altLang="en-US" sz="1400" dirty="0">
-                          <a:solidFill>
-                            <a:srgbClr val="E5E2E0"/>
-                          </a:solidFill>
-                          <a:latin typeface="Noto Sans KR Medium" panose="020B0200000000000000" pitchFamily="50" charset="-127"/>
-                          <a:ea typeface="Noto Sans KR Medium" panose="020B0200000000000000" pitchFamily="50" charset="-127"/>
-                        </a:rPr>
-                        <a:t> 전수 </a:t>
-                      </a:r>
-                      <a:r>
-                        <a:rPr lang="en-US" altLang="ko-KR" sz="1400" dirty="0" err="1">
-                          <a:solidFill>
-                            <a:srgbClr val="E5E2E0"/>
-                          </a:solidFill>
-                          <a:latin typeface="Noto Sans KR Medium" panose="020B0200000000000000" pitchFamily="50" charset="-127"/>
-                          <a:ea typeface="Noto Sans KR Medium" panose="020B0200000000000000" pitchFamily="50" charset="-127"/>
-                        </a:rPr>
-                        <a:t>bbox</a:t>
-                      </a:r>
-                      <a:r>
-                        <a:rPr lang="en-US" altLang="ko-KR" sz="1400" dirty="0">
-                          <a:solidFill>
-                            <a:srgbClr val="E5E2E0"/>
-                          </a:solidFill>
-                          <a:latin typeface="Noto Sans KR Medium" panose="020B0200000000000000" pitchFamily="50" charset="-127"/>
-                          <a:ea typeface="Noto Sans KR Medium" panose="020B0200000000000000" pitchFamily="50" charset="-127"/>
-                        </a:rPr>
-                        <a:t> </a:t>
-                      </a:r>
-                      <a:r>
-                        <a:rPr lang="ko-KR" altLang="en-US" sz="1400" dirty="0">
-                          <a:solidFill>
-                            <a:srgbClr val="E5E2E0"/>
-                          </a:solidFill>
-                          <a:latin typeface="Noto Sans KR Medium" panose="020B0200000000000000" pitchFamily="50" charset="-127"/>
-                          <a:ea typeface="Noto Sans KR Medium" panose="020B0200000000000000" pitchFamily="50" charset="-127"/>
-                        </a:rPr>
-                        <a:t>오버레이 확인</a:t>
-                      </a:r>
-                      <a:r>
-                        <a:rPr lang="en-US" altLang="ko-KR" sz="1400" kern="1200" dirty="0">
-                          <a:solidFill>
-                            <a:srgbClr val="E5E2E0"/>
-                          </a:solidFill>
-                          <a:latin typeface="Noto Sans KR Medium" panose="020B0200000000000000" pitchFamily="50" charset="-127"/>
-                          <a:ea typeface="Noto Sans KR Medium" panose="020B0200000000000000" pitchFamily="50" charset="-127"/>
-                          <a:cs typeface="+mn-cs"/>
-                        </a:rPr>
-                        <a:t> </a:t>
-                      </a:r>
-                      <a:r>
-                        <a:rPr lang="ko-KR" altLang="en-US" sz="1400" kern="1200" dirty="0">
-                          <a:solidFill>
-                            <a:srgbClr val="E5E2E0"/>
-                          </a:solidFill>
-                          <a:latin typeface="Noto Sans KR Medium" panose="020B0200000000000000" pitchFamily="50" charset="-127"/>
-                          <a:ea typeface="Noto Sans KR Medium" panose="020B0200000000000000" pitchFamily="50" charset="-127"/>
-                          <a:cs typeface="+mn-cs"/>
-                        </a:rPr>
-                        <a:t>및 좌표 </a:t>
-                      </a:r>
-                      <a:endParaRPr lang="en-US" altLang="ko-KR" sz="1400" dirty="0">
-                        <a:solidFill>
-                          <a:srgbClr val="E5E2E0"/>
-                        </a:solidFill>
-                        <a:latin typeface="Noto Sans KR Medium" panose="020B0200000000000000" pitchFamily="50" charset="-127"/>
-                        <a:ea typeface="Noto Sans KR Medium" panose="020B0200000000000000" pitchFamily="50" charset="-127"/>
-                      </a:endParaRPr>
-                    </a:p>
-                  </a:txBody>
-                  <a:tcPr>
-                    <a:lnL w="12700" cap="flat" cmpd="sng" algn="ctr">
-                      <a:solidFill>
-                        <a:schemeClr val="bg1"/>
-                      </a:solidFill>
-                      <a:prstDash val="solid"/>
-                      <a:round/>
-                      <a:headEnd type="none" w="med" len="med"/>
-                      <a:tailEnd type="none" w="med" len="med"/>
-                    </a:lnL>
-                    <a:lnR w="12700" cap="flat" cmpd="sng" algn="ctr">
-                      <a:solidFill>
-                        <a:schemeClr val="bg1"/>
-                      </a:solidFill>
-                      <a:prstDash val="solid"/>
-                      <a:round/>
-                      <a:headEnd type="none" w="med" len="med"/>
-                      <a:tailEnd type="none" w="med" len="med"/>
-                    </a:lnR>
-                    <a:lnT w="12700" cap="flat" cmpd="sng" algn="ctr">
-                      <a:solidFill>
-                        <a:schemeClr val="bg1"/>
-                      </a:solidFill>
-                      <a:prstDash val="solid"/>
-                      <a:round/>
-                      <a:headEnd type="none" w="med" len="med"/>
-                      <a:tailEnd type="none" w="med" len="med"/>
-                    </a:lnT>
-                    <a:lnB w="12700" cap="flat" cmpd="sng" algn="ctr">
-                      <a:solidFill>
-                        <a:schemeClr val="bg1"/>
-                      </a:solidFill>
-                      <a:prstDash val="solid"/>
-                      <a:round/>
-                      <a:headEnd type="none" w="med" len="med"/>
-                      <a:tailEnd type="none" w="med" len="med"/>
-                    </a:lnB>
-                    <a:lnTlToBr w="12700" cmpd="sng">
-                      <a:noFill/>
-                      <a:prstDash val="solid"/>
-                    </a:lnTlToBr>
-                    <a:lnBlToTr w="12700" cmpd="sng">
-                      <a:noFill/>
-                      <a:prstDash val="solid"/>
-                    </a:lnBlToTr>
-                  </a:tcPr>
-                </a:tc>
-                <a:tc>
-                  <a:txBody>
-                    <a:bodyPr/>
-                    <a:lstStyle/>
-                    <a:p>
-                      <a:pPr latinLnBrk="1"/>
-                      <a:r>
-                        <a:rPr lang="en-US" altLang="ko-KR" sz="1400" dirty="0">
-                          <a:solidFill>
-                            <a:srgbClr val="E5E2E0"/>
-                          </a:solidFill>
-                          <a:latin typeface="Noto Sans KR Medium" panose="020B0200000000000000" pitchFamily="50" charset="-127"/>
-                          <a:ea typeface="Noto Sans KR Medium" panose="020B0200000000000000" pitchFamily="50" charset="-127"/>
-                        </a:rPr>
-                        <a:t>• </a:t>
-                      </a:r>
-                      <a:r>
-                        <a:rPr lang="ko-KR" altLang="en-US" sz="1400" dirty="0">
-                          <a:solidFill>
-                            <a:srgbClr val="E5E2E0"/>
-                          </a:solidFill>
-                          <a:latin typeface="Noto Sans KR Medium" panose="020B0200000000000000" pitchFamily="50" charset="-127"/>
-                          <a:ea typeface="Noto Sans KR Medium" panose="020B0200000000000000" pitchFamily="50" charset="-127"/>
-                        </a:rPr>
-                        <a:t>이미지 구간별 </a:t>
-                      </a:r>
-                      <a:r>
-                        <a:rPr lang="en-US" altLang="ko-KR" sz="1400" dirty="0">
-                          <a:solidFill>
-                            <a:srgbClr val="E5E2E0"/>
-                          </a:solidFill>
-                          <a:latin typeface="Noto Sans KR Medium" panose="020B0200000000000000" pitchFamily="50" charset="-127"/>
-                          <a:ea typeface="Noto Sans KR Medium" panose="020B0200000000000000" pitchFamily="50" charset="-127"/>
-                        </a:rPr>
-                        <a:t>Yolo</a:t>
-                      </a:r>
-                      <a:r>
-                        <a:rPr lang="ko-KR" altLang="en-US" sz="1400" dirty="0">
-                          <a:solidFill>
-                            <a:srgbClr val="E5E2E0"/>
-                          </a:solidFill>
-                          <a:latin typeface="Noto Sans KR Medium" panose="020B0200000000000000" pitchFamily="50" charset="-127"/>
-                          <a:ea typeface="Noto Sans KR Medium" panose="020B0200000000000000" pitchFamily="50" charset="-127"/>
-                        </a:rPr>
-                        <a:t>모델 학습</a:t>
-                      </a:r>
-                      <a:endParaRPr lang="ko-KR" altLang="en-US" sz="1400" kern="1200" dirty="0">
-                        <a:solidFill>
-                          <a:srgbClr val="E5E2E0"/>
-                        </a:solidFill>
-                        <a:latin typeface="Noto Sans KR Medium" panose="020B0200000000000000" pitchFamily="50" charset="-127"/>
-                        <a:ea typeface="Noto Sans KR Medium" panose="020B0200000000000000" pitchFamily="50" charset="-127"/>
-                        <a:cs typeface="+mn-cs"/>
-                      </a:endParaRPr>
-                    </a:p>
-                  </a:txBody>
-                  <a:tcPr>
-                    <a:lnL w="12700" cap="flat" cmpd="sng" algn="ctr">
-                      <a:solidFill>
-                        <a:schemeClr val="bg1"/>
-                      </a:solidFill>
-                      <a:prstDash val="solid"/>
-                      <a:round/>
-                      <a:headEnd type="none" w="med" len="med"/>
-                      <a:tailEnd type="none" w="med" len="med"/>
-                    </a:lnL>
-                    <a:lnR w="12700" cap="flat" cmpd="sng" algn="ctr">
-                      <a:solidFill>
-                        <a:schemeClr val="bg1"/>
-                      </a:solidFill>
-                      <a:prstDash val="solid"/>
-                      <a:round/>
-                      <a:headEnd type="none" w="med" len="med"/>
-                      <a:tailEnd type="none" w="med" len="med"/>
-                    </a:lnR>
-                    <a:lnT w="12700" cap="flat" cmpd="sng" algn="ctr">
-                      <a:solidFill>
-                        <a:schemeClr val="bg1"/>
-                      </a:solidFill>
-                      <a:prstDash val="solid"/>
-                      <a:round/>
-                      <a:headEnd type="none" w="med" len="med"/>
-                      <a:tailEnd type="none" w="med" len="med"/>
-                    </a:lnT>
-                    <a:lnB w="12700" cap="flat" cmpd="sng" algn="ctr">
-                      <a:solidFill>
-                        <a:schemeClr val="bg1"/>
-                      </a:solidFill>
-                      <a:prstDash val="solid"/>
-                      <a:round/>
-                      <a:headEnd type="none" w="med" len="med"/>
-                      <a:tailEnd type="none" w="med" len="med"/>
-                    </a:lnB>
-                    <a:lnTlToBr w="12700" cmpd="sng">
-                      <a:noFill/>
-                      <a:prstDash val="solid"/>
-                    </a:lnTlToBr>
-                    <a:lnBlToTr w="12700" cmpd="sng">
-                      <a:noFill/>
-                      <a:prstDash val="solid"/>
-                    </a:lnBlToTr>
-                  </a:tcPr>
-                </a:tc>
-                <a:tc>
-                  <a:txBody>
-                    <a:bodyPr/>
-                    <a:lstStyle/>
-                    <a:p>
-                      <a:pPr marL="0" indent="0" latinLnBrk="1">
-                        <a:buFontTx/>
-                        <a:buNone/>
-                      </a:pPr>
-                      <a:r>
-                        <a:rPr lang="en-US" altLang="ko-KR" sz="1400" dirty="0">
-                          <a:solidFill>
-                            <a:srgbClr val="E5E2E0"/>
-                          </a:solidFill>
-                          <a:latin typeface="Noto Sans KR Medium" panose="020B0200000000000000" pitchFamily="50" charset="-127"/>
-                          <a:ea typeface="Noto Sans KR Medium" panose="020B0200000000000000" pitchFamily="50" charset="-127"/>
-                        </a:rPr>
-                        <a:t>• </a:t>
-                      </a:r>
-                      <a:r>
-                        <a:rPr lang="ko-KR" altLang="en-US" sz="1400" dirty="0" err="1">
-                          <a:solidFill>
-                            <a:srgbClr val="E5E2E0"/>
-                          </a:solidFill>
-                          <a:latin typeface="Noto Sans KR Medium" panose="020B0200000000000000" pitchFamily="50" charset="-127"/>
-                          <a:ea typeface="Noto Sans KR Medium" panose="020B0200000000000000" pitchFamily="50" charset="-127"/>
-                        </a:rPr>
-                        <a:t>케글</a:t>
-                      </a:r>
-                      <a:r>
-                        <a:rPr lang="ko-KR" altLang="en-US" sz="1400" dirty="0">
-                          <a:solidFill>
-                            <a:srgbClr val="E5E2E0"/>
-                          </a:solidFill>
-                          <a:latin typeface="Noto Sans KR Medium" panose="020B0200000000000000" pitchFamily="50" charset="-127"/>
-                          <a:ea typeface="Noto Sans KR Medium" panose="020B0200000000000000" pitchFamily="50" charset="-127"/>
-                        </a:rPr>
-                        <a:t> 제출</a:t>
-                      </a:r>
-                      <a:endParaRPr lang="en-US" altLang="ko-KR" sz="1400" dirty="0">
-                        <a:solidFill>
-                          <a:srgbClr val="E5E2E0"/>
-                        </a:solidFill>
-                        <a:latin typeface="Noto Sans KR Medium" panose="020B0200000000000000" pitchFamily="50" charset="-127"/>
-                        <a:ea typeface="Noto Sans KR Medium" panose="020B0200000000000000" pitchFamily="50" charset="-127"/>
-                      </a:endParaRPr>
-                    </a:p>
-                    <a:p>
-                      <a:pPr marL="0" indent="0" latinLnBrk="1">
-                        <a:buFontTx/>
-                        <a:buNone/>
-                      </a:pPr>
-                      <a:r>
-                        <a:rPr lang="en-US" altLang="ko-KR" sz="1400" kern="1200" dirty="0">
-                          <a:solidFill>
-                            <a:srgbClr val="E5E2E0"/>
-                          </a:solidFill>
-                          <a:latin typeface="Noto Sans KR Medium" panose="020B0200000000000000" pitchFamily="50" charset="-127"/>
-                          <a:ea typeface="Noto Sans KR Medium" panose="020B0200000000000000" pitchFamily="50" charset="-127"/>
-                          <a:cs typeface="+mn-cs"/>
-                        </a:rPr>
-                        <a:t>•  Score 0.982 </a:t>
-                      </a:r>
-                      <a:r>
-                        <a:rPr lang="ko-KR" altLang="en-US" sz="1400" kern="1200" dirty="0">
-                          <a:solidFill>
-                            <a:srgbClr val="E5E2E0"/>
-                          </a:solidFill>
-                          <a:latin typeface="Noto Sans KR Medium" panose="020B0200000000000000" pitchFamily="50" charset="-127"/>
-                          <a:ea typeface="Noto Sans KR Medium" panose="020B0200000000000000" pitchFamily="50" charset="-127"/>
-                          <a:cs typeface="+mn-cs"/>
-                        </a:rPr>
-                        <a:t>점 달성</a:t>
-                      </a:r>
-                      <a:endParaRPr lang="en-US" altLang="ko-KR" sz="1400" kern="1200" dirty="0">
-                        <a:solidFill>
-                          <a:srgbClr val="E5E2E0"/>
-                        </a:solidFill>
-                        <a:latin typeface="Noto Sans KR Medium" panose="020B0200000000000000" pitchFamily="50" charset="-127"/>
-                        <a:ea typeface="Noto Sans KR Medium" panose="020B0200000000000000" pitchFamily="50" charset="-127"/>
-                        <a:cs typeface="+mn-cs"/>
-                      </a:endParaRPr>
-                    </a:p>
-                  </a:txBody>
-                  <a:tcPr>
-                    <a:lnL w="12700" cap="flat" cmpd="sng" algn="ctr">
-                      <a:solidFill>
-                        <a:schemeClr val="bg1"/>
-                      </a:solidFill>
-                      <a:prstDash val="solid"/>
-                      <a:round/>
-                      <a:headEnd type="none" w="med" len="med"/>
-                      <a:tailEnd type="none" w="med" len="med"/>
-                    </a:lnL>
-                    <a:lnR w="12700" cap="flat" cmpd="sng" algn="ctr">
-                      <a:solidFill>
-                        <a:schemeClr val="bg1"/>
-                      </a:solidFill>
-                      <a:prstDash val="solid"/>
-                      <a:round/>
-                      <a:headEnd type="none" w="med" len="med"/>
-                      <a:tailEnd type="none" w="med" len="med"/>
-                    </a:lnR>
-                    <a:lnT w="12700" cap="flat" cmpd="sng" algn="ctr">
-                      <a:solidFill>
-                        <a:schemeClr val="bg1"/>
-                      </a:solidFill>
-                      <a:prstDash val="solid"/>
-                      <a:round/>
-                      <a:headEnd type="none" w="med" len="med"/>
-                      <a:tailEnd type="none" w="med" len="med"/>
-                    </a:lnT>
-                    <a:lnB w="12700" cap="flat" cmpd="sng" algn="ctr">
-                      <a:solidFill>
-                        <a:schemeClr val="bg1"/>
-                      </a:solidFill>
-                      <a:prstDash val="solid"/>
-                      <a:round/>
-                      <a:headEnd type="none" w="med" len="med"/>
-                      <a:tailEnd type="none" w="med" len="med"/>
-                    </a:lnB>
-                    <a:lnTlToBr w="12700" cmpd="sng">
-                      <a:noFill/>
-                      <a:prstDash val="solid"/>
-                    </a:lnTlToBr>
-                    <a:lnBlToTr w="12700" cmpd="sng">
-                      <a:noFill/>
-                      <a:prstDash val="solid"/>
-                    </a:lnBlToTr>
-                  </a:tcPr>
-                </a:tc>
-                <a:extLst>
-                  <a:ext uri="{0D108BD9-81ED-4DB2-BD59-A6C34878D82A}">
-                    <a16:rowId xmlns:a16="http://schemas.microsoft.com/office/drawing/2014/main" val="269195298"/>
-                  </a:ext>
-                </a:extLst>
-              </a:tr>
-            </a:tbl>
-          </a:graphicData>
-        </a:graphic>
-      </p:graphicFrame>
-      <p:sp>
-        <p:nvSpPr>
-          <p:cNvPr id="8" name="직사각형 7">
-            <a:extLst>
-              <a:ext uri="{FF2B5EF4-FFF2-40B4-BE49-F238E27FC236}">
-                <a16:creationId xmlns:a16="http://schemas.microsoft.com/office/drawing/2014/main" id="{8147BAFF-928D-EF47-4DA6-B748F6F47041}"/>
-              </a:ext>
-            </a:extLst>
-          </p:cNvPr>
-          <p:cNvSpPr/>
-          <p:nvPr/>
-        </p:nvSpPr>
-        <p:spPr>
-          <a:xfrm>
-            <a:off x="583709" y="1216875"/>
-            <a:ext cx="5405030" cy="2370285"/>
-          </a:xfrm>
-          <a:prstGeom prst="rect">
-            <a:avLst/>
-          </a:prstGeom>
-          <a:solidFill>
-            <a:schemeClr val="accent3"/>
-          </a:solidFill>
-          <a:ln>
-            <a:noFill/>
-          </a:ln>
-        </p:spPr>
-        <p:style>
-          <a:lnRef idx="2">
-            <a:schemeClr val="accent1">
-              <a:shade val="50000"/>
-            </a:schemeClr>
-          </a:lnRef>
-          <a:fillRef idx="1">
-            <a:schemeClr val="accent1"/>
-          </a:fillRef>
-          <a:effectRef idx="0">
-            <a:schemeClr val="accent1"/>
-          </a:effectRef>
-          <a:fontRef idx="minor">
-            <a:schemeClr val="lt1"/>
-          </a:fontRef>
-        </p:style>
-        <p:txBody>
-          <a:bodyPr rtlCol="0" anchor="ctr"/>
-          <a:lstStyle/>
-          <a:p>
-            <a:pPr algn="ctr"/>
-            <a:endParaRPr lang="ko-KR" altLang="en-US">
-              <a:solidFill>
-                <a:schemeClr val="bg1"/>
-              </a:solidFill>
-            </a:endParaRPr>
-          </a:p>
-        </p:txBody>
-      </p:sp>
-      <p:graphicFrame>
-        <p:nvGraphicFramePr>
-          <p:cNvPr id="26" name="표 25">
-            <a:extLst>
-              <a:ext uri="{FF2B5EF4-FFF2-40B4-BE49-F238E27FC236}">
-                <a16:creationId xmlns:a16="http://schemas.microsoft.com/office/drawing/2014/main" id="{3AE701EB-B29B-B547-A957-6ACB8D9030E5}"/>
-              </a:ext>
-            </a:extLst>
-          </p:cNvPr>
-          <p:cNvGraphicFramePr>
-            <a:graphicFrameLocks noGrp="1"/>
-          </p:cNvGraphicFramePr>
-          <p:nvPr/>
-        </p:nvGraphicFramePr>
-        <p:xfrm>
-          <a:off x="575547" y="1206407"/>
-          <a:ext cx="5413190" cy="2370285"/>
-        </p:xfrm>
-        <a:graphic>
-          <a:graphicData uri="http://schemas.openxmlformats.org/drawingml/2006/table">
-            <a:tbl>
-              <a:tblPr firstRow="1" bandRow="1">
-                <a:tableStyleId>{5940675A-B579-460E-94D1-54222C63F5DA}</a:tableStyleId>
-              </a:tblPr>
-              <a:tblGrid>
-                <a:gridCol w="1082638">
-                  <a:extLst>
-                    <a:ext uri="{9D8B030D-6E8A-4147-A177-3AD203B41FA5}">
-                      <a16:colId xmlns:a16="http://schemas.microsoft.com/office/drawing/2014/main" val="2870540225"/>
-                    </a:ext>
-                  </a:extLst>
-                </a:gridCol>
-                <a:gridCol w="1082638">
-                  <a:extLst>
-                    <a:ext uri="{9D8B030D-6E8A-4147-A177-3AD203B41FA5}">
-                      <a16:colId xmlns:a16="http://schemas.microsoft.com/office/drawing/2014/main" val="2004156018"/>
-                    </a:ext>
-                  </a:extLst>
-                </a:gridCol>
-                <a:gridCol w="1082638">
-                  <a:extLst>
-                    <a:ext uri="{9D8B030D-6E8A-4147-A177-3AD203B41FA5}">
-                      <a16:colId xmlns:a16="http://schemas.microsoft.com/office/drawing/2014/main" val="1439812862"/>
-                    </a:ext>
-                  </a:extLst>
-                </a:gridCol>
-                <a:gridCol w="1082638">
-                  <a:extLst>
-                    <a:ext uri="{9D8B030D-6E8A-4147-A177-3AD203B41FA5}">
-                      <a16:colId xmlns:a16="http://schemas.microsoft.com/office/drawing/2014/main" val="2047450063"/>
-                    </a:ext>
-                  </a:extLst>
-                </a:gridCol>
-                <a:gridCol w="1082638">
-                  <a:extLst>
-                    <a:ext uri="{9D8B030D-6E8A-4147-A177-3AD203B41FA5}">
-                      <a16:colId xmlns:a16="http://schemas.microsoft.com/office/drawing/2014/main" val="4284352567"/>
-                    </a:ext>
-                  </a:extLst>
-                </a:gridCol>
-              </a:tblGrid>
-              <a:tr h="422944">
-                <a:tc>
-                  <a:txBody>
-                    <a:bodyPr/>
-                    <a:lstStyle/>
-                    <a:p>
-                      <a:pPr latinLnBrk="1"/>
-                      <a:r>
-                        <a:rPr lang="en-US" altLang="ko-KR" dirty="0"/>
-                        <a:t>12.01</a:t>
-                      </a:r>
-                      <a:endParaRPr lang="ko-KR" altLang="en-US" dirty="0"/>
-                    </a:p>
-                  </a:txBody>
-                  <a:tcPr/>
-                </a:tc>
-                <a:tc>
-                  <a:txBody>
-                    <a:bodyPr/>
-                    <a:lstStyle/>
-                    <a:p>
-                      <a:pPr latinLnBrk="1"/>
-                      <a:r>
-                        <a:rPr lang="en-US" altLang="ko-KR" dirty="0"/>
-                        <a:t>12.02</a:t>
-                      </a:r>
-                      <a:endParaRPr lang="ko-KR" altLang="en-US" dirty="0"/>
-                    </a:p>
-                  </a:txBody>
-                  <a:tcPr/>
-                </a:tc>
-                <a:tc>
-                  <a:txBody>
-                    <a:bodyPr/>
-                    <a:lstStyle/>
-                    <a:p>
-                      <a:pPr latinLnBrk="1"/>
-                      <a:r>
-                        <a:rPr lang="en-US" altLang="ko-KR" dirty="0"/>
-                        <a:t>12.03</a:t>
-                      </a:r>
-                      <a:endParaRPr lang="ko-KR" altLang="en-US" dirty="0"/>
-                    </a:p>
-                  </a:txBody>
-                  <a:tcPr/>
-                </a:tc>
-                <a:tc>
-                  <a:txBody>
-                    <a:bodyPr/>
-                    <a:lstStyle/>
-                    <a:p>
-                      <a:pPr latinLnBrk="1"/>
-                      <a:r>
-                        <a:rPr lang="en-US" altLang="ko-KR" dirty="0"/>
-                        <a:t>12.04</a:t>
-                      </a:r>
-                      <a:endParaRPr lang="ko-KR" altLang="en-US" dirty="0"/>
-                    </a:p>
-                  </a:txBody>
-                  <a:tcPr/>
-                </a:tc>
-                <a:tc>
-                  <a:txBody>
-                    <a:bodyPr/>
-                    <a:lstStyle/>
-                    <a:p>
-                      <a:pPr latinLnBrk="1"/>
-                      <a:r>
-                        <a:rPr lang="en-US" altLang="ko-KR" dirty="0"/>
-                        <a:t>12.05</a:t>
-                      </a:r>
-                      <a:endParaRPr lang="ko-KR" altLang="en-US" dirty="0"/>
-                    </a:p>
-                  </a:txBody>
-                  <a:tcPr/>
-                </a:tc>
-                <a:extLst>
-                  <a:ext uri="{0D108BD9-81ED-4DB2-BD59-A6C34878D82A}">
-                    <a16:rowId xmlns:a16="http://schemas.microsoft.com/office/drawing/2014/main" val="3987292969"/>
-                  </a:ext>
-                </a:extLst>
-              </a:tr>
-              <a:tr h="1947341">
-                <a:tc>
-                  <a:txBody>
-                    <a:bodyPr/>
-                    <a:lstStyle/>
-                    <a:p>
-                      <a:pPr latinLnBrk="1"/>
-                      <a:endParaRPr lang="ko-KR" altLang="en-US">
-                        <a:latin typeface="Noto Sans KR Medium" panose="020B0200000000000000" pitchFamily="50" charset="-127"/>
-                        <a:ea typeface="Noto Sans KR Medium" panose="020B0200000000000000" pitchFamily="50" charset="-127"/>
-                      </a:endParaRPr>
-                    </a:p>
-                  </a:txBody>
-                  <a:tcPr/>
-                </a:tc>
-                <a:tc>
-                  <a:txBody>
-                    <a:bodyPr/>
-                    <a:lstStyle/>
-                    <a:p>
-                      <a:pPr latinLnBrk="1"/>
-                      <a:endParaRPr lang="ko-KR" altLang="en-US" dirty="0">
-                        <a:latin typeface="Noto Sans KR Medium" panose="020B0200000000000000" pitchFamily="50" charset="-127"/>
-                        <a:ea typeface="Noto Sans KR Medium" panose="020B0200000000000000" pitchFamily="50" charset="-127"/>
-                      </a:endParaRPr>
-                    </a:p>
-                  </a:txBody>
-                  <a:tcPr/>
-                </a:tc>
-                <a:tc>
-                  <a:txBody>
-                    <a:bodyPr/>
-                    <a:lstStyle/>
-                    <a:p>
-                      <a:pPr latinLnBrk="1"/>
-                      <a:endParaRPr lang="ko-KR" altLang="en-US" dirty="0">
-                        <a:latin typeface="Noto Sans KR Medium" panose="020B0200000000000000" pitchFamily="50" charset="-127"/>
-                        <a:ea typeface="Noto Sans KR Medium" panose="020B0200000000000000" pitchFamily="50" charset="-127"/>
-                      </a:endParaRPr>
-                    </a:p>
-                  </a:txBody>
-                  <a:tcPr/>
-                </a:tc>
-                <a:tc>
-                  <a:txBody>
-                    <a:bodyPr/>
-                    <a:lstStyle/>
-                    <a:p>
-                      <a:pPr latinLnBrk="1"/>
-                      <a:endParaRPr lang="ko-KR" altLang="en-US" dirty="0">
-                        <a:latin typeface="Noto Sans KR Medium" panose="020B0200000000000000" pitchFamily="50" charset="-127"/>
-                        <a:ea typeface="Noto Sans KR Medium" panose="020B0200000000000000" pitchFamily="50" charset="-127"/>
-                      </a:endParaRPr>
-                    </a:p>
-                  </a:txBody>
-                  <a:tcPr/>
-                </a:tc>
-                <a:tc>
-                  <a:txBody>
-                    <a:bodyPr/>
-                    <a:lstStyle/>
-                    <a:p>
-                      <a:pPr marL="0" indent="0" latinLnBrk="1">
-                        <a:buFontTx/>
-                        <a:buNone/>
-                      </a:pPr>
-                      <a:r>
-                        <a:rPr lang="en-US" altLang="ko-KR" sz="1400" dirty="0">
-                          <a:latin typeface="Noto Sans KR Medium" panose="020B0200000000000000" pitchFamily="50" charset="-127"/>
-                          <a:ea typeface="Noto Sans KR Medium" panose="020B0200000000000000" pitchFamily="50" charset="-127"/>
-                        </a:rPr>
-                        <a:t>• </a:t>
-                      </a:r>
-                      <a:r>
-                        <a:rPr lang="ko-KR" altLang="en-US" sz="1400" dirty="0">
-                          <a:latin typeface="Noto Sans KR Medium" panose="020B0200000000000000" pitchFamily="50" charset="-127"/>
-                          <a:ea typeface="Noto Sans KR Medium" panose="020B0200000000000000" pitchFamily="50" charset="-127"/>
-                        </a:rPr>
-                        <a:t>프로젝트 킥 오프</a:t>
-                      </a:r>
-                      <a:endParaRPr lang="en-US" altLang="ko-KR" sz="1400" dirty="0">
-                        <a:latin typeface="Noto Sans KR Medium" panose="020B0200000000000000" pitchFamily="50" charset="-127"/>
-                        <a:ea typeface="Noto Sans KR Medium" panose="020B0200000000000000" pitchFamily="50" charset="-127"/>
-                      </a:endParaRPr>
-                    </a:p>
-                    <a:p>
-                      <a:pPr marL="0" indent="0" latinLnBrk="1">
-                        <a:buFontTx/>
-                        <a:buNone/>
-                      </a:pPr>
-                      <a:r>
-                        <a:rPr lang="en-US" altLang="ko-KR" sz="1400" dirty="0">
-                          <a:latin typeface="Noto Sans KR Medium" panose="020B0200000000000000" pitchFamily="50" charset="-127"/>
-                          <a:ea typeface="Noto Sans KR Medium" panose="020B0200000000000000" pitchFamily="50" charset="-127"/>
-                        </a:rPr>
-                        <a:t>• </a:t>
-                      </a:r>
-                      <a:r>
-                        <a:rPr lang="ko-KR" altLang="en-US" sz="1400" dirty="0">
-                          <a:latin typeface="Noto Sans KR Medium" panose="020B0200000000000000" pitchFamily="50" charset="-127"/>
-                          <a:ea typeface="Noto Sans KR Medium" panose="020B0200000000000000" pitchFamily="50" charset="-127"/>
-                        </a:rPr>
-                        <a:t>데이터 준비</a:t>
-                      </a:r>
-                      <a:endParaRPr lang="en-US" altLang="ko-KR" sz="1400" dirty="0">
-                        <a:latin typeface="Noto Sans KR Medium" panose="020B0200000000000000" pitchFamily="50" charset="-127"/>
-                        <a:ea typeface="Noto Sans KR Medium" panose="020B0200000000000000" pitchFamily="50" charset="-127"/>
-                      </a:endParaRPr>
-                    </a:p>
-                    <a:p>
-                      <a:pPr marL="0" indent="0" latinLnBrk="1">
-                        <a:buFontTx/>
-                        <a:buNone/>
-                      </a:pPr>
-                      <a:r>
-                        <a:rPr lang="en-US" altLang="ko-KR" sz="1400" dirty="0">
-                          <a:latin typeface="Noto Sans KR Medium" panose="020B0200000000000000" pitchFamily="50" charset="-127"/>
-                          <a:ea typeface="Noto Sans KR Medium" panose="020B0200000000000000" pitchFamily="50" charset="-127"/>
-                        </a:rPr>
-                        <a:t>• </a:t>
-                      </a:r>
-                      <a:r>
-                        <a:rPr lang="ko-KR" altLang="en-US" sz="1400" dirty="0">
-                          <a:latin typeface="Noto Sans KR Medium" panose="020B0200000000000000" pitchFamily="50" charset="-127"/>
-                          <a:ea typeface="Noto Sans KR Medium" panose="020B0200000000000000" pitchFamily="50" charset="-127"/>
-                        </a:rPr>
-                        <a:t>환경구축</a:t>
-                      </a:r>
-                      <a:endParaRPr lang="en-US" altLang="ko-KR" sz="1400" dirty="0">
-                        <a:latin typeface="Noto Sans KR Medium" panose="020B0200000000000000" pitchFamily="50" charset="-127"/>
-                        <a:ea typeface="Noto Sans KR Medium" panose="020B0200000000000000" pitchFamily="50" charset="-127"/>
-                      </a:endParaRPr>
-                    </a:p>
-                    <a:p>
-                      <a:pPr marL="0" indent="0" latinLnBrk="1">
-                        <a:buFontTx/>
-                        <a:buNone/>
-                      </a:pPr>
-                      <a:r>
-                        <a:rPr lang="en-US" altLang="ko-KR" sz="1400" dirty="0">
-                          <a:latin typeface="Noto Sans KR Medium" panose="020B0200000000000000" pitchFamily="50" charset="-127"/>
-                          <a:ea typeface="Noto Sans KR Medium" panose="020B0200000000000000" pitchFamily="50" charset="-127"/>
-                        </a:rPr>
-                        <a:t>• </a:t>
-                      </a:r>
-                      <a:r>
-                        <a:rPr lang="ko-KR" altLang="en-US" sz="1400" dirty="0">
-                          <a:latin typeface="Noto Sans KR Medium" panose="020B0200000000000000" pitchFamily="50" charset="-127"/>
-                          <a:ea typeface="Noto Sans KR Medium" panose="020B0200000000000000" pitchFamily="50" charset="-127"/>
-                        </a:rPr>
-                        <a:t>베이스라인 구축</a:t>
-                      </a:r>
-                      <a:endParaRPr lang="en-US" altLang="ko-KR" sz="1400" dirty="0">
-                        <a:latin typeface="Noto Sans KR Medium" panose="020B0200000000000000" pitchFamily="50" charset="-127"/>
-                        <a:ea typeface="Noto Sans KR Medium" panose="020B0200000000000000" pitchFamily="50" charset="-127"/>
-                      </a:endParaRPr>
-                    </a:p>
-                    <a:p>
-                      <a:pPr marL="285750" indent="-285750" latinLnBrk="1">
-                        <a:buFontTx/>
-                        <a:buChar char="-"/>
-                      </a:pPr>
-                      <a:endParaRPr lang="en-US" altLang="ko-KR" sz="1050" dirty="0">
-                        <a:latin typeface="Noto Sans KR Medium" panose="020B0200000000000000" pitchFamily="50" charset="-127"/>
-                        <a:ea typeface="Noto Sans KR Medium" panose="020B0200000000000000" pitchFamily="50" charset="-127"/>
-                      </a:endParaRPr>
-                    </a:p>
-                  </a:txBody>
-                  <a:tcPr/>
-                </a:tc>
-                <a:extLst>
-                  <a:ext uri="{0D108BD9-81ED-4DB2-BD59-A6C34878D82A}">
-                    <a16:rowId xmlns:a16="http://schemas.microsoft.com/office/drawing/2014/main" val="269195298"/>
-                  </a:ext>
-                </a:extLst>
-              </a:tr>
-            </a:tbl>
-          </a:graphicData>
-        </a:graphic>
-      </p:graphicFrame>
-      <p:sp>
-        <p:nvSpPr>
-          <p:cNvPr id="15" name="직사각형 14">
-            <a:extLst>
-              <a:ext uri="{FF2B5EF4-FFF2-40B4-BE49-F238E27FC236}">
-                <a16:creationId xmlns:a16="http://schemas.microsoft.com/office/drawing/2014/main" id="{345E4D99-A31C-1513-F7B4-99512558FC96}"/>
-              </a:ext>
-            </a:extLst>
-          </p:cNvPr>
-          <p:cNvSpPr/>
-          <p:nvPr/>
-        </p:nvSpPr>
-        <p:spPr>
-          <a:xfrm>
-            <a:off x="6269112" y="3177470"/>
-            <a:ext cx="813806" cy="390836"/>
-          </a:xfrm>
-          <a:prstGeom prst="rect">
-            <a:avLst/>
-          </a:prstGeom>
-          <a:solidFill>
-            <a:schemeClr val="bg1">
-              <a:lumMod val="85000"/>
-            </a:schemeClr>
-          </a:solidFill>
-          <a:ln>
-            <a:noFill/>
-          </a:ln>
-        </p:spPr>
-        <p:style>
-          <a:lnRef idx="2">
-            <a:schemeClr val="accent1">
-              <a:shade val="50000"/>
-            </a:schemeClr>
-          </a:lnRef>
-          <a:fillRef idx="1">
-            <a:schemeClr val="accent1"/>
-          </a:fillRef>
-          <a:effectRef idx="0">
-            <a:schemeClr val="accent1"/>
-          </a:effectRef>
-          <a:fontRef idx="minor">
-            <a:schemeClr val="lt1"/>
-          </a:fontRef>
-        </p:style>
-        <p:txBody>
-          <a:bodyPr rtlCol="0" anchor="ctr"/>
-          <a:lstStyle/>
-          <a:p>
-            <a:pPr algn="ctr"/>
-            <a:r>
-              <a:rPr lang="en-US" altLang="ko-KR" dirty="0">
-                <a:solidFill>
-                  <a:schemeClr val="tx1">
-                    <a:lumMod val="75000"/>
-                    <a:lumOff val="25000"/>
-                  </a:schemeClr>
-                </a:solidFill>
-              </a:rPr>
-              <a:t>2</a:t>
-            </a:r>
-            <a:r>
-              <a:rPr lang="ko-KR" altLang="en-US" dirty="0">
-                <a:solidFill>
-                  <a:schemeClr val="tx1">
-                    <a:lumMod val="75000"/>
-                    <a:lumOff val="25000"/>
-                  </a:schemeClr>
-                </a:solidFill>
-              </a:rPr>
-              <a:t>주차</a:t>
-            </a:r>
-          </a:p>
-        </p:txBody>
-      </p:sp>
+      </p:pic>
       <p:sp>
         <p:nvSpPr>
           <p:cNvPr id="2" name="TextBox 1">
             <a:extLst>
               <a:ext uri="{FF2B5EF4-FFF2-40B4-BE49-F238E27FC236}">
-                <a16:creationId xmlns:a16="http://schemas.microsoft.com/office/drawing/2014/main" id="{A7E7CBCE-2807-EF13-8E65-110C9483C160}"/>
+                <a16:creationId xmlns:a16="http://schemas.microsoft.com/office/drawing/2014/main" id="{DD610135-07CC-25D1-0955-AA6BB144AD1F}"/>
               </a:ext>
             </a:extLst>
           </p:cNvPr>
@@ -6528,7 +3396,7 @@
         <p:spPr>
           <a:xfrm>
             <a:off x="583709" y="345588"/>
-            <a:ext cx="907621" cy="369332"/>
+            <a:ext cx="838691" cy="369332"/>
           </a:xfrm>
           <a:prstGeom prst="rect">
             <a:avLst/>
@@ -6547,7 +3415,7 @@
                   <a:schemeClr val="accent4"/>
                 </a:solidFill>
               </a:rPr>
-              <a:t>Part 4</a:t>
+              <a:t>Part 1</a:t>
             </a:r>
             <a:endParaRPr lang="ko-KR" altLang="en-US" dirty="0">
               <a:solidFill>
@@ -6559,10 +3427,10 @@
       </p:sp>
       <p:cxnSp>
         <p:nvCxnSpPr>
-          <p:cNvPr id="4" name="직선 연결선 3">
-            <a:extLst>
-              <a:ext uri="{FF2B5EF4-FFF2-40B4-BE49-F238E27FC236}">
-                <a16:creationId xmlns:a16="http://schemas.microsoft.com/office/drawing/2014/main" id="{88E03003-4EBC-6A94-BA85-51C661A92509}"/>
+          <p:cNvPr id="3" name="직선 연결선 2">
+            <a:extLst>
+              <a:ext uri="{FF2B5EF4-FFF2-40B4-BE49-F238E27FC236}">
+                <a16:creationId xmlns:a16="http://schemas.microsoft.com/office/drawing/2014/main" id="{C65658E4-880A-0663-9C96-CA4AE98CA53E}"/>
               </a:ext>
             </a:extLst>
           </p:cNvPr>
@@ -6597,10 +3465,10 @@
       </p:cxnSp>
       <p:sp>
         <p:nvSpPr>
-          <p:cNvPr id="9" name="TextBox 8">
-            <a:extLst>
-              <a:ext uri="{FF2B5EF4-FFF2-40B4-BE49-F238E27FC236}">
-                <a16:creationId xmlns:a16="http://schemas.microsoft.com/office/drawing/2014/main" id="{9E4B84DA-2D77-6E31-A519-E9CC31BBFBF0}"/>
+          <p:cNvPr id="4" name="TextBox 3">
+            <a:extLst>
+              <a:ext uri="{FF2B5EF4-FFF2-40B4-BE49-F238E27FC236}">
+                <a16:creationId xmlns:a16="http://schemas.microsoft.com/office/drawing/2014/main" id="{8CCC8019-ECD2-FD3D-E2E1-103D00EBE32B}"/>
               </a:ext>
             </a:extLst>
           </p:cNvPr>
@@ -6610,7 +3478,7 @@
         <p:spPr>
           <a:xfrm>
             <a:off x="1676400" y="330200"/>
-            <a:ext cx="2191626" cy="584775"/>
+            <a:ext cx="6114174" cy="584775"/>
           </a:xfrm>
           <a:prstGeom prst="rect">
             <a:avLst/>
@@ -6628,17 +3496,28 @@
                 <a:latin typeface="Noto Sans KR Black" panose="020B0200000000000000" pitchFamily="50" charset="-127"/>
                 <a:ea typeface="Noto Sans KR Black" panose="020B0200000000000000" pitchFamily="50" charset="-127"/>
               </a:rPr>
-              <a:t>전체 일정표</a:t>
-            </a:r>
+              <a:t>트러블 슈팅</a:t>
+            </a:r>
+            <a:r>
+              <a:rPr lang="en-US" altLang="ko-KR" sz="3200" dirty="0">
+                <a:latin typeface="Noto Sans KR Black" panose="020B0200000000000000" pitchFamily="50" charset="-127"/>
+                <a:ea typeface="Noto Sans KR Black" panose="020B0200000000000000" pitchFamily="50" charset="-127"/>
+              </a:rPr>
+              <a:t> (Issue &amp; Solution)</a:t>
+            </a:r>
+            <a:endParaRPr lang="ko-KR" altLang="en-US" sz="3200" dirty="0">
+              <a:latin typeface="Noto Sans KR Black" panose="020B0200000000000000" pitchFamily="50" charset="-127"/>
+              <a:ea typeface="Noto Sans KR Black" panose="020B0200000000000000" pitchFamily="50" charset="-127"/>
+            </a:endParaRPr>
           </a:p>
         </p:txBody>
       </p:sp>
       <p:cxnSp>
         <p:nvCxnSpPr>
-          <p:cNvPr id="25" name="직선 연결선 24">
-            <a:extLst>
-              <a:ext uri="{FF2B5EF4-FFF2-40B4-BE49-F238E27FC236}">
-                <a16:creationId xmlns:a16="http://schemas.microsoft.com/office/drawing/2014/main" id="{90A2A1B6-8412-62C7-14B3-FB6571A46073}"/>
+          <p:cNvPr id="9" name="직선 연결선 8">
+            <a:extLst>
+              <a:ext uri="{FF2B5EF4-FFF2-40B4-BE49-F238E27FC236}">
+                <a16:creationId xmlns:a16="http://schemas.microsoft.com/office/drawing/2014/main" id="{657FD829-DFE7-77A4-9DF3-4B90EBCC8DA0}"/>
               </a:ext>
             </a:extLst>
           </p:cNvPr>
@@ -6678,10 +3557,10 @@
       </p:cxnSp>
       <p:sp>
         <p:nvSpPr>
-          <p:cNvPr id="32" name="직사각형 31">
-            <a:extLst>
-              <a:ext uri="{FF2B5EF4-FFF2-40B4-BE49-F238E27FC236}">
-                <a16:creationId xmlns:a16="http://schemas.microsoft.com/office/drawing/2014/main" id="{EDB70895-447A-342C-3D24-E4AF38C7BC63}"/>
+          <p:cNvPr id="14" name="갈매기형 수장 4">
+            <a:extLst>
+              <a:ext uri="{FF2B5EF4-FFF2-40B4-BE49-F238E27FC236}">
+                <a16:creationId xmlns:a16="http://schemas.microsoft.com/office/drawing/2014/main" id="{48374411-798D-747E-FDB7-B5F6EBFFA061}"/>
               </a:ext>
             </a:extLst>
           </p:cNvPr>
@@ -6690,16 +3569,14 @@
         </p:nvSpPr>
         <p:spPr>
           <a:xfrm>
-            <a:off x="5156077" y="3167002"/>
-            <a:ext cx="813806" cy="390836"/>
+            <a:off x="4041023" y="2264971"/>
+            <a:ext cx="4399033" cy="2217667"/>
           </a:xfrm>
-          <a:prstGeom prst="rect">
+          <a:prstGeom prst="chevron">
             <a:avLst/>
           </a:prstGeom>
           <a:solidFill>
-            <a:schemeClr val="bg1">
-              <a:lumMod val="85000"/>
-            </a:schemeClr>
+            <a:schemeClr val="accent6"/>
           </a:solidFill>
           <a:ln>
             <a:noFill/>
@@ -6722,41 +3599,256 @@
           </a:fontRef>
         </p:style>
         <p:txBody>
-          <a:bodyPr rtlCol="0" anchor="ctr"/>
+          <a:bodyPr rot="0" spcFirstLastPara="0" vertOverflow="overflow" horzOverflow="overflow" vert="horz" wrap="square" lIns="91440" tIns="45720" rIns="91440" bIns="45720" numCol="1" spcCol="0" rtlCol="0" fromWordArt="0" anchor="ctr" anchorCtr="0" forceAA="0" compatLnSpc="1">
+            <a:prstTxWarp prst="textNoShape">
+              <a:avLst/>
+            </a:prstTxWarp>
+            <a:noAutofit/>
+          </a:bodyPr>
           <a:lstStyle/>
           <a:p>
             <a:pPr algn="ctr"/>
             <a:r>
-              <a:rPr lang="en-US" altLang="ko-KR" dirty="0">
-                <a:solidFill>
-                  <a:schemeClr val="tx1">
-                    <a:lumMod val="75000"/>
-                    <a:lumOff val="25000"/>
-                  </a:schemeClr>
-                </a:solidFill>
-              </a:rPr>
-              <a:t>1</a:t>
-            </a:r>
-            <a:r>
-              <a:rPr lang="ko-KR" altLang="en-US" dirty="0">
-                <a:solidFill>
-                  <a:schemeClr val="tx1">
-                    <a:lumMod val="75000"/>
-                    <a:lumOff val="25000"/>
-                  </a:schemeClr>
-                </a:solidFill>
-              </a:rPr>
-              <a:t>주차</a:t>
-            </a:r>
-          </a:p>
-        </p:txBody>
-      </p:sp>
-      <p:sp>
-        <p:nvSpPr>
-          <p:cNvPr id="33" name="직사각형 32">
-            <a:extLst>
-              <a:ext uri="{FF2B5EF4-FFF2-40B4-BE49-F238E27FC236}">
-                <a16:creationId xmlns:a16="http://schemas.microsoft.com/office/drawing/2014/main" id="{6A37C825-47A8-1687-D82B-438F9A9379A6}"/>
+              <a:rPr lang="ko-KR" altLang="en-US" sz="1400" b="1" dirty="0">
+                <a:solidFill>
+                  <a:srgbClr val="7C7C7A"/>
+                </a:solidFill>
+                <a:latin typeface="Noto Sans KR Medium" panose="020B0200000000000000" pitchFamily="50" charset="-127"/>
+                <a:ea typeface="Noto Sans KR Medium" panose="020B0200000000000000" pitchFamily="50" charset="-127"/>
+              </a:rPr>
+              <a:t>조사 및 해결 과정</a:t>
+            </a:r>
+            <a:r>
+              <a:rPr lang="en-US" altLang="ko-KR" sz="1400" b="1" dirty="0">
+                <a:solidFill>
+                  <a:srgbClr val="7C7C7A"/>
+                </a:solidFill>
+                <a:latin typeface="Noto Sans KR Medium" panose="020B0200000000000000" pitchFamily="50" charset="-127"/>
+                <a:ea typeface="Noto Sans KR Medium" panose="020B0200000000000000" pitchFamily="50" charset="-127"/>
+              </a:rPr>
+              <a:t>:</a:t>
+            </a:r>
+          </a:p>
+          <a:p>
+            <a:pPr marL="285750" indent="-285750" algn="ctr">
+              <a:buFontTx/>
+              <a:buChar char="-"/>
+            </a:pPr>
+            <a:r>
+              <a:rPr lang="ko-KR" altLang="en-US" sz="1400" dirty="0">
+                <a:solidFill>
+                  <a:srgbClr val="7C7C7A"/>
+                </a:solidFill>
+                <a:latin typeface="Noto Sans KR Medium" panose="020B0200000000000000" pitchFamily="50" charset="-127"/>
+                <a:ea typeface="Noto Sans KR Medium" panose="020B0200000000000000" pitchFamily="50" charset="-127"/>
+              </a:rPr>
+              <a:t>원본 데이터에서 </a:t>
+            </a:r>
+            <a:r>
+              <a:rPr lang="ko-KR" altLang="en-US" sz="1400" dirty="0" err="1">
+                <a:solidFill>
+                  <a:srgbClr val="7C7C7A"/>
+                </a:solidFill>
+                <a:latin typeface="Noto Sans KR Medium" panose="020B0200000000000000" pitchFamily="50" charset="-127"/>
+                <a:ea typeface="Noto Sans KR Medium" panose="020B0200000000000000" pitchFamily="50" charset="-127"/>
+              </a:rPr>
+              <a:t>미매칭</a:t>
+            </a:r>
+            <a:r>
+              <a:rPr lang="ko-KR" altLang="en-US" sz="1400" dirty="0">
+                <a:solidFill>
+                  <a:srgbClr val="7C7C7A"/>
+                </a:solidFill>
+                <a:latin typeface="Noto Sans KR Medium" panose="020B0200000000000000" pitchFamily="50" charset="-127"/>
+                <a:ea typeface="Noto Sans KR Medium" panose="020B0200000000000000" pitchFamily="50" charset="-127"/>
+              </a:rPr>
+              <a:t> 데이터 선별</a:t>
+            </a:r>
+            <a:endParaRPr lang="en-US" altLang="ko-KR" sz="1400" dirty="0">
+              <a:solidFill>
+                <a:srgbClr val="7C7C7A"/>
+              </a:solidFill>
+              <a:latin typeface="Noto Sans KR Medium" panose="020B0200000000000000" pitchFamily="50" charset="-127"/>
+              <a:ea typeface="Noto Sans KR Medium" panose="020B0200000000000000" pitchFamily="50" charset="-127"/>
+            </a:endParaRPr>
+          </a:p>
+          <a:p>
+            <a:pPr marL="285750" indent="-285750" algn="ctr">
+              <a:buFontTx/>
+              <a:buChar char="-"/>
+            </a:pPr>
+            <a:endParaRPr lang="en-US" altLang="ko-KR" sz="300" dirty="0">
+              <a:solidFill>
+                <a:srgbClr val="7C7C7A"/>
+              </a:solidFill>
+              <a:latin typeface="Noto Sans KR Medium" panose="020B0200000000000000" pitchFamily="50" charset="-127"/>
+              <a:ea typeface="Noto Sans KR Medium" panose="020B0200000000000000" pitchFamily="50" charset="-127"/>
+            </a:endParaRPr>
+          </a:p>
+          <a:p>
+            <a:pPr marL="285750" indent="-285750" algn="ctr">
+              <a:buFontTx/>
+              <a:buChar char="-"/>
+            </a:pPr>
+            <a:r>
+              <a:rPr lang="en-US" altLang="ko-KR" sz="1400" dirty="0">
+                <a:solidFill>
+                  <a:srgbClr val="7C7C7A"/>
+                </a:solidFill>
+                <a:latin typeface="Noto Sans KR Medium" panose="020B0200000000000000" pitchFamily="50" charset="-127"/>
+                <a:ea typeface="Noto Sans KR Medium" panose="020B0200000000000000" pitchFamily="50" charset="-127"/>
+              </a:rPr>
+              <a:t>AI </a:t>
+            </a:r>
+            <a:r>
+              <a:rPr lang="ko-KR" altLang="en-US" sz="1400" dirty="0">
+                <a:solidFill>
+                  <a:srgbClr val="7C7C7A"/>
+                </a:solidFill>
+                <a:latin typeface="Noto Sans KR Medium" panose="020B0200000000000000" pitchFamily="50" charset="-127"/>
+                <a:ea typeface="Noto Sans KR Medium" panose="020B0200000000000000" pitchFamily="50" charset="-127"/>
+              </a:rPr>
+              <a:t>허브를 통한 </a:t>
+            </a:r>
+            <a:r>
+              <a:rPr lang="ko-KR" altLang="en-US" sz="1400" dirty="0" err="1">
+                <a:solidFill>
+                  <a:srgbClr val="7C7C7A"/>
+                </a:solidFill>
+                <a:latin typeface="Noto Sans KR Medium" panose="020B0200000000000000" pitchFamily="50" charset="-127"/>
+                <a:ea typeface="Noto Sans KR Medium" panose="020B0200000000000000" pitchFamily="50" charset="-127"/>
+              </a:rPr>
+              <a:t>어노테이션</a:t>
+            </a:r>
+            <a:r>
+              <a:rPr lang="ko-KR" altLang="en-US" sz="1400" dirty="0">
+                <a:solidFill>
+                  <a:srgbClr val="7C7C7A"/>
+                </a:solidFill>
+                <a:latin typeface="Noto Sans KR Medium" panose="020B0200000000000000" pitchFamily="50" charset="-127"/>
+                <a:ea typeface="Noto Sans KR Medium" panose="020B0200000000000000" pitchFamily="50" charset="-127"/>
+              </a:rPr>
+              <a:t> 재작업 진행</a:t>
+            </a:r>
+            <a:endParaRPr lang="en-US" altLang="ko-KR" sz="1400" dirty="0">
+              <a:solidFill>
+                <a:srgbClr val="7C7C7A"/>
+              </a:solidFill>
+              <a:latin typeface="Noto Sans KR Medium" panose="020B0200000000000000" pitchFamily="50" charset="-127"/>
+              <a:ea typeface="Noto Sans KR Medium" panose="020B0200000000000000" pitchFamily="50" charset="-127"/>
+            </a:endParaRPr>
+          </a:p>
+          <a:p>
+            <a:pPr marL="285750" indent="-285750" algn="ctr">
+              <a:buFontTx/>
+              <a:buChar char="-"/>
+            </a:pPr>
+            <a:endParaRPr lang="en-US" altLang="ko-KR" sz="300" dirty="0">
+              <a:solidFill>
+                <a:srgbClr val="7C7C7A"/>
+              </a:solidFill>
+              <a:latin typeface="Noto Sans KR Medium" panose="020B0200000000000000" pitchFamily="50" charset="-127"/>
+              <a:ea typeface="Noto Sans KR Medium" panose="020B0200000000000000" pitchFamily="50" charset="-127"/>
+            </a:endParaRPr>
+          </a:p>
+          <a:p>
+            <a:pPr algn="ctr"/>
+            <a:r>
+              <a:rPr lang="en-US" altLang="ko-KR" sz="1400" dirty="0">
+                <a:solidFill>
+                  <a:srgbClr val="7C7C7A"/>
+                </a:solidFill>
+                <a:latin typeface="Noto Sans KR Medium" panose="020B0200000000000000" pitchFamily="50" charset="-127"/>
+                <a:ea typeface="Noto Sans KR Medium" panose="020B0200000000000000" pitchFamily="50" charset="-127"/>
+              </a:rPr>
+              <a:t>- </a:t>
+            </a:r>
+            <a:r>
+              <a:rPr lang="ko-KR" altLang="en-US" sz="1400" dirty="0" err="1">
+                <a:solidFill>
+                  <a:srgbClr val="7C7C7A"/>
+                </a:solidFill>
+                <a:latin typeface="Noto Sans KR Medium" panose="020B0200000000000000" pitchFamily="50" charset="-127"/>
+                <a:ea typeface="Noto Sans KR Medium" panose="020B0200000000000000" pitchFamily="50" charset="-127"/>
+              </a:rPr>
+              <a:t>미매칭</a:t>
+            </a:r>
+            <a:r>
+              <a:rPr lang="ko-KR" altLang="en-US" sz="1400" dirty="0">
+                <a:solidFill>
+                  <a:srgbClr val="7C7C7A"/>
+                </a:solidFill>
+                <a:latin typeface="Noto Sans KR Medium" panose="020B0200000000000000" pitchFamily="50" charset="-127"/>
+                <a:ea typeface="Noto Sans KR Medium" panose="020B0200000000000000" pitchFamily="50" charset="-127"/>
+              </a:rPr>
+              <a:t> 외 </a:t>
+            </a:r>
+            <a:r>
+              <a:rPr lang="en-US" altLang="ko-KR" sz="1400" dirty="0" err="1">
+                <a:solidFill>
+                  <a:srgbClr val="7C7C7A"/>
+                </a:solidFill>
+                <a:latin typeface="Noto Sans KR Medium" panose="020B0200000000000000" pitchFamily="50" charset="-127"/>
+                <a:ea typeface="Noto Sans KR Medium" panose="020B0200000000000000" pitchFamily="50" charset="-127"/>
+              </a:rPr>
+              <a:t>bbox</a:t>
+            </a:r>
+            <a:r>
+              <a:rPr lang="en-US" altLang="ko-KR" sz="1400" dirty="0">
+                <a:solidFill>
+                  <a:srgbClr val="7C7C7A"/>
+                </a:solidFill>
+                <a:latin typeface="Noto Sans KR Medium" panose="020B0200000000000000" pitchFamily="50" charset="-127"/>
+                <a:ea typeface="Noto Sans KR Medium" panose="020B0200000000000000" pitchFamily="50" charset="-127"/>
+              </a:rPr>
+              <a:t> </a:t>
+            </a:r>
+            <a:r>
+              <a:rPr lang="ko-KR" altLang="en-US" sz="1400" dirty="0">
+                <a:solidFill>
+                  <a:srgbClr val="7C7C7A"/>
+                </a:solidFill>
+                <a:latin typeface="Noto Sans KR Medium" panose="020B0200000000000000" pitchFamily="50" charset="-127"/>
+                <a:ea typeface="Noto Sans KR Medium" panose="020B0200000000000000" pitchFamily="50" charset="-127"/>
+              </a:rPr>
+              <a:t>겹침 등 추가 이슈 발견 →</a:t>
+            </a:r>
+            <a:r>
+              <a:rPr lang="en-US" altLang="ko-KR" sz="1400" dirty="0">
+                <a:solidFill>
+                  <a:srgbClr val="7C7C7A"/>
+                </a:solidFill>
+                <a:latin typeface="Noto Sans KR Medium" panose="020B0200000000000000" pitchFamily="50" charset="-127"/>
+                <a:ea typeface="Noto Sans KR Medium" panose="020B0200000000000000" pitchFamily="50" charset="-127"/>
+              </a:rPr>
+              <a:t> </a:t>
+            </a:r>
+            <a:r>
+              <a:rPr lang="ko-KR" altLang="en-US" sz="1400" dirty="0">
+                <a:solidFill>
+                  <a:srgbClr val="7C7C7A"/>
+                </a:solidFill>
+                <a:latin typeface="Noto Sans KR Medium" panose="020B0200000000000000" pitchFamily="50" charset="-127"/>
+                <a:ea typeface="Noto Sans KR Medium" panose="020B0200000000000000" pitchFamily="50" charset="-127"/>
+              </a:rPr>
+              <a:t>데이터 전수 수정</a:t>
+            </a:r>
+            <a:endParaRPr lang="en-US" altLang="ko-KR" sz="1400" dirty="0">
+              <a:solidFill>
+                <a:srgbClr val="7C7C7A"/>
+              </a:solidFill>
+              <a:latin typeface="Noto Sans KR Medium" panose="020B0200000000000000" pitchFamily="50" charset="-127"/>
+              <a:ea typeface="Noto Sans KR Medium" panose="020B0200000000000000" pitchFamily="50" charset="-127"/>
+            </a:endParaRPr>
+          </a:p>
+        </p:txBody>
+      </p:sp>
+      <p:sp>
+        <p:nvSpPr>
+          <p:cNvPr id="15" name="오각형 3">
+            <a:extLst>
+              <a:ext uri="{FF2B5EF4-FFF2-40B4-BE49-F238E27FC236}">
+                <a16:creationId xmlns:a16="http://schemas.microsoft.com/office/drawing/2014/main" id="{FF26997A-3503-CBD6-1407-CE400CF309C2}"/>
               </a:ext>
             </a:extLst>
           </p:cNvPr>
@@ -6765,16 +3857,14 @@
         </p:nvSpPr>
         <p:spPr>
           <a:xfrm>
-            <a:off x="6247928" y="5828719"/>
-            <a:ext cx="813806" cy="390836"/>
+            <a:off x="514350" y="2264971"/>
+            <a:ext cx="3933825" cy="2217667"/>
           </a:xfrm>
-          <a:prstGeom prst="rect">
+          <a:prstGeom prst="homePlate">
             <a:avLst/>
           </a:prstGeom>
           <a:solidFill>
-            <a:schemeClr val="bg1">
-              <a:lumMod val="85000"/>
-            </a:schemeClr>
+            <a:schemeClr val="accent2"/>
           </a:solidFill>
           <a:ln>
             <a:noFill/>
@@ -6797,41 +3887,118 @@
           </a:fontRef>
         </p:style>
         <p:txBody>
-          <a:bodyPr rtlCol="0" anchor="ctr"/>
+          <a:bodyPr rot="0" spcFirstLastPara="0" vertOverflow="overflow" horzOverflow="overflow" vert="horz" wrap="square" lIns="91440" tIns="45720" rIns="91440" bIns="45720" numCol="1" spcCol="0" rtlCol="0" fromWordArt="0" anchor="ctr" anchorCtr="0" forceAA="0" compatLnSpc="1">
+            <a:prstTxWarp prst="textNoShape">
+              <a:avLst/>
+            </a:prstTxWarp>
+            <a:noAutofit/>
+          </a:bodyPr>
           <a:lstStyle/>
           <a:p>
             <a:pPr algn="ctr"/>
             <a:r>
-              <a:rPr lang="en-US" altLang="ko-KR" dirty="0">
-                <a:solidFill>
-                  <a:schemeClr val="tx1">
-                    <a:lumMod val="75000"/>
-                    <a:lumOff val="25000"/>
-                  </a:schemeClr>
-                </a:solidFill>
-              </a:rPr>
-              <a:t>4</a:t>
-            </a:r>
-            <a:r>
-              <a:rPr lang="ko-KR" altLang="en-US" dirty="0">
-                <a:solidFill>
-                  <a:schemeClr val="tx1">
-                    <a:lumMod val="75000"/>
-                    <a:lumOff val="25000"/>
-                  </a:schemeClr>
-                </a:solidFill>
-              </a:rPr>
-              <a:t>주차</a:t>
-            </a:r>
-          </a:p>
-        </p:txBody>
-      </p:sp>
-      <p:sp>
-        <p:nvSpPr>
-          <p:cNvPr id="34" name="직사각형 33">
-            <a:extLst>
-              <a:ext uri="{FF2B5EF4-FFF2-40B4-BE49-F238E27FC236}">
-                <a16:creationId xmlns:a16="http://schemas.microsoft.com/office/drawing/2014/main" id="{7956FCDA-DEA3-0E69-151C-D3E0CC8F63F3}"/>
+              <a:rPr lang="ko-KR" altLang="en-US" sz="1600" b="1" dirty="0">
+                <a:latin typeface="Noto Sans KR Medium" panose="020B0200000000000000" pitchFamily="50" charset="-127"/>
+                <a:ea typeface="Noto Sans KR Medium" panose="020B0200000000000000" pitchFamily="50" charset="-127"/>
+              </a:rPr>
+              <a:t>문제 정의 </a:t>
+            </a:r>
+            <a:r>
+              <a:rPr lang="en-US" altLang="ko-KR" sz="1600" b="1" dirty="0">
+                <a:latin typeface="Noto Sans KR Medium" panose="020B0200000000000000" pitchFamily="50" charset="-127"/>
+                <a:ea typeface="Noto Sans KR Medium" panose="020B0200000000000000" pitchFamily="50" charset="-127"/>
+              </a:rPr>
+              <a:t>:</a:t>
+            </a:r>
+            <a:r>
+              <a:rPr lang="en-US" altLang="ko-KR" sz="1600" dirty="0">
+                <a:latin typeface="Noto Sans KR Medium" panose="020B0200000000000000" pitchFamily="50" charset="-127"/>
+                <a:ea typeface="Noto Sans KR Medium" panose="020B0200000000000000" pitchFamily="50" charset="-127"/>
+              </a:rPr>
+              <a:t> </a:t>
+            </a:r>
+          </a:p>
+          <a:p>
+            <a:pPr algn="ctr"/>
+            <a:r>
+              <a:rPr lang="ko-KR" altLang="en-US" sz="1600" dirty="0">
+                <a:latin typeface="Noto Sans KR Medium" panose="020B0200000000000000" pitchFamily="50" charset="-127"/>
+                <a:ea typeface="Noto Sans KR Medium" panose="020B0200000000000000" pitchFamily="50" charset="-127"/>
+              </a:rPr>
+              <a:t>이미지 데이터와 </a:t>
+            </a:r>
+            <a:r>
+              <a:rPr lang="ko-KR" altLang="en-US" sz="1600" dirty="0" err="1">
+                <a:latin typeface="Noto Sans KR Medium" panose="020B0200000000000000" pitchFamily="50" charset="-127"/>
+                <a:ea typeface="Noto Sans KR Medium" panose="020B0200000000000000" pitchFamily="50" charset="-127"/>
+              </a:rPr>
+              <a:t>어노테이션</a:t>
+            </a:r>
+            <a:r>
+              <a:rPr lang="ko-KR" altLang="en-US" sz="1600" dirty="0">
+                <a:latin typeface="Noto Sans KR Medium" panose="020B0200000000000000" pitchFamily="50" charset="-127"/>
+                <a:ea typeface="Noto Sans KR Medium" panose="020B0200000000000000" pitchFamily="50" charset="-127"/>
+              </a:rPr>
+              <a:t> 정보 간 미 매칭</a:t>
+            </a:r>
+            <a:endParaRPr lang="en-US" altLang="ko-KR" sz="1600" dirty="0">
+              <a:latin typeface="Noto Sans KR Medium" panose="020B0200000000000000" pitchFamily="50" charset="-127"/>
+              <a:ea typeface="Noto Sans KR Medium" panose="020B0200000000000000" pitchFamily="50" charset="-127"/>
+            </a:endParaRPr>
+          </a:p>
+          <a:p>
+            <a:pPr algn="ctr"/>
+            <a:endParaRPr lang="en-US" altLang="ko-KR" sz="1600" dirty="0">
+              <a:latin typeface="Noto Sans KR Medium" panose="020B0200000000000000" pitchFamily="50" charset="-127"/>
+              <a:ea typeface="Noto Sans KR Medium" panose="020B0200000000000000" pitchFamily="50" charset="-127"/>
+            </a:endParaRPr>
+          </a:p>
+          <a:p>
+            <a:pPr algn="ctr"/>
+            <a:r>
+              <a:rPr lang="ko-KR" altLang="en-US" sz="1600" b="1" dirty="0">
+                <a:latin typeface="Noto Sans KR Medium" panose="020B0200000000000000" pitchFamily="50" charset="-127"/>
+                <a:ea typeface="Noto Sans KR Medium" panose="020B0200000000000000" pitchFamily="50" charset="-127"/>
+              </a:rPr>
+              <a:t>원인 추론</a:t>
+            </a:r>
+            <a:endParaRPr lang="en-US" altLang="ko-KR" sz="1600" b="1" dirty="0">
+              <a:latin typeface="Noto Sans KR Medium" panose="020B0200000000000000" pitchFamily="50" charset="-127"/>
+              <a:ea typeface="Noto Sans KR Medium" panose="020B0200000000000000" pitchFamily="50" charset="-127"/>
+            </a:endParaRPr>
+          </a:p>
+          <a:p>
+            <a:pPr algn="ctr"/>
+            <a:r>
+              <a:rPr lang="en-US" altLang="ko-KR" sz="1600" dirty="0">
+                <a:latin typeface="Noto Sans KR Medium" panose="020B0200000000000000" pitchFamily="50" charset="-127"/>
+                <a:ea typeface="Noto Sans KR Medium" panose="020B0200000000000000" pitchFamily="50" charset="-127"/>
+              </a:rPr>
+              <a:t>: </a:t>
+            </a:r>
+            <a:r>
+              <a:rPr lang="ko-KR" altLang="en-US" sz="1600" dirty="0" err="1">
+                <a:latin typeface="Noto Sans KR Medium" panose="020B0200000000000000" pitchFamily="50" charset="-127"/>
+                <a:ea typeface="Noto Sans KR Medium" panose="020B0200000000000000" pitchFamily="50" charset="-127"/>
+              </a:rPr>
+              <a:t>케글</a:t>
+            </a:r>
+            <a:r>
+              <a:rPr lang="ko-KR" altLang="en-US" sz="1600" dirty="0">
+                <a:latin typeface="Noto Sans KR Medium" panose="020B0200000000000000" pitchFamily="50" charset="-127"/>
+                <a:ea typeface="Noto Sans KR Medium" panose="020B0200000000000000" pitchFamily="50" charset="-127"/>
+              </a:rPr>
+              <a:t> 제공 데이터 자체가 미 매칭</a:t>
+            </a:r>
+          </a:p>
+        </p:txBody>
+      </p:sp>
+      <p:sp>
+        <p:nvSpPr>
+          <p:cNvPr id="18" name="갈매기형 수장 4">
+            <a:extLst>
+              <a:ext uri="{FF2B5EF4-FFF2-40B4-BE49-F238E27FC236}">
+                <a16:creationId xmlns:a16="http://schemas.microsoft.com/office/drawing/2014/main" id="{4E670CF7-1556-9B74-F2BD-FAA75B194C05}"/>
               </a:ext>
             </a:extLst>
           </p:cNvPr>
@@ -6840,16 +4007,14 @@
         </p:nvSpPr>
         <p:spPr>
           <a:xfrm>
-            <a:off x="5134895" y="5828719"/>
-            <a:ext cx="813806" cy="390836"/>
+            <a:off x="8032905" y="2264971"/>
+            <a:ext cx="3933825" cy="2217667"/>
           </a:xfrm>
-          <a:prstGeom prst="rect">
+          <a:prstGeom prst="chevron">
             <a:avLst/>
           </a:prstGeom>
           <a:solidFill>
-            <a:schemeClr val="bg1">
-              <a:lumMod val="85000"/>
-            </a:schemeClr>
+            <a:srgbClr val="5F5F5D"/>
           </a:solidFill>
           <a:ln>
             <a:noFill/>
@@ -6872,31 +4037,38 @@
           </a:fontRef>
         </p:style>
         <p:txBody>
-          <a:bodyPr rtlCol="0" anchor="ctr"/>
+          <a:bodyPr rot="0" spcFirstLastPara="0" vertOverflow="overflow" horzOverflow="overflow" vert="horz" wrap="square" lIns="91440" tIns="45720" rIns="91440" bIns="45720" numCol="1" spcCol="0" rtlCol="0" fromWordArt="0" anchor="ctr" anchorCtr="0" forceAA="0" compatLnSpc="1">
+            <a:prstTxWarp prst="textNoShape">
+              <a:avLst/>
+            </a:prstTxWarp>
+            <a:noAutofit/>
+          </a:bodyPr>
           <a:lstStyle/>
           <a:p>
             <a:pPr algn="ctr"/>
             <a:r>
-              <a:rPr lang="en-US" altLang="ko-KR" dirty="0">
-                <a:solidFill>
-                  <a:schemeClr val="tx1">
-                    <a:lumMod val="75000"/>
-                    <a:lumOff val="25000"/>
-                  </a:schemeClr>
-                </a:solidFill>
-              </a:rPr>
-              <a:t>3</a:t>
-            </a:r>
-            <a:r>
-              <a:rPr lang="ko-KR" altLang="en-US" dirty="0">
-                <a:solidFill>
-                  <a:schemeClr val="tx1">
-                    <a:lumMod val="75000"/>
-                    <a:lumOff val="25000"/>
-                  </a:schemeClr>
-                </a:solidFill>
-              </a:rPr>
-              <a:t>주차</a:t>
+              <a:rPr lang="ko-KR" altLang="en-US" sz="1600" b="1" dirty="0">
+                <a:latin typeface="Noto Sans KR Medium" panose="020B0200000000000000" pitchFamily="50" charset="-127"/>
+                <a:ea typeface="Noto Sans KR Medium" panose="020B0200000000000000" pitchFamily="50" charset="-127"/>
+              </a:rPr>
+              <a:t>결과</a:t>
+            </a:r>
+            <a:r>
+              <a:rPr lang="en-US" altLang="ko-KR" sz="1600" b="1" dirty="0">
+                <a:latin typeface="Noto Sans KR Medium" panose="020B0200000000000000" pitchFamily="50" charset="-127"/>
+                <a:ea typeface="Noto Sans KR Medium" panose="020B0200000000000000" pitchFamily="50" charset="-127"/>
+              </a:rPr>
+              <a:t>:</a:t>
+            </a:r>
+          </a:p>
+          <a:p>
+            <a:pPr algn="ctr"/>
+            <a:r>
+              <a:rPr lang="ko-KR" altLang="en-US" sz="1600" dirty="0">
+                <a:latin typeface="Noto Sans KR Medium" panose="020B0200000000000000" pitchFamily="50" charset="-127"/>
+                <a:ea typeface="Noto Sans KR Medium" panose="020B0200000000000000" pitchFamily="50" charset="-127"/>
+              </a:rPr>
+              <a:t>데이터 품질 및 신뢰도 확보 완료</a:t>
             </a:r>
           </a:p>
         </p:txBody>
@@ -6904,7 +4076,7 @@
     </p:spTree>
     <p:extLst>
       <p:ext uri="{BB962C8B-B14F-4D97-AF65-F5344CB8AC3E}">
-        <p14:creationId xmlns:p14="http://schemas.microsoft.com/office/powerpoint/2010/main" val="3044277110"/>
+        <p14:creationId xmlns:p14="http://schemas.microsoft.com/office/powerpoint/2010/main" val="3684467266"/>
       </p:ext>
     </p:extLst>
   </p:cSld>
@@ -6949,42 +4121,6 @@
           <a:chExt cx="0" cy="0"/>
         </a:xfrm>
       </p:grpSpPr>
-      <p:pic>
-        <p:nvPicPr>
-          <p:cNvPr id="5" name="그림 4">
-            <a:extLst>
-              <a:ext uri="{FF2B5EF4-FFF2-40B4-BE49-F238E27FC236}">
-                <a16:creationId xmlns:a16="http://schemas.microsoft.com/office/drawing/2014/main" id="{CAECAEBA-911B-AB80-AB34-CE8C184D87CC}"/>
-              </a:ext>
-            </a:extLst>
-          </p:cNvPr>
-          <p:cNvPicPr>
-            <a:picLocks noChangeAspect="1"/>
-          </p:cNvPicPr>
-          <p:nvPr/>
-        </p:nvPicPr>
-        <p:blipFill rotWithShape="1">
-          <a:blip r:embed="rId2" cstate="screen">
-            <a:alphaModFix amt="86000"/>
-            <a:extLst>
-              <a:ext uri="{28A0092B-C50C-407E-A947-70E740481C1C}">
-                <a14:useLocalDpi xmlns:a14="http://schemas.microsoft.com/office/drawing/2010/main" val="0"/>
-              </a:ext>
-            </a:extLst>
-          </a:blip>
-          <a:srcRect/>
-          <a:stretch/>
-        </p:blipFill>
-        <p:spPr>
-          <a:xfrm>
-            <a:off x="7340678" y="914976"/>
-            <a:ext cx="4851322" cy="5457737"/>
-          </a:xfrm>
-          <a:prstGeom prst="rect">
-            <a:avLst/>
-          </a:prstGeom>
-        </p:spPr>
-      </p:pic>
       <p:sp>
         <p:nvSpPr>
           <p:cNvPr id="2" name="TextBox 1">
@@ -7000,7 +4136,7 @@
         <p:spPr>
           <a:xfrm>
             <a:off x="583709" y="345588"/>
-            <a:ext cx="907621" cy="369332"/>
+            <a:ext cx="885179" cy="369332"/>
           </a:xfrm>
           <a:prstGeom prst="rect">
             <a:avLst/>
@@ -7019,7 +4155,7 @@
                   <a:schemeClr val="accent4"/>
                 </a:solidFill>
               </a:rPr>
-              <a:t>Part 4</a:t>
+              <a:t>Part 2</a:t>
             </a:r>
             <a:endParaRPr lang="ko-KR" altLang="en-US" dirty="0">
               <a:solidFill>
@@ -7082,7 +4218,7 @@
         <p:spPr>
           <a:xfrm>
             <a:off x="1676400" y="330200"/>
-            <a:ext cx="6114174" cy="584775"/>
+            <a:ext cx="2265364" cy="584775"/>
           </a:xfrm>
           <a:prstGeom prst="rect">
             <a:avLst/>
@@ -7100,14 +4236,14 @@
                 <a:latin typeface="Noto Sans KR Black" panose="020B0200000000000000" pitchFamily="50" charset="-127"/>
                 <a:ea typeface="Noto Sans KR Black" panose="020B0200000000000000" pitchFamily="50" charset="-127"/>
               </a:rPr>
-              <a:t>트러블 슈팅</a:t>
+              <a:t>데이터 통계</a:t>
             </a:r>
             <a:r>
               <a:rPr lang="en-US" altLang="ko-KR" sz="3200" dirty="0">
                 <a:latin typeface="Noto Sans KR Black" panose="020B0200000000000000" pitchFamily="50" charset="-127"/>
                 <a:ea typeface="Noto Sans KR Black" panose="020B0200000000000000" pitchFamily="50" charset="-127"/>
               </a:rPr>
-              <a:t> (Issue &amp; Solution)</a:t>
+              <a:t> </a:t>
             </a:r>
             <a:endParaRPr lang="ko-KR" altLang="en-US" sz="3200" dirty="0">
               <a:latin typeface="Noto Sans KR Black" panose="020B0200000000000000" pitchFamily="50" charset="-127"/>
@@ -7159,528 +4295,2105 @@
           </a:fontRef>
         </p:style>
       </p:cxnSp>
-      <p:sp>
-        <p:nvSpPr>
-          <p:cNvPr id="14" name="갈매기형 수장 4">
-            <a:extLst>
-              <a:ext uri="{FF2B5EF4-FFF2-40B4-BE49-F238E27FC236}">
-                <a16:creationId xmlns:a16="http://schemas.microsoft.com/office/drawing/2014/main" id="{48374411-798D-747E-FDB7-B5F6EBFFA061}"/>
-              </a:ext>
-            </a:extLst>
-          </p:cNvPr>
-          <p:cNvSpPr/>
+      <p:pic>
+        <p:nvPicPr>
+          <p:cNvPr id="7" name="그림 6">
+            <a:extLst>
+              <a:ext uri="{FF2B5EF4-FFF2-40B4-BE49-F238E27FC236}">
+                <a16:creationId xmlns:a16="http://schemas.microsoft.com/office/drawing/2014/main" id="{A7D931AB-0D26-4518-AB14-A397DE85C3BB}"/>
+              </a:ext>
+            </a:extLst>
+          </p:cNvPr>
+          <p:cNvPicPr>
+            <a:picLocks noChangeAspect="1"/>
+          </p:cNvPicPr>
           <p:nvPr/>
-        </p:nvSpPr>
+        </p:nvPicPr>
+        <p:blipFill>
+          <a:blip r:embed="rId2"/>
+          <a:stretch>
+            <a:fillRect/>
+          </a:stretch>
+        </p:blipFill>
         <p:spPr>
           <a:xfrm>
-            <a:off x="4041023" y="2264971"/>
-            <a:ext cx="4399033" cy="2217667"/>
+            <a:off x="254441" y="914974"/>
+            <a:ext cx="10909190" cy="5624189"/>
           </a:xfrm>
-          <a:prstGeom prst="chevron">
+          <a:prstGeom prst="rect">
             <a:avLst/>
           </a:prstGeom>
-          <a:solidFill>
-            <a:schemeClr val="accent6"/>
-          </a:solidFill>
-          <a:ln>
-            <a:noFill/>
-          </a:ln>
+        </p:spPr>
+      </p:pic>
+    </p:spTree>
+    <p:extLst>
+      <p:ext uri="{BB962C8B-B14F-4D97-AF65-F5344CB8AC3E}">
+        <p14:creationId xmlns:p14="http://schemas.microsoft.com/office/powerpoint/2010/main" val="212840702"/>
+      </p:ext>
+    </p:extLst>
+  </p:cSld>
+  <p:clrMapOvr>
+    <a:masterClrMapping/>
+  </p:clrMapOvr>
+  <mc:AlternateContent xmlns:mc="http://schemas.openxmlformats.org/markup-compatibility/2006" xmlns:p14="http://schemas.microsoft.com/office/powerpoint/2010/main">
+    <mc:Choice Requires="p14">
+      <p:transition spd="med" p14:dur="700">
+        <p:fade/>
+      </p:transition>
+    </mc:Choice>
+    <mc:Fallback xmlns="">
+      <p:transition spd="med">
+        <p:fade/>
+      </p:transition>
+    </mc:Fallback>
+  </mc:AlternateContent>
+</p:sld>
+</file>
+
+<file path=ppt/slides/slide3.xml><?xml version="1.0" encoding="utf-8"?>
+<p:sld xmlns:a="http://schemas.openxmlformats.org/drawingml/2006/main" xmlns:r="http://schemas.openxmlformats.org/officeDocument/2006/relationships" xmlns:p="http://schemas.openxmlformats.org/presentationml/2006/main">
+  <p:cSld>
+    <p:spTree>
+      <p:nvGrpSpPr>
+        <p:cNvPr id="1" name="">
+          <a:extLst>
+            <a:ext uri="{FF2B5EF4-FFF2-40B4-BE49-F238E27FC236}">
+              <a16:creationId xmlns:a16="http://schemas.microsoft.com/office/drawing/2014/main" id="{1F42D885-AC57-54B7-F957-17157F19EB18}"/>
+            </a:ext>
+          </a:extLst>
+        </p:cNvPr>
+        <p:cNvGrpSpPr/>
+        <p:nvPr/>
+      </p:nvGrpSpPr>
+      <p:grpSpPr>
+        <a:xfrm>
+          <a:off x="0" y="0"/>
+          <a:ext cx="0" cy="0"/>
+          <a:chOff x="0" y="0"/>
+          <a:chExt cx="0" cy="0"/>
+        </a:xfrm>
+      </p:grpSpPr>
+      <p:sp>
+        <p:nvSpPr>
+          <p:cNvPr id="2" name="TextBox 1">
+            <a:extLst>
+              <a:ext uri="{FF2B5EF4-FFF2-40B4-BE49-F238E27FC236}">
+                <a16:creationId xmlns:a16="http://schemas.microsoft.com/office/drawing/2014/main" id="{DD610135-07CC-25D1-0955-AA6BB144AD1F}"/>
+              </a:ext>
+            </a:extLst>
+          </p:cNvPr>
+          <p:cNvSpPr txBox="1"/>
+          <p:nvPr/>
+        </p:nvSpPr>
+        <p:spPr>
+          <a:xfrm>
+            <a:off x="583709" y="345588"/>
+            <a:ext cx="885179" cy="369332"/>
+          </a:xfrm>
+          <a:prstGeom prst="rect">
+            <a:avLst/>
+          </a:prstGeom>
+          <a:noFill/>
+        </p:spPr>
+        <p:txBody>
+          <a:bodyPr wrap="none" rtlCol="0">
+            <a:spAutoFit/>
+          </a:bodyPr>
+          <a:lstStyle/>
+          <a:p>
+            <a:r>
+              <a:rPr lang="en-US" altLang="ko-KR">
+                <a:solidFill>
+                  <a:schemeClr val="accent4"/>
+                </a:solidFill>
+              </a:rPr>
+              <a:t>Part 3</a:t>
+            </a:r>
+            <a:endParaRPr lang="ko-KR" altLang="en-US" dirty="0">
+              <a:solidFill>
+                <a:schemeClr val="accent4"/>
+              </a:solidFill>
+            </a:endParaRPr>
+          </a:p>
+        </p:txBody>
+      </p:sp>
+      <p:cxnSp>
+        <p:nvCxnSpPr>
+          <p:cNvPr id="3" name="직선 연결선 2">
+            <a:extLst>
+              <a:ext uri="{FF2B5EF4-FFF2-40B4-BE49-F238E27FC236}">
+                <a16:creationId xmlns:a16="http://schemas.microsoft.com/office/drawing/2014/main" id="{C65658E4-880A-0663-9C96-CA4AE98CA53E}"/>
+              </a:ext>
+            </a:extLst>
+          </p:cNvPr>
+          <p:cNvCxnSpPr>
+            <a:cxnSpLocks/>
+          </p:cNvCxnSpPr>
+          <p:nvPr/>
+        </p:nvCxnSpPr>
+        <p:spPr>
+          <a:xfrm>
+            <a:off x="152400" y="190500"/>
+            <a:ext cx="12039600" cy="0"/>
+          </a:xfrm>
+          <a:prstGeom prst="line">
+            <a:avLst/>
+          </a:prstGeom>
         </p:spPr>
         <p:style>
-          <a:lnRef idx="2">
-            <a:schemeClr val="accent1">
-              <a:shade val="50000"/>
-            </a:schemeClr>
+          <a:lnRef idx="1">
+            <a:schemeClr val="accent1"/>
           </a:lnRef>
-          <a:fillRef idx="1">
+          <a:fillRef idx="0">
             <a:schemeClr val="accent1"/>
           </a:fillRef>
           <a:effectRef idx="0">
             <a:schemeClr val="accent1"/>
           </a:effectRef>
           <a:fontRef idx="minor">
-            <a:schemeClr val="lt1"/>
+            <a:schemeClr val="tx1"/>
           </a:fontRef>
         </p:style>
-        <p:txBody>
-          <a:bodyPr rot="0" spcFirstLastPara="0" vertOverflow="overflow" horzOverflow="overflow" vert="horz" wrap="square" lIns="91440" tIns="45720" rIns="91440" bIns="45720" numCol="1" spcCol="0" rtlCol="0" fromWordArt="0" anchor="ctr" anchorCtr="0" forceAA="0" compatLnSpc="1">
-            <a:prstTxWarp prst="textNoShape">
-              <a:avLst/>
-            </a:prstTxWarp>
-            <a:noAutofit/>
+      </p:cxnSp>
+      <p:sp>
+        <p:nvSpPr>
+          <p:cNvPr id="4" name="TextBox 3">
+            <a:extLst>
+              <a:ext uri="{FF2B5EF4-FFF2-40B4-BE49-F238E27FC236}">
+                <a16:creationId xmlns:a16="http://schemas.microsoft.com/office/drawing/2014/main" id="{8CCC8019-ECD2-FD3D-E2E1-103D00EBE32B}"/>
+              </a:ext>
+            </a:extLst>
+          </p:cNvPr>
+          <p:cNvSpPr txBox="1"/>
+          <p:nvPr/>
+        </p:nvSpPr>
+        <p:spPr>
+          <a:xfrm>
+            <a:off x="1676400" y="330200"/>
+            <a:ext cx="5780750" cy="584775"/>
+          </a:xfrm>
+          <a:prstGeom prst="rect">
+            <a:avLst/>
+          </a:prstGeom>
+          <a:noFill/>
+        </p:spPr>
+        <p:txBody>
+          <a:bodyPr wrap="none" rtlCol="0">
+            <a:spAutoFit/>
           </a:bodyPr>
           <a:lstStyle/>
           <a:p>
-            <a:pPr algn="ctr"/>
-            <a:r>
-              <a:rPr lang="ko-KR" altLang="en-US" sz="1400" b="1" dirty="0">
-                <a:solidFill>
-                  <a:srgbClr val="7C7C7A"/>
-                </a:solidFill>
-                <a:latin typeface="Noto Sans KR Medium" panose="020B0200000000000000" pitchFamily="50" charset="-127"/>
-                <a:ea typeface="Noto Sans KR Medium" panose="020B0200000000000000" pitchFamily="50" charset="-127"/>
-              </a:rPr>
-              <a:t>조사 및 해결 과정</a:t>
-            </a:r>
-            <a:r>
-              <a:rPr lang="en-US" altLang="ko-KR" sz="1400" b="1" dirty="0">
-                <a:solidFill>
-                  <a:srgbClr val="7C7C7A"/>
-                </a:solidFill>
-                <a:latin typeface="Noto Sans KR Medium" panose="020B0200000000000000" pitchFamily="50" charset="-127"/>
-                <a:ea typeface="Noto Sans KR Medium" panose="020B0200000000000000" pitchFamily="50" charset="-127"/>
-              </a:rPr>
-              <a:t>:</a:t>
-            </a:r>
-          </a:p>
-          <a:p>
-            <a:pPr marL="285750" indent="-285750" algn="ctr">
-              <a:buFontTx/>
-              <a:buChar char="-"/>
-            </a:pPr>
-            <a:r>
-              <a:rPr lang="ko-KR" altLang="en-US" sz="1400" dirty="0">
-                <a:solidFill>
-                  <a:srgbClr val="7C7C7A"/>
-                </a:solidFill>
-                <a:latin typeface="Noto Sans KR Medium" panose="020B0200000000000000" pitchFamily="50" charset="-127"/>
-                <a:ea typeface="Noto Sans KR Medium" panose="020B0200000000000000" pitchFamily="50" charset="-127"/>
-              </a:rPr>
-              <a:t>원본 데이터에서 </a:t>
-            </a:r>
-            <a:r>
-              <a:rPr lang="ko-KR" altLang="en-US" sz="1400" dirty="0" err="1">
-                <a:solidFill>
-                  <a:srgbClr val="7C7C7A"/>
-                </a:solidFill>
-                <a:latin typeface="Noto Sans KR Medium" panose="020B0200000000000000" pitchFamily="50" charset="-127"/>
-                <a:ea typeface="Noto Sans KR Medium" panose="020B0200000000000000" pitchFamily="50" charset="-127"/>
-              </a:rPr>
-              <a:t>미매칭</a:t>
-            </a:r>
-            <a:r>
-              <a:rPr lang="ko-KR" altLang="en-US" sz="1400" dirty="0">
-                <a:solidFill>
-                  <a:srgbClr val="7C7C7A"/>
-                </a:solidFill>
-                <a:latin typeface="Noto Sans KR Medium" panose="020B0200000000000000" pitchFamily="50" charset="-127"/>
-                <a:ea typeface="Noto Sans KR Medium" panose="020B0200000000000000" pitchFamily="50" charset="-127"/>
-              </a:rPr>
-              <a:t> 데이터 선별</a:t>
-            </a:r>
-            <a:endParaRPr lang="en-US" altLang="ko-KR" sz="1400" dirty="0">
-              <a:solidFill>
-                <a:srgbClr val="7C7C7A"/>
-              </a:solidFill>
-              <a:latin typeface="Noto Sans KR Medium" panose="020B0200000000000000" pitchFamily="50" charset="-127"/>
-              <a:ea typeface="Noto Sans KR Medium" panose="020B0200000000000000" pitchFamily="50" charset="-127"/>
-            </a:endParaRPr>
-          </a:p>
-          <a:p>
-            <a:pPr marL="285750" indent="-285750" algn="ctr">
-              <a:buFontTx/>
-              <a:buChar char="-"/>
-            </a:pPr>
-            <a:endParaRPr lang="en-US" altLang="ko-KR" sz="300" dirty="0">
-              <a:solidFill>
-                <a:srgbClr val="7C7C7A"/>
-              </a:solidFill>
-              <a:latin typeface="Noto Sans KR Medium" panose="020B0200000000000000" pitchFamily="50" charset="-127"/>
-              <a:ea typeface="Noto Sans KR Medium" panose="020B0200000000000000" pitchFamily="50" charset="-127"/>
-            </a:endParaRPr>
-          </a:p>
-          <a:p>
-            <a:pPr marL="285750" indent="-285750" algn="ctr">
-              <a:buFontTx/>
-              <a:buChar char="-"/>
-            </a:pPr>
-            <a:r>
-              <a:rPr lang="en-US" altLang="ko-KR" sz="1400" dirty="0">
-                <a:solidFill>
-                  <a:srgbClr val="7C7C7A"/>
-                </a:solidFill>
-                <a:latin typeface="Noto Sans KR Medium" panose="020B0200000000000000" pitchFamily="50" charset="-127"/>
-                <a:ea typeface="Noto Sans KR Medium" panose="020B0200000000000000" pitchFamily="50" charset="-127"/>
-              </a:rPr>
-              <a:t>AI </a:t>
-            </a:r>
-            <a:r>
-              <a:rPr lang="ko-KR" altLang="en-US" sz="1400" dirty="0">
-                <a:solidFill>
-                  <a:srgbClr val="7C7C7A"/>
-                </a:solidFill>
-                <a:latin typeface="Noto Sans KR Medium" panose="020B0200000000000000" pitchFamily="50" charset="-127"/>
-                <a:ea typeface="Noto Sans KR Medium" panose="020B0200000000000000" pitchFamily="50" charset="-127"/>
-              </a:rPr>
-              <a:t>허브를 통한 </a:t>
-            </a:r>
-            <a:r>
-              <a:rPr lang="ko-KR" altLang="en-US" sz="1400" dirty="0" err="1">
-                <a:solidFill>
-                  <a:srgbClr val="7C7C7A"/>
-                </a:solidFill>
-                <a:latin typeface="Noto Sans KR Medium" panose="020B0200000000000000" pitchFamily="50" charset="-127"/>
-                <a:ea typeface="Noto Sans KR Medium" panose="020B0200000000000000" pitchFamily="50" charset="-127"/>
-              </a:rPr>
-              <a:t>어노테이션</a:t>
-            </a:r>
-            <a:r>
-              <a:rPr lang="ko-KR" altLang="en-US" sz="1400" dirty="0">
-                <a:solidFill>
-                  <a:srgbClr val="7C7C7A"/>
-                </a:solidFill>
-                <a:latin typeface="Noto Sans KR Medium" panose="020B0200000000000000" pitchFamily="50" charset="-127"/>
-                <a:ea typeface="Noto Sans KR Medium" panose="020B0200000000000000" pitchFamily="50" charset="-127"/>
-              </a:rPr>
-              <a:t> 재작업 진행</a:t>
-            </a:r>
-            <a:endParaRPr lang="en-US" altLang="ko-KR" sz="1400" dirty="0">
-              <a:solidFill>
-                <a:srgbClr val="7C7C7A"/>
-              </a:solidFill>
-              <a:latin typeface="Noto Sans KR Medium" panose="020B0200000000000000" pitchFamily="50" charset="-127"/>
-              <a:ea typeface="Noto Sans KR Medium" panose="020B0200000000000000" pitchFamily="50" charset="-127"/>
-            </a:endParaRPr>
-          </a:p>
-          <a:p>
-            <a:pPr marL="285750" indent="-285750" algn="ctr">
-              <a:buFontTx/>
-              <a:buChar char="-"/>
-            </a:pPr>
-            <a:endParaRPr lang="en-US" altLang="ko-KR" sz="300" dirty="0">
-              <a:solidFill>
-                <a:srgbClr val="7C7C7A"/>
-              </a:solidFill>
-              <a:latin typeface="Noto Sans KR Medium" panose="020B0200000000000000" pitchFamily="50" charset="-127"/>
-              <a:ea typeface="Noto Sans KR Medium" panose="020B0200000000000000" pitchFamily="50" charset="-127"/>
-            </a:endParaRPr>
-          </a:p>
-          <a:p>
-            <a:pPr algn="ctr"/>
-            <a:r>
-              <a:rPr lang="en-US" altLang="ko-KR" sz="1400" dirty="0">
-                <a:solidFill>
-                  <a:srgbClr val="7C7C7A"/>
-                </a:solidFill>
-                <a:latin typeface="Noto Sans KR Medium" panose="020B0200000000000000" pitchFamily="50" charset="-127"/>
-                <a:ea typeface="Noto Sans KR Medium" panose="020B0200000000000000" pitchFamily="50" charset="-127"/>
-              </a:rPr>
-              <a:t>- </a:t>
-            </a:r>
-            <a:r>
-              <a:rPr lang="ko-KR" altLang="en-US" sz="1400" dirty="0" err="1">
-                <a:solidFill>
-                  <a:srgbClr val="7C7C7A"/>
-                </a:solidFill>
-                <a:latin typeface="Noto Sans KR Medium" panose="020B0200000000000000" pitchFamily="50" charset="-127"/>
-                <a:ea typeface="Noto Sans KR Medium" panose="020B0200000000000000" pitchFamily="50" charset="-127"/>
-              </a:rPr>
-              <a:t>미매칭</a:t>
-            </a:r>
-            <a:r>
-              <a:rPr lang="ko-KR" altLang="en-US" sz="1400" dirty="0">
-                <a:solidFill>
-                  <a:srgbClr val="7C7C7A"/>
-                </a:solidFill>
-                <a:latin typeface="Noto Sans KR Medium" panose="020B0200000000000000" pitchFamily="50" charset="-127"/>
-                <a:ea typeface="Noto Sans KR Medium" panose="020B0200000000000000" pitchFamily="50" charset="-127"/>
-              </a:rPr>
-              <a:t> 외 </a:t>
-            </a:r>
-            <a:r>
-              <a:rPr lang="en-US" altLang="ko-KR" sz="1400" dirty="0" err="1">
-                <a:solidFill>
-                  <a:srgbClr val="7C7C7A"/>
-                </a:solidFill>
-                <a:latin typeface="Noto Sans KR Medium" panose="020B0200000000000000" pitchFamily="50" charset="-127"/>
-                <a:ea typeface="Noto Sans KR Medium" panose="020B0200000000000000" pitchFamily="50" charset="-127"/>
-              </a:rPr>
-              <a:t>bbox</a:t>
-            </a:r>
-            <a:r>
-              <a:rPr lang="en-US" altLang="ko-KR" sz="1400" dirty="0">
-                <a:solidFill>
-                  <a:srgbClr val="7C7C7A"/>
-                </a:solidFill>
-                <a:latin typeface="Noto Sans KR Medium" panose="020B0200000000000000" pitchFamily="50" charset="-127"/>
-                <a:ea typeface="Noto Sans KR Medium" panose="020B0200000000000000" pitchFamily="50" charset="-127"/>
-              </a:rPr>
-              <a:t> </a:t>
-            </a:r>
-            <a:r>
-              <a:rPr lang="ko-KR" altLang="en-US" sz="1400" dirty="0">
-                <a:solidFill>
-                  <a:srgbClr val="7C7C7A"/>
-                </a:solidFill>
-                <a:latin typeface="Noto Sans KR Medium" panose="020B0200000000000000" pitchFamily="50" charset="-127"/>
-                <a:ea typeface="Noto Sans KR Medium" panose="020B0200000000000000" pitchFamily="50" charset="-127"/>
-              </a:rPr>
-              <a:t>겹침 등 추가 이슈 발견 →</a:t>
-            </a:r>
-            <a:r>
-              <a:rPr lang="en-US" altLang="ko-KR" sz="1400" dirty="0">
-                <a:solidFill>
-                  <a:srgbClr val="7C7C7A"/>
-                </a:solidFill>
-                <a:latin typeface="Noto Sans KR Medium" panose="020B0200000000000000" pitchFamily="50" charset="-127"/>
-                <a:ea typeface="Noto Sans KR Medium" panose="020B0200000000000000" pitchFamily="50" charset="-127"/>
-              </a:rPr>
-              <a:t> </a:t>
-            </a:r>
-            <a:r>
-              <a:rPr lang="ko-KR" altLang="en-US" sz="1400" dirty="0">
-                <a:solidFill>
-                  <a:srgbClr val="7C7C7A"/>
-                </a:solidFill>
-                <a:latin typeface="Noto Sans KR Medium" panose="020B0200000000000000" pitchFamily="50" charset="-127"/>
-                <a:ea typeface="Noto Sans KR Medium" panose="020B0200000000000000" pitchFamily="50" charset="-127"/>
-              </a:rPr>
-              <a:t>데이터 전수 수정</a:t>
-            </a:r>
-            <a:endParaRPr lang="en-US" altLang="ko-KR" sz="1400" dirty="0">
-              <a:solidFill>
-                <a:srgbClr val="7C7C7A"/>
-              </a:solidFill>
-              <a:latin typeface="Noto Sans KR Medium" panose="020B0200000000000000" pitchFamily="50" charset="-127"/>
-              <a:ea typeface="Noto Sans KR Medium" panose="020B0200000000000000" pitchFamily="50" charset="-127"/>
-            </a:endParaRPr>
-          </a:p>
-        </p:txBody>
-      </p:sp>
-      <p:sp>
-        <p:nvSpPr>
-          <p:cNvPr id="15" name="오각형 3">
-            <a:extLst>
-              <a:ext uri="{FF2B5EF4-FFF2-40B4-BE49-F238E27FC236}">
-                <a16:creationId xmlns:a16="http://schemas.microsoft.com/office/drawing/2014/main" id="{FF26997A-3503-CBD6-1407-CE400CF309C2}"/>
-              </a:ext>
-            </a:extLst>
-          </p:cNvPr>
-          <p:cNvSpPr/>
+            <a:r>
+              <a:rPr lang="en-US" altLang="ko-KR" sz="3200" dirty="0">
+                <a:latin typeface="Noto Sans KR Black" panose="020B0200000000000000" pitchFamily="50" charset="-127"/>
+                <a:ea typeface="Noto Sans KR Black" panose="020B0200000000000000" pitchFamily="50" charset="-127"/>
+              </a:rPr>
+              <a:t>Image-Annotation </a:t>
+            </a:r>
+            <a:r>
+              <a:rPr lang="ko-KR" altLang="en-US" sz="3200" dirty="0">
+                <a:latin typeface="Noto Sans KR Black" panose="020B0200000000000000" pitchFamily="50" charset="-127"/>
+                <a:ea typeface="Noto Sans KR Black" panose="020B0200000000000000" pitchFamily="50" charset="-127"/>
+              </a:rPr>
+              <a:t>매핑  분석</a:t>
+            </a:r>
+          </a:p>
+        </p:txBody>
+      </p:sp>
+      <p:cxnSp>
+        <p:nvCxnSpPr>
+          <p:cNvPr id="9" name="직선 연결선 8">
+            <a:extLst>
+              <a:ext uri="{FF2B5EF4-FFF2-40B4-BE49-F238E27FC236}">
+                <a16:creationId xmlns:a16="http://schemas.microsoft.com/office/drawing/2014/main" id="{657FD829-DFE7-77A4-9DF3-4B90EBCC8DA0}"/>
+              </a:ext>
+            </a:extLst>
+          </p:cNvPr>
+          <p:cNvCxnSpPr>
+            <a:cxnSpLocks/>
+          </p:cNvCxnSpPr>
           <p:nvPr/>
-        </p:nvSpPr>
+        </p:nvCxnSpPr>
         <p:spPr>
           <a:xfrm>
-            <a:off x="514350" y="2264971"/>
-            <a:ext cx="3933825" cy="2217667"/>
+            <a:off x="4443190" y="185057"/>
+            <a:ext cx="1435100" cy="0"/>
           </a:xfrm>
-          <a:prstGeom prst="homePlate">
+          <a:prstGeom prst="line">
             <a:avLst/>
           </a:prstGeom>
-          <a:solidFill>
-            <a:schemeClr val="accent2"/>
-          </a:solidFill>
-          <a:ln>
-            <a:noFill/>
+          <a:ln w="76200">
+            <a:solidFill>
+              <a:schemeClr val="accent4"/>
+            </a:solidFill>
           </a:ln>
         </p:spPr>
         <p:style>
-          <a:lnRef idx="2">
-            <a:schemeClr val="accent1">
-              <a:shade val="50000"/>
-            </a:schemeClr>
+          <a:lnRef idx="1">
+            <a:schemeClr val="accent1"/>
           </a:lnRef>
-          <a:fillRef idx="1">
+          <a:fillRef idx="0">
             <a:schemeClr val="accent1"/>
           </a:fillRef>
           <a:effectRef idx="0">
             <a:schemeClr val="accent1"/>
           </a:effectRef>
           <a:fontRef idx="minor">
-            <a:schemeClr val="lt1"/>
+            <a:schemeClr val="tx1"/>
           </a:fontRef>
         </p:style>
-        <p:txBody>
-          <a:bodyPr rot="0" spcFirstLastPara="0" vertOverflow="overflow" horzOverflow="overflow" vert="horz" wrap="square" lIns="91440" tIns="45720" rIns="91440" bIns="45720" numCol="1" spcCol="0" rtlCol="0" fromWordArt="0" anchor="ctr" anchorCtr="0" forceAA="0" compatLnSpc="1">
-            <a:prstTxWarp prst="textNoShape">
-              <a:avLst/>
-            </a:prstTxWarp>
-            <a:noAutofit/>
-          </a:bodyPr>
-          <a:lstStyle/>
-          <a:p>
-            <a:pPr algn="ctr"/>
-            <a:r>
-              <a:rPr lang="ko-KR" altLang="en-US" sz="1600" b="1" dirty="0">
-                <a:latin typeface="Noto Sans KR Medium" panose="020B0200000000000000" pitchFamily="50" charset="-127"/>
-                <a:ea typeface="Noto Sans KR Medium" panose="020B0200000000000000" pitchFamily="50" charset="-127"/>
-              </a:rPr>
-              <a:t>문제 정의 </a:t>
-            </a:r>
-            <a:r>
-              <a:rPr lang="en-US" altLang="ko-KR" sz="1600" b="1" dirty="0">
-                <a:latin typeface="Noto Sans KR Medium" panose="020B0200000000000000" pitchFamily="50" charset="-127"/>
-                <a:ea typeface="Noto Sans KR Medium" panose="020B0200000000000000" pitchFamily="50" charset="-127"/>
-              </a:rPr>
-              <a:t>:</a:t>
-            </a:r>
-            <a:r>
-              <a:rPr lang="en-US" altLang="ko-KR" sz="1600" dirty="0">
-                <a:latin typeface="Noto Sans KR Medium" panose="020B0200000000000000" pitchFamily="50" charset="-127"/>
-                <a:ea typeface="Noto Sans KR Medium" panose="020B0200000000000000" pitchFamily="50" charset="-127"/>
-              </a:rPr>
-              <a:t> </a:t>
-            </a:r>
-          </a:p>
-          <a:p>
-            <a:pPr algn="ctr"/>
-            <a:r>
-              <a:rPr lang="ko-KR" altLang="en-US" sz="1600" dirty="0">
-                <a:latin typeface="Noto Sans KR Medium" panose="020B0200000000000000" pitchFamily="50" charset="-127"/>
-                <a:ea typeface="Noto Sans KR Medium" panose="020B0200000000000000" pitchFamily="50" charset="-127"/>
-              </a:rPr>
-              <a:t>이미지 데이터와 </a:t>
-            </a:r>
-            <a:r>
-              <a:rPr lang="ko-KR" altLang="en-US" sz="1600" dirty="0" err="1">
-                <a:latin typeface="Noto Sans KR Medium" panose="020B0200000000000000" pitchFamily="50" charset="-127"/>
-                <a:ea typeface="Noto Sans KR Medium" panose="020B0200000000000000" pitchFamily="50" charset="-127"/>
-              </a:rPr>
-              <a:t>어노테이션</a:t>
-            </a:r>
-            <a:r>
-              <a:rPr lang="ko-KR" altLang="en-US" sz="1600" dirty="0">
-                <a:latin typeface="Noto Sans KR Medium" panose="020B0200000000000000" pitchFamily="50" charset="-127"/>
-                <a:ea typeface="Noto Sans KR Medium" panose="020B0200000000000000" pitchFamily="50" charset="-127"/>
-              </a:rPr>
-              <a:t> 정보 간 미 매칭</a:t>
-            </a:r>
-            <a:endParaRPr lang="en-US" altLang="ko-KR" sz="1600" dirty="0">
-              <a:latin typeface="Noto Sans KR Medium" panose="020B0200000000000000" pitchFamily="50" charset="-127"/>
-              <a:ea typeface="Noto Sans KR Medium" panose="020B0200000000000000" pitchFamily="50" charset="-127"/>
-            </a:endParaRPr>
-          </a:p>
-          <a:p>
-            <a:pPr algn="ctr"/>
-            <a:endParaRPr lang="en-US" altLang="ko-KR" sz="1600" dirty="0">
-              <a:latin typeface="Noto Sans KR Medium" panose="020B0200000000000000" pitchFamily="50" charset="-127"/>
-              <a:ea typeface="Noto Sans KR Medium" panose="020B0200000000000000" pitchFamily="50" charset="-127"/>
-            </a:endParaRPr>
-          </a:p>
-          <a:p>
-            <a:pPr algn="ctr"/>
-            <a:r>
-              <a:rPr lang="ko-KR" altLang="en-US" sz="1600" b="1" dirty="0">
-                <a:latin typeface="Noto Sans KR Medium" panose="020B0200000000000000" pitchFamily="50" charset="-127"/>
-                <a:ea typeface="Noto Sans KR Medium" panose="020B0200000000000000" pitchFamily="50" charset="-127"/>
-              </a:rPr>
-              <a:t>원인 추론</a:t>
-            </a:r>
-            <a:endParaRPr lang="en-US" altLang="ko-KR" sz="1600" b="1" dirty="0">
-              <a:latin typeface="Noto Sans KR Medium" panose="020B0200000000000000" pitchFamily="50" charset="-127"/>
-              <a:ea typeface="Noto Sans KR Medium" panose="020B0200000000000000" pitchFamily="50" charset="-127"/>
-            </a:endParaRPr>
-          </a:p>
-          <a:p>
-            <a:pPr algn="ctr"/>
-            <a:r>
-              <a:rPr lang="en-US" altLang="ko-KR" sz="1600" dirty="0">
-                <a:latin typeface="Noto Sans KR Medium" panose="020B0200000000000000" pitchFamily="50" charset="-127"/>
-                <a:ea typeface="Noto Sans KR Medium" panose="020B0200000000000000" pitchFamily="50" charset="-127"/>
-              </a:rPr>
-              <a:t>: </a:t>
-            </a:r>
-            <a:r>
-              <a:rPr lang="ko-KR" altLang="en-US" sz="1600" dirty="0" err="1">
-                <a:latin typeface="Noto Sans KR Medium" panose="020B0200000000000000" pitchFamily="50" charset="-127"/>
-                <a:ea typeface="Noto Sans KR Medium" panose="020B0200000000000000" pitchFamily="50" charset="-127"/>
-              </a:rPr>
-              <a:t>케글</a:t>
-            </a:r>
-            <a:r>
-              <a:rPr lang="ko-KR" altLang="en-US" sz="1600" dirty="0">
-                <a:latin typeface="Noto Sans KR Medium" panose="020B0200000000000000" pitchFamily="50" charset="-127"/>
-                <a:ea typeface="Noto Sans KR Medium" panose="020B0200000000000000" pitchFamily="50" charset="-127"/>
-              </a:rPr>
-              <a:t> 제공 데이터 자체가 미 매칭</a:t>
-            </a:r>
-          </a:p>
-        </p:txBody>
-      </p:sp>
-      <p:sp>
-        <p:nvSpPr>
-          <p:cNvPr id="18" name="갈매기형 수장 4">
-            <a:extLst>
-              <a:ext uri="{FF2B5EF4-FFF2-40B4-BE49-F238E27FC236}">
-                <a16:creationId xmlns:a16="http://schemas.microsoft.com/office/drawing/2014/main" id="{4E670CF7-1556-9B74-F2BD-FAA75B194C05}"/>
-              </a:ext>
-            </a:extLst>
-          </p:cNvPr>
-          <p:cNvSpPr/>
+      </p:cxnSp>
+      <p:sp>
+        <p:nvSpPr>
+          <p:cNvPr id="10" name="Google Shape;60;p14">
+            <a:extLst>
+              <a:ext uri="{FF2B5EF4-FFF2-40B4-BE49-F238E27FC236}">
+                <a16:creationId xmlns:a16="http://schemas.microsoft.com/office/drawing/2014/main" id="{8D45E020-ACB4-4103-9D00-6EB0D43A19A2}"/>
+              </a:ext>
+            </a:extLst>
+          </p:cNvPr>
+          <p:cNvSpPr txBox="1"/>
           <p:nvPr/>
         </p:nvSpPr>
         <p:spPr>
           <a:xfrm>
-            <a:off x="8032905" y="2264971"/>
-            <a:ext cx="3933825" cy="2217667"/>
+            <a:off x="806019" y="1116319"/>
+            <a:ext cx="2685300" cy="5551177"/>
           </a:xfrm>
-          <a:prstGeom prst="chevron">
+          <a:prstGeom prst="rect">
             <a:avLst/>
           </a:prstGeom>
-          <a:solidFill>
-            <a:srgbClr val="5F5F5D"/>
-          </a:solidFill>
+          <a:noFill/>
           <a:ln>
             <a:noFill/>
           </a:ln>
         </p:spPr>
-        <p:style>
-          <a:lnRef idx="2">
-            <a:schemeClr val="accent1">
-              <a:shade val="50000"/>
-            </a:schemeClr>
-          </a:lnRef>
-          <a:fillRef idx="1">
-            <a:schemeClr val="accent1"/>
-          </a:fillRef>
-          <a:effectRef idx="0">
-            <a:schemeClr val="accent1"/>
-          </a:effectRef>
-          <a:fontRef idx="minor">
-            <a:schemeClr val="lt1"/>
-          </a:fontRef>
-        </p:style>
-        <p:txBody>
-          <a:bodyPr rot="0" spcFirstLastPara="0" vertOverflow="overflow" horzOverflow="overflow" vert="horz" wrap="square" lIns="91440" tIns="45720" rIns="91440" bIns="45720" numCol="1" spcCol="0" rtlCol="0" fromWordArt="0" anchor="ctr" anchorCtr="0" forceAA="0" compatLnSpc="1">
-            <a:prstTxWarp prst="textNoShape">
-              <a:avLst/>
-            </a:prstTxWarp>
+        <p:txBody>
+          <a:bodyPr spcFirstLastPara="1" wrap="square" lIns="91425" tIns="91425" rIns="91425" bIns="91425" anchor="t" anchorCtr="0">
             <a:noAutofit/>
           </a:bodyPr>
           <a:lstStyle/>
           <a:p>
-            <a:pPr algn="ctr"/>
-            <a:r>
-              <a:rPr lang="ko-KR" altLang="en-US" sz="1600" b="1" dirty="0">
-                <a:latin typeface="Noto Sans KR Medium" panose="020B0200000000000000" pitchFamily="50" charset="-127"/>
-                <a:ea typeface="Noto Sans KR Medium" panose="020B0200000000000000" pitchFamily="50" charset="-127"/>
-              </a:rPr>
-              <a:t>결과</a:t>
-            </a:r>
-            <a:r>
-              <a:rPr lang="en-US" altLang="ko-KR" sz="1600" b="1" dirty="0">
-                <a:latin typeface="Noto Sans KR Medium" panose="020B0200000000000000" pitchFamily="50" charset="-127"/>
-                <a:ea typeface="Noto Sans KR Medium" panose="020B0200000000000000" pitchFamily="50" charset="-127"/>
+            <a:pPr marL="0" lvl="0" indent="0" algn="l" rtl="0">
+              <a:lnSpc>
+                <a:spcPct val="115000"/>
+              </a:lnSpc>
+              <a:spcBef>
+                <a:spcPts val="1400"/>
+              </a:spcBef>
+              <a:spcAft>
+                <a:spcPts val="0"/>
+              </a:spcAft>
+              <a:buClr>
+                <a:schemeClr val="dk1"/>
+              </a:buClr>
+              <a:buSzPts val="1100"/>
+              <a:buFont typeface="Arial"/>
+              <a:buNone/>
+            </a:pPr>
+            <a:r>
+              <a:rPr lang="ko" sz="1200" b="1" dirty="0">
+                <a:solidFill>
+                  <a:schemeClr val="dk1"/>
+                </a:solidFill>
+              </a:rPr>
+              <a:t>▣ 이미지당 JSON 개수 통계</a:t>
+            </a:r>
+            <a:endParaRPr sz="1200" b="1" dirty="0">
+              <a:solidFill>
+                <a:schemeClr val="dk1"/>
+              </a:solidFill>
+            </a:endParaRPr>
+          </a:p>
+          <a:p>
+            <a:pPr marL="457200" lvl="0" indent="-298450" algn="l" rtl="0">
+              <a:lnSpc>
+                <a:spcPct val="115000"/>
+              </a:lnSpc>
+              <a:spcBef>
+                <a:spcPts val="1200"/>
+              </a:spcBef>
+              <a:spcAft>
+                <a:spcPts val="0"/>
+              </a:spcAft>
+              <a:buClr>
+                <a:schemeClr val="dk1"/>
+              </a:buClr>
+              <a:buSzPts val="1100"/>
+              <a:buChar char="●"/>
+            </a:pPr>
+            <a:r>
+              <a:rPr lang="ko" sz="1000" b="1" dirty="0">
+                <a:solidFill>
+                  <a:schemeClr val="dk1"/>
+                </a:solidFill>
+              </a:rPr>
+              <a:t>최소:</a:t>
+            </a:r>
+            <a:r>
+              <a:rPr lang="ko" sz="1000" dirty="0">
+                <a:solidFill>
+                  <a:schemeClr val="dk1"/>
+                </a:solidFill>
+              </a:rPr>
+              <a:t> 0개</a:t>
+            </a:r>
+            <a:endParaRPr sz="1000" dirty="0">
+              <a:solidFill>
+                <a:schemeClr val="dk1"/>
+              </a:solidFill>
+            </a:endParaRPr>
+          </a:p>
+          <a:p>
+            <a:pPr marL="457200" lvl="0" indent="-298450" algn="l" rtl="0">
+              <a:lnSpc>
+                <a:spcPct val="115000"/>
+              </a:lnSpc>
+              <a:spcBef>
+                <a:spcPts val="0"/>
+              </a:spcBef>
+              <a:spcAft>
+                <a:spcPts val="0"/>
+              </a:spcAft>
+              <a:buClr>
+                <a:schemeClr val="dk1"/>
+              </a:buClr>
+              <a:buSzPts val="1100"/>
+              <a:buChar char="●"/>
+            </a:pPr>
+            <a:r>
+              <a:rPr lang="ko" sz="1000" b="1" dirty="0">
+                <a:solidFill>
+                  <a:schemeClr val="dk1"/>
+                </a:solidFill>
+              </a:rPr>
+              <a:t>최대:</a:t>
+            </a:r>
+            <a:r>
+              <a:rPr lang="ko" sz="1000" dirty="0">
+                <a:solidFill>
+                  <a:schemeClr val="dk1"/>
+                </a:solidFill>
+              </a:rPr>
+              <a:t> 4개</a:t>
+            </a:r>
+            <a:endParaRPr sz="1000" dirty="0">
+              <a:solidFill>
+                <a:schemeClr val="dk1"/>
+              </a:solidFill>
+            </a:endParaRPr>
+          </a:p>
+          <a:p>
+            <a:pPr marL="457200" lvl="0" indent="-298450" algn="l" rtl="0">
+              <a:lnSpc>
+                <a:spcPct val="115000"/>
+              </a:lnSpc>
+              <a:spcBef>
+                <a:spcPts val="0"/>
+              </a:spcBef>
+              <a:spcAft>
+                <a:spcPts val="0"/>
+              </a:spcAft>
+              <a:buClr>
+                <a:schemeClr val="dk1"/>
+              </a:buClr>
+              <a:buSzPts val="1100"/>
+              <a:buChar char="●"/>
+            </a:pPr>
+            <a:r>
+              <a:rPr lang="ko" sz="1000" b="1" dirty="0">
+                <a:solidFill>
+                  <a:schemeClr val="dk1"/>
+                </a:solidFill>
+              </a:rPr>
+              <a:t>평균:</a:t>
+            </a:r>
+            <a:r>
+              <a:rPr lang="ko" sz="1000" dirty="0">
+                <a:solidFill>
+                  <a:schemeClr val="dk1"/>
+                </a:solidFill>
+              </a:rPr>
+              <a:t> 1.17개</a:t>
+            </a:r>
+            <a:endParaRPr sz="1000" dirty="0">
+              <a:solidFill>
+                <a:schemeClr val="dk1"/>
+              </a:solidFill>
+            </a:endParaRPr>
+          </a:p>
+          <a:p>
+            <a:pPr marL="0" lvl="0" indent="0" algn="l" rtl="0">
+              <a:lnSpc>
+                <a:spcPct val="115000"/>
+              </a:lnSpc>
+              <a:spcBef>
+                <a:spcPts val="1200"/>
+              </a:spcBef>
+              <a:spcAft>
+                <a:spcPts val="0"/>
+              </a:spcAft>
+              <a:buClr>
+                <a:schemeClr val="dk1"/>
+              </a:buClr>
+              <a:buSzPts val="1100"/>
+              <a:buFont typeface="Arial"/>
+              <a:buNone/>
+            </a:pPr>
+            <a:r>
+              <a:rPr lang="ko" sz="1200" b="1" dirty="0">
+                <a:solidFill>
+                  <a:schemeClr val="dk1"/>
+                </a:solidFill>
+              </a:rPr>
+              <a:t>▣  분포</a:t>
+            </a:r>
+            <a:endParaRPr lang="ko-KR" altLang="en-US" sz="1200" b="1" dirty="0">
+              <a:solidFill>
+                <a:schemeClr val="dk1"/>
+              </a:solidFill>
+            </a:endParaRPr>
+          </a:p>
+          <a:p>
+            <a:pPr marL="457200" lvl="0" indent="-298450" algn="l" rtl="0">
+              <a:lnSpc>
+                <a:spcPct val="115000"/>
+              </a:lnSpc>
+              <a:spcBef>
+                <a:spcPts val="1200"/>
+              </a:spcBef>
+              <a:spcAft>
+                <a:spcPts val="0"/>
+              </a:spcAft>
+              <a:buClr>
+                <a:schemeClr val="dk1"/>
+              </a:buClr>
+              <a:buSzPts val="1100"/>
+              <a:buChar char="●"/>
+            </a:pPr>
+            <a:r>
+              <a:rPr lang="en-US" altLang="ko-KR" sz="1000" b="1" dirty="0">
+                <a:solidFill>
+                  <a:schemeClr val="dk1"/>
+                </a:solidFill>
+              </a:rPr>
+              <a:t>0</a:t>
+            </a:r>
+            <a:r>
+              <a:rPr lang="ko-KR" altLang="en-US" sz="1000" b="1" dirty="0">
+                <a:solidFill>
+                  <a:schemeClr val="dk1"/>
+                </a:solidFill>
+              </a:rPr>
+              <a:t>개</a:t>
+            </a:r>
+            <a:r>
+              <a:rPr lang="en-US" altLang="ko-KR" sz="1000" b="1" dirty="0">
+                <a:solidFill>
+                  <a:schemeClr val="dk1"/>
+                </a:solidFill>
               </a:rPr>
               <a:t>:</a:t>
             </a:r>
-          </a:p>
-          <a:p>
-            <a:pPr algn="ctr"/>
-            <a:r>
-              <a:rPr lang="ko-KR" altLang="en-US" sz="1600" dirty="0">
-                <a:latin typeface="Noto Sans KR Medium" panose="020B0200000000000000" pitchFamily="50" charset="-127"/>
-                <a:ea typeface="Noto Sans KR Medium" panose="020B0200000000000000" pitchFamily="50" charset="-127"/>
-              </a:rPr>
-              <a:t>데이터 품질 및 신뢰도 확보 완료</a:t>
-            </a:r>
+            <a:r>
+              <a:rPr lang="ko-KR" altLang="en-US" sz="1000" dirty="0">
+                <a:solidFill>
+                  <a:schemeClr val="dk1"/>
+                </a:solidFill>
+              </a:rPr>
+              <a:t> </a:t>
+            </a:r>
+            <a:r>
+              <a:rPr lang="en-US" altLang="ko-KR" sz="1000" dirty="0">
+                <a:solidFill>
+                  <a:schemeClr val="dk1"/>
+                </a:solidFill>
+              </a:rPr>
+              <a:t>419</a:t>
+            </a:r>
+            <a:r>
+              <a:rPr lang="ko-KR" altLang="en-US" sz="1000" dirty="0">
+                <a:solidFill>
+                  <a:schemeClr val="dk1"/>
+                </a:solidFill>
+              </a:rPr>
+              <a:t>개 </a:t>
+            </a:r>
+            <a:r>
+              <a:rPr lang="en-US" altLang="ko-KR" sz="1000" dirty="0">
+                <a:solidFill>
+                  <a:schemeClr val="dk1"/>
+                </a:solidFill>
+              </a:rPr>
+              <a:t>(64.4%)</a:t>
+            </a:r>
+            <a:endParaRPr lang="ko-KR" altLang="en-US" sz="1000" dirty="0">
+              <a:solidFill>
+                <a:schemeClr val="dk1"/>
+              </a:solidFill>
+            </a:endParaRPr>
+          </a:p>
+          <a:p>
+            <a:pPr marL="457200" lvl="0" indent="-298450" algn="l" rtl="0">
+              <a:lnSpc>
+                <a:spcPct val="115000"/>
+              </a:lnSpc>
+              <a:spcBef>
+                <a:spcPts val="0"/>
+              </a:spcBef>
+              <a:spcAft>
+                <a:spcPts val="0"/>
+              </a:spcAft>
+              <a:buClr>
+                <a:schemeClr val="dk1"/>
+              </a:buClr>
+              <a:buSzPts val="1100"/>
+              <a:buChar char="●"/>
+            </a:pPr>
+            <a:r>
+              <a:rPr lang="ko" sz="1000" b="1" dirty="0">
+                <a:solidFill>
+                  <a:schemeClr val="dk1"/>
+                </a:solidFill>
+              </a:rPr>
+              <a:t>2개:</a:t>
+            </a:r>
+            <a:r>
+              <a:rPr lang="ko" sz="1000" dirty="0">
+                <a:solidFill>
+                  <a:schemeClr val="dk1"/>
+                </a:solidFill>
+              </a:rPr>
+              <a:t> 7개 (1.1%)</a:t>
+            </a:r>
+            <a:endParaRPr sz="1000" dirty="0">
+              <a:solidFill>
+                <a:schemeClr val="dk1"/>
+              </a:solidFill>
+            </a:endParaRPr>
+          </a:p>
+          <a:p>
+            <a:pPr marL="457200" lvl="0" indent="-298450" algn="l" rtl="0">
+              <a:lnSpc>
+                <a:spcPct val="115000"/>
+              </a:lnSpc>
+              <a:spcBef>
+                <a:spcPts val="0"/>
+              </a:spcBef>
+              <a:spcAft>
+                <a:spcPts val="0"/>
+              </a:spcAft>
+              <a:buClr>
+                <a:schemeClr val="dk1"/>
+              </a:buClr>
+              <a:buSzPts val="1100"/>
+              <a:buChar char="●"/>
+            </a:pPr>
+            <a:r>
+              <a:rPr lang="ko" sz="1000" b="1" dirty="0">
+                <a:solidFill>
+                  <a:schemeClr val="dk1"/>
+                </a:solidFill>
+              </a:rPr>
+              <a:t>3개:</a:t>
+            </a:r>
+            <a:r>
+              <a:rPr lang="ko" sz="1000" dirty="0">
+                <a:solidFill>
+                  <a:schemeClr val="dk1"/>
+                </a:solidFill>
+              </a:rPr>
+              <a:t> 151개 (23.2%)</a:t>
+            </a:r>
+            <a:endParaRPr sz="1000" dirty="0">
+              <a:solidFill>
+                <a:schemeClr val="dk1"/>
+              </a:solidFill>
+            </a:endParaRPr>
+          </a:p>
+          <a:p>
+            <a:pPr marL="457200" lvl="0" indent="-298450" algn="l" rtl="0">
+              <a:lnSpc>
+                <a:spcPct val="115000"/>
+              </a:lnSpc>
+              <a:spcBef>
+                <a:spcPts val="0"/>
+              </a:spcBef>
+              <a:spcAft>
+                <a:spcPts val="0"/>
+              </a:spcAft>
+              <a:buClr>
+                <a:schemeClr val="dk1"/>
+              </a:buClr>
+              <a:buSzPts val="1100"/>
+              <a:buChar char="●"/>
+            </a:pPr>
+            <a:r>
+              <a:rPr lang="ko" sz="1000" b="1" dirty="0">
+                <a:solidFill>
+                  <a:schemeClr val="dk1"/>
+                </a:solidFill>
+              </a:rPr>
+              <a:t>4개:</a:t>
+            </a:r>
+            <a:r>
+              <a:rPr lang="ko" sz="1000" dirty="0">
+                <a:solidFill>
+                  <a:schemeClr val="dk1"/>
+                </a:solidFill>
+              </a:rPr>
+              <a:t> 74개 (11.4%)</a:t>
+            </a:r>
+            <a:endParaRPr lang="en-US" altLang="ko" sz="1000" dirty="0">
+              <a:solidFill>
+                <a:schemeClr val="dk1"/>
+              </a:solidFill>
+            </a:endParaRPr>
+          </a:p>
+          <a:p>
+            <a:pPr marL="457200" lvl="0" indent="-298450" algn="l" rtl="0">
+              <a:lnSpc>
+                <a:spcPct val="115000"/>
+              </a:lnSpc>
+              <a:spcBef>
+                <a:spcPts val="0"/>
+              </a:spcBef>
+              <a:spcAft>
+                <a:spcPts val="0"/>
+              </a:spcAft>
+              <a:buClr>
+                <a:schemeClr val="dk1"/>
+              </a:buClr>
+              <a:buSzPts val="1100"/>
+              <a:buChar char="●"/>
+            </a:pPr>
+            <a:endParaRPr sz="1000" dirty="0">
+              <a:solidFill>
+                <a:schemeClr val="dk1"/>
+              </a:solidFill>
+            </a:endParaRPr>
+          </a:p>
+          <a:p>
+            <a:pPr marL="0" lvl="0" indent="0" algn="l" rtl="0">
+              <a:lnSpc>
+                <a:spcPct val="115000"/>
+              </a:lnSpc>
+              <a:spcBef>
+                <a:spcPts val="1400"/>
+              </a:spcBef>
+              <a:spcAft>
+                <a:spcPts val="0"/>
+              </a:spcAft>
+              <a:buNone/>
+            </a:pPr>
+            <a:r>
+              <a:rPr lang="ko-KR" altLang="en-US" sz="1200" b="1" dirty="0">
+                <a:solidFill>
+                  <a:schemeClr val="dk1"/>
+                </a:solidFill>
+              </a:rPr>
+              <a:t>▣ </a:t>
+            </a:r>
+            <a:r>
+              <a:rPr lang="en-US" altLang="ko-KR" sz="1200" b="1" dirty="0">
+                <a:solidFill>
+                  <a:schemeClr val="dk1"/>
+                </a:solidFill>
+              </a:rPr>
+              <a:t>JSON</a:t>
+            </a:r>
+            <a:r>
+              <a:rPr lang="ko-KR" altLang="en-US" sz="1200" b="1" dirty="0">
+                <a:solidFill>
+                  <a:schemeClr val="dk1"/>
+                </a:solidFill>
+              </a:rPr>
+              <a:t>당 이미지 개수 통계</a:t>
+            </a:r>
+          </a:p>
+          <a:p>
+            <a:pPr marL="457200" lvl="0" indent="-304800" algn="l" rtl="0">
+              <a:lnSpc>
+                <a:spcPct val="115000"/>
+              </a:lnSpc>
+              <a:spcBef>
+                <a:spcPts val="1200"/>
+              </a:spcBef>
+              <a:spcAft>
+                <a:spcPts val="0"/>
+              </a:spcAft>
+              <a:buClr>
+                <a:schemeClr val="dk1"/>
+              </a:buClr>
+              <a:buSzPts val="1200"/>
+              <a:buChar char="●"/>
+            </a:pPr>
+            <a:r>
+              <a:rPr lang="ko-KR" altLang="en-US" sz="1000" b="1" dirty="0">
+                <a:solidFill>
+                  <a:schemeClr val="dk1"/>
+                </a:solidFill>
+              </a:rPr>
+              <a:t>최소</a:t>
+            </a:r>
+            <a:r>
+              <a:rPr lang="en-US" altLang="ko-KR" sz="1000" b="1" dirty="0">
+                <a:solidFill>
+                  <a:schemeClr val="dk1"/>
+                </a:solidFill>
+              </a:rPr>
+              <a:t>:</a:t>
+            </a:r>
+            <a:r>
+              <a:rPr lang="ko-KR" altLang="en-US" sz="1000" dirty="0">
+                <a:solidFill>
+                  <a:schemeClr val="dk1"/>
+                </a:solidFill>
+              </a:rPr>
+              <a:t> </a:t>
+            </a:r>
+            <a:r>
+              <a:rPr lang="en-US" altLang="ko-KR" sz="1000" dirty="0">
+                <a:solidFill>
+                  <a:schemeClr val="dk1"/>
+                </a:solidFill>
+              </a:rPr>
+              <a:t>0</a:t>
+            </a:r>
+            <a:r>
+              <a:rPr lang="ko-KR" altLang="en-US" sz="1000" dirty="0">
+                <a:solidFill>
+                  <a:schemeClr val="dk1"/>
+                </a:solidFill>
+              </a:rPr>
+              <a:t>개</a:t>
+            </a:r>
+          </a:p>
+          <a:p>
+            <a:pPr marL="457200" lvl="0" indent="-304800" algn="l" rtl="0">
+              <a:lnSpc>
+                <a:spcPct val="115000"/>
+              </a:lnSpc>
+              <a:spcBef>
+                <a:spcPts val="0"/>
+              </a:spcBef>
+              <a:spcAft>
+                <a:spcPts val="0"/>
+              </a:spcAft>
+              <a:buClr>
+                <a:schemeClr val="dk1"/>
+              </a:buClr>
+              <a:buSzPts val="1200"/>
+              <a:buChar char="●"/>
+            </a:pPr>
+            <a:r>
+              <a:rPr lang="ko-KR" altLang="en-US" sz="1000" b="1" dirty="0">
+                <a:solidFill>
+                  <a:schemeClr val="dk1"/>
+                </a:solidFill>
+              </a:rPr>
+              <a:t>최대</a:t>
+            </a:r>
+            <a:r>
+              <a:rPr lang="en-US" altLang="ko-KR" sz="1000" b="1" dirty="0">
+                <a:solidFill>
+                  <a:schemeClr val="dk1"/>
+                </a:solidFill>
+              </a:rPr>
+              <a:t>:</a:t>
+            </a:r>
+            <a:r>
+              <a:rPr lang="ko-KR" altLang="en-US" sz="1000" dirty="0">
+                <a:solidFill>
+                  <a:schemeClr val="dk1"/>
+                </a:solidFill>
+              </a:rPr>
+              <a:t> </a:t>
+            </a:r>
+            <a:r>
+              <a:rPr lang="en-US" altLang="ko-KR" sz="1000" dirty="0">
+                <a:solidFill>
+                  <a:schemeClr val="dk1"/>
+                </a:solidFill>
+              </a:rPr>
+              <a:t>1</a:t>
+            </a:r>
+            <a:r>
+              <a:rPr lang="ko-KR" altLang="en-US" sz="1000" dirty="0">
+                <a:solidFill>
+                  <a:schemeClr val="dk1"/>
+                </a:solidFill>
+              </a:rPr>
+              <a:t>개</a:t>
+            </a:r>
+          </a:p>
+          <a:p>
+            <a:pPr marL="457200" lvl="0" indent="-304800" algn="l" rtl="0">
+              <a:lnSpc>
+                <a:spcPct val="115000"/>
+              </a:lnSpc>
+              <a:spcBef>
+                <a:spcPts val="0"/>
+              </a:spcBef>
+              <a:spcAft>
+                <a:spcPts val="0"/>
+              </a:spcAft>
+              <a:buClr>
+                <a:schemeClr val="dk1"/>
+              </a:buClr>
+              <a:buSzPts val="1200"/>
+              <a:buChar char="●"/>
+            </a:pPr>
+            <a:r>
+              <a:rPr lang="ko-KR" altLang="en-US" sz="1000" b="1" dirty="0">
+                <a:solidFill>
+                  <a:schemeClr val="dk1"/>
+                </a:solidFill>
+              </a:rPr>
+              <a:t>평균</a:t>
+            </a:r>
+            <a:r>
+              <a:rPr lang="en-US" altLang="ko-KR" sz="1000" b="1" dirty="0">
+                <a:solidFill>
+                  <a:schemeClr val="dk1"/>
+                </a:solidFill>
+              </a:rPr>
+              <a:t>:</a:t>
+            </a:r>
+            <a:r>
+              <a:rPr lang="ko-KR" altLang="en-US" sz="1000" dirty="0">
+                <a:solidFill>
+                  <a:schemeClr val="dk1"/>
+                </a:solidFill>
+              </a:rPr>
+              <a:t> </a:t>
+            </a:r>
+            <a:r>
+              <a:rPr lang="en-US" altLang="ko-KR" sz="1000" dirty="0">
+                <a:solidFill>
+                  <a:schemeClr val="dk1"/>
+                </a:solidFill>
+              </a:rPr>
+              <a:t>0.76</a:t>
+            </a:r>
+            <a:r>
+              <a:rPr lang="ko-KR" altLang="en-US" sz="1000" dirty="0">
+                <a:solidFill>
+                  <a:schemeClr val="dk1"/>
+                </a:solidFill>
+              </a:rPr>
+              <a:t>개</a:t>
+            </a:r>
+          </a:p>
+          <a:p>
+            <a:pPr marL="0" lvl="0" indent="0" algn="l" rtl="0">
+              <a:lnSpc>
+                <a:spcPct val="115000"/>
+              </a:lnSpc>
+              <a:spcBef>
+                <a:spcPts val="1200"/>
+              </a:spcBef>
+              <a:spcAft>
+                <a:spcPts val="0"/>
+              </a:spcAft>
+              <a:buNone/>
+            </a:pPr>
+            <a:r>
+              <a:rPr lang="ko-KR" altLang="en-US" sz="1200" b="1" dirty="0">
+                <a:solidFill>
+                  <a:schemeClr val="dk1"/>
+                </a:solidFill>
+              </a:rPr>
+              <a:t>▣ 분포 </a:t>
+            </a:r>
+          </a:p>
+          <a:p>
+            <a:pPr marL="457200" lvl="0" indent="-304800" algn="l" rtl="0">
+              <a:lnSpc>
+                <a:spcPct val="115000"/>
+              </a:lnSpc>
+              <a:spcBef>
+                <a:spcPts val="1200"/>
+              </a:spcBef>
+              <a:spcAft>
+                <a:spcPts val="0"/>
+              </a:spcAft>
+              <a:buClr>
+                <a:schemeClr val="dk1"/>
+              </a:buClr>
+              <a:buSzPts val="1200"/>
+              <a:buChar char="●"/>
+            </a:pPr>
+            <a:r>
+              <a:rPr lang="en-US" altLang="ko-KR" sz="1000" b="1" dirty="0">
+                <a:solidFill>
+                  <a:schemeClr val="dk1"/>
+                </a:solidFill>
+              </a:rPr>
+              <a:t>0</a:t>
+            </a:r>
+            <a:r>
+              <a:rPr lang="ko-KR" altLang="en-US" sz="1000" b="1" dirty="0">
+                <a:solidFill>
+                  <a:schemeClr val="dk1"/>
+                </a:solidFill>
+              </a:rPr>
+              <a:t>개</a:t>
+            </a:r>
+            <a:r>
+              <a:rPr lang="en-US" altLang="ko-KR" sz="1000" b="1" dirty="0">
+                <a:solidFill>
+                  <a:schemeClr val="dk1"/>
+                </a:solidFill>
+              </a:rPr>
+              <a:t>:</a:t>
+            </a:r>
+            <a:r>
+              <a:rPr lang="ko-KR" altLang="en-US" sz="1000" dirty="0">
+                <a:solidFill>
+                  <a:schemeClr val="dk1"/>
+                </a:solidFill>
+              </a:rPr>
+              <a:t> </a:t>
+            </a:r>
+            <a:r>
+              <a:rPr lang="en-US" altLang="ko-KR" sz="1000" dirty="0">
+                <a:solidFill>
+                  <a:schemeClr val="dk1"/>
+                </a:solidFill>
+              </a:rPr>
+              <a:t>238</a:t>
+            </a:r>
+            <a:r>
+              <a:rPr lang="ko-KR" altLang="en-US" sz="1000" dirty="0">
+                <a:solidFill>
+                  <a:schemeClr val="dk1"/>
+                </a:solidFill>
+              </a:rPr>
+              <a:t>개 </a:t>
+            </a:r>
+            <a:r>
+              <a:rPr lang="en-US" altLang="ko-KR" sz="1000" dirty="0">
+                <a:solidFill>
+                  <a:schemeClr val="dk1"/>
+                </a:solidFill>
+              </a:rPr>
+              <a:t>(23.8%)</a:t>
+            </a:r>
+            <a:endParaRPr lang="ko-KR" altLang="en-US" sz="1000" dirty="0">
+              <a:solidFill>
+                <a:schemeClr val="dk1"/>
+              </a:solidFill>
+            </a:endParaRPr>
+          </a:p>
+          <a:p>
+            <a:pPr marL="457200" lvl="0" indent="-304800" algn="l" rtl="0">
+              <a:lnSpc>
+                <a:spcPct val="115000"/>
+              </a:lnSpc>
+              <a:spcBef>
+                <a:spcPts val="0"/>
+              </a:spcBef>
+              <a:spcAft>
+                <a:spcPts val="0"/>
+              </a:spcAft>
+              <a:buClr>
+                <a:schemeClr val="dk1"/>
+              </a:buClr>
+              <a:buSzPts val="1200"/>
+              <a:buChar char="●"/>
+            </a:pPr>
+            <a:r>
+              <a:rPr lang="en-US" altLang="ko-KR" sz="1000" b="1" dirty="0">
+                <a:solidFill>
+                  <a:schemeClr val="dk1"/>
+                </a:solidFill>
+              </a:rPr>
+              <a:t>1</a:t>
+            </a:r>
+            <a:r>
+              <a:rPr lang="ko-KR" altLang="en-US" sz="1000" b="1" dirty="0">
+                <a:solidFill>
+                  <a:schemeClr val="dk1"/>
+                </a:solidFill>
+              </a:rPr>
+              <a:t>개</a:t>
+            </a:r>
+            <a:r>
+              <a:rPr lang="en-US" altLang="ko-KR" sz="1000" b="1" dirty="0">
+                <a:solidFill>
+                  <a:schemeClr val="dk1"/>
+                </a:solidFill>
+              </a:rPr>
+              <a:t>:</a:t>
+            </a:r>
+            <a:r>
+              <a:rPr lang="ko-KR" altLang="en-US" sz="1000" dirty="0">
+                <a:solidFill>
+                  <a:schemeClr val="dk1"/>
+                </a:solidFill>
+              </a:rPr>
+              <a:t> </a:t>
+            </a:r>
+            <a:r>
+              <a:rPr lang="en-US" altLang="ko-KR" sz="1000" dirty="0">
+                <a:solidFill>
+                  <a:schemeClr val="dk1"/>
+                </a:solidFill>
+              </a:rPr>
+              <a:t>763</a:t>
+            </a:r>
+            <a:r>
+              <a:rPr lang="ko-KR" altLang="en-US" sz="1000" dirty="0">
+                <a:solidFill>
+                  <a:schemeClr val="dk1"/>
+                </a:solidFill>
+              </a:rPr>
+              <a:t>개 </a:t>
+            </a:r>
+            <a:r>
+              <a:rPr lang="en-US" altLang="ko-KR" sz="1000" dirty="0">
+                <a:solidFill>
+                  <a:schemeClr val="dk1"/>
+                </a:solidFill>
+              </a:rPr>
+              <a:t>(76.2%)</a:t>
+            </a:r>
+            <a:endParaRPr sz="1000" dirty="0">
+              <a:solidFill>
+                <a:schemeClr val="dk2"/>
+              </a:solidFill>
+            </a:endParaRPr>
+          </a:p>
+          <a:p>
+            <a:pPr marL="0" lvl="0" indent="0" algn="l" rtl="0">
+              <a:spcBef>
+                <a:spcPts val="0"/>
+              </a:spcBef>
+              <a:spcAft>
+                <a:spcPts val="0"/>
+              </a:spcAft>
+              <a:buNone/>
+            </a:pPr>
+            <a:endParaRPr sz="1200" dirty="0">
+              <a:solidFill>
+                <a:schemeClr val="dk2"/>
+              </a:solidFill>
+            </a:endParaRPr>
+          </a:p>
+          <a:p>
+            <a:pPr marL="0" lvl="0" indent="0" algn="l" rtl="0">
+              <a:spcBef>
+                <a:spcPts val="0"/>
+              </a:spcBef>
+              <a:spcAft>
+                <a:spcPts val="0"/>
+              </a:spcAft>
+              <a:buNone/>
+            </a:pPr>
+            <a:endParaRPr sz="1200" dirty="0">
+              <a:solidFill>
+                <a:schemeClr val="dk2"/>
+              </a:solidFill>
+            </a:endParaRPr>
+          </a:p>
+          <a:p>
+            <a:pPr marL="0" lvl="0" indent="0" algn="l" rtl="0">
+              <a:spcBef>
+                <a:spcPts val="0"/>
+              </a:spcBef>
+              <a:spcAft>
+                <a:spcPts val="0"/>
+              </a:spcAft>
+              <a:buNone/>
+            </a:pPr>
+            <a:endParaRPr sz="1200" dirty="0">
+              <a:solidFill>
+                <a:schemeClr val="dk2"/>
+              </a:solidFill>
+            </a:endParaRPr>
+          </a:p>
+          <a:p>
+            <a:pPr marL="0" lvl="0" indent="0" algn="l" rtl="0">
+              <a:spcBef>
+                <a:spcPts val="0"/>
+              </a:spcBef>
+              <a:spcAft>
+                <a:spcPts val="0"/>
+              </a:spcAft>
+              <a:buClr>
+                <a:schemeClr val="dk1"/>
+              </a:buClr>
+              <a:buSzPts val="1100"/>
+              <a:buFont typeface="Arial"/>
+              <a:buNone/>
+            </a:pPr>
+            <a:endParaRPr sz="1200" dirty="0">
+              <a:solidFill>
+                <a:schemeClr val="dk2"/>
+              </a:solidFill>
+            </a:endParaRPr>
+          </a:p>
+          <a:p>
+            <a:pPr marL="0" lvl="0" indent="0" algn="l" rtl="0">
+              <a:spcBef>
+                <a:spcPts val="0"/>
+              </a:spcBef>
+              <a:spcAft>
+                <a:spcPts val="0"/>
+              </a:spcAft>
+              <a:buClr>
+                <a:schemeClr val="dk1"/>
+              </a:buClr>
+              <a:buSzPts val="1100"/>
+              <a:buFont typeface="Arial"/>
+              <a:buNone/>
+            </a:pPr>
+            <a:endParaRPr sz="1200" dirty="0">
+              <a:solidFill>
+                <a:schemeClr val="dk2"/>
+              </a:solidFill>
+            </a:endParaRPr>
+          </a:p>
+          <a:p>
+            <a:pPr marL="0" lvl="0" indent="0" algn="l" rtl="0">
+              <a:spcBef>
+                <a:spcPts val="0"/>
+              </a:spcBef>
+              <a:spcAft>
+                <a:spcPts val="0"/>
+              </a:spcAft>
+              <a:buNone/>
+            </a:pPr>
+            <a:endParaRPr sz="1800" dirty="0">
+              <a:solidFill>
+                <a:schemeClr val="dk2"/>
+              </a:solidFill>
+            </a:endParaRPr>
+          </a:p>
+        </p:txBody>
+      </p:sp>
+      <p:sp>
+        <p:nvSpPr>
+          <p:cNvPr id="8" name="Google Shape;66;p15">
+            <a:extLst>
+              <a:ext uri="{FF2B5EF4-FFF2-40B4-BE49-F238E27FC236}">
+                <a16:creationId xmlns:a16="http://schemas.microsoft.com/office/drawing/2014/main" id="{069C6AB7-C181-471B-990E-53BA60EB3D9A}"/>
+              </a:ext>
+            </a:extLst>
+          </p:cNvPr>
+          <p:cNvSpPr txBox="1"/>
+          <p:nvPr/>
+        </p:nvSpPr>
+        <p:spPr>
+          <a:xfrm>
+            <a:off x="3304677" y="1251237"/>
+            <a:ext cx="6995594" cy="5056451"/>
+          </a:xfrm>
+          <a:prstGeom prst="rect">
+            <a:avLst/>
+          </a:prstGeom>
+          <a:noFill/>
+          <a:ln>
+            <a:noFill/>
+          </a:ln>
+        </p:spPr>
+        <p:txBody>
+          <a:bodyPr spcFirstLastPara="1" wrap="square" lIns="91425" tIns="91425" rIns="91425" bIns="91425" anchor="t" anchorCtr="0">
+            <a:noAutofit/>
+          </a:bodyPr>
+          <a:lstStyle/>
+          <a:p>
+            <a:pPr marL="0" lvl="0" indent="0" algn="l" rtl="0">
+              <a:spcBef>
+                <a:spcPts val="0"/>
+              </a:spcBef>
+              <a:spcAft>
+                <a:spcPts val="0"/>
+              </a:spcAft>
+              <a:buClr>
+                <a:schemeClr val="dk1"/>
+              </a:buClr>
+              <a:buSzPts val="1100"/>
+              <a:buFont typeface="Arial"/>
+              <a:buNone/>
+            </a:pPr>
+            <a:r>
+              <a:rPr lang="ko" sz="1300" b="1" dirty="0">
+                <a:solidFill>
+                  <a:schemeClr val="dk1"/>
+                </a:solidFill>
+              </a:rPr>
+              <a:t>▣ </a:t>
+            </a:r>
+            <a:r>
+              <a:rPr lang="ko" sz="1200" b="1" dirty="0">
+                <a:solidFill>
+                  <a:schemeClr val="dk2"/>
+                </a:solidFill>
+              </a:rPr>
+              <a:t>각 상태별 이미지/어노테이션 숫자</a:t>
+            </a:r>
+            <a:endParaRPr sz="1200" b="1" dirty="0">
+              <a:solidFill>
+                <a:schemeClr val="dk2"/>
+              </a:solidFill>
+            </a:endParaRPr>
+          </a:p>
+          <a:p>
+            <a:pPr marL="0" lvl="0" indent="0" algn="l" rtl="0">
+              <a:spcBef>
+                <a:spcPts val="0"/>
+              </a:spcBef>
+              <a:spcAft>
+                <a:spcPts val="0"/>
+              </a:spcAft>
+              <a:buClr>
+                <a:schemeClr val="dk1"/>
+              </a:buClr>
+              <a:buSzPts val="1100"/>
+              <a:buFont typeface="Arial"/>
+              <a:buNone/>
+            </a:pPr>
+            <a:r>
+              <a:rPr lang="ko" sz="1100" b="1" dirty="0">
+                <a:solidFill>
+                  <a:schemeClr val="dk2"/>
+                </a:solidFill>
+              </a:rPr>
+              <a:t>▪ 이미지(O)/어노테이션(O)</a:t>
+            </a:r>
+            <a:endParaRPr sz="1100" b="1" dirty="0">
+              <a:solidFill>
+                <a:schemeClr val="dk2"/>
+              </a:solidFill>
+            </a:endParaRPr>
+          </a:p>
+          <a:p>
+            <a:pPr marL="0" lvl="0" indent="0" algn="l" rtl="0">
+              <a:spcBef>
+                <a:spcPts val="0"/>
+              </a:spcBef>
+              <a:spcAft>
+                <a:spcPts val="0"/>
+              </a:spcAft>
+              <a:buClr>
+                <a:schemeClr val="dk1"/>
+              </a:buClr>
+              <a:buSzPts val="1100"/>
+              <a:buFont typeface="Arial"/>
+              <a:buNone/>
+            </a:pPr>
+            <a:r>
+              <a:rPr lang="ko" sz="1100" dirty="0">
+                <a:solidFill>
+                  <a:schemeClr val="dk2"/>
+                </a:solidFill>
+              </a:rPr>
+              <a:t>image : 232</a:t>
+            </a:r>
+            <a:endParaRPr sz="1100" dirty="0">
+              <a:solidFill>
+                <a:schemeClr val="dk2"/>
+              </a:solidFill>
+            </a:endParaRPr>
+          </a:p>
+          <a:p>
+            <a:pPr marL="0" lvl="0" indent="0" algn="l" rtl="0">
+              <a:spcBef>
+                <a:spcPts val="0"/>
+              </a:spcBef>
+              <a:spcAft>
+                <a:spcPts val="0"/>
+              </a:spcAft>
+              <a:buNone/>
+            </a:pPr>
+            <a:r>
+              <a:rPr lang="ko" sz="1100" dirty="0">
+                <a:solidFill>
+                  <a:schemeClr val="dk2"/>
+                </a:solidFill>
+              </a:rPr>
+              <a:t>anno : 763</a:t>
+            </a:r>
+            <a:endParaRPr sz="1100" dirty="0">
+              <a:solidFill>
+                <a:schemeClr val="dk2"/>
+              </a:solidFill>
+            </a:endParaRPr>
+          </a:p>
+          <a:p>
+            <a:pPr marL="0" lvl="0" indent="0" algn="l" rtl="0">
+              <a:spcBef>
+                <a:spcPts val="0"/>
+              </a:spcBef>
+              <a:spcAft>
+                <a:spcPts val="0"/>
+              </a:spcAft>
+              <a:buNone/>
+            </a:pPr>
+            <a:endParaRPr sz="1100" dirty="0">
+              <a:solidFill>
+                <a:schemeClr val="dk2"/>
+              </a:solidFill>
+            </a:endParaRPr>
+          </a:p>
+          <a:p>
+            <a:pPr marL="0" lvl="0" indent="0" algn="l" rtl="0">
+              <a:spcBef>
+                <a:spcPts val="0"/>
+              </a:spcBef>
+              <a:spcAft>
+                <a:spcPts val="0"/>
+              </a:spcAft>
+              <a:buNone/>
+            </a:pPr>
+            <a:r>
+              <a:rPr lang="ko" sz="1100" b="1" dirty="0">
+                <a:solidFill>
+                  <a:schemeClr val="dk2"/>
+                </a:solidFill>
+              </a:rPr>
+              <a:t>▪ 이미지(X)/어노테이션(O)</a:t>
+            </a:r>
+            <a:endParaRPr sz="1100" b="1" dirty="0">
+              <a:solidFill>
+                <a:schemeClr val="dk2"/>
+              </a:solidFill>
+            </a:endParaRPr>
+          </a:p>
+          <a:p>
+            <a:pPr marL="0" lvl="0" indent="0" algn="l" rtl="0">
+              <a:spcBef>
+                <a:spcPts val="0"/>
+              </a:spcBef>
+              <a:spcAft>
+                <a:spcPts val="0"/>
+              </a:spcAft>
+              <a:buNone/>
+            </a:pPr>
+            <a:r>
+              <a:rPr lang="ko" sz="1100" dirty="0">
+                <a:solidFill>
+                  <a:schemeClr val="dk2"/>
+                </a:solidFill>
+              </a:rPr>
+              <a:t>image : 137</a:t>
+            </a:r>
+            <a:endParaRPr sz="1100" dirty="0">
+              <a:solidFill>
+                <a:schemeClr val="dk2"/>
+              </a:solidFill>
+            </a:endParaRPr>
+          </a:p>
+          <a:p>
+            <a:pPr marL="0" lvl="0" indent="0" algn="l" rtl="0">
+              <a:spcBef>
+                <a:spcPts val="0"/>
+              </a:spcBef>
+              <a:spcAft>
+                <a:spcPts val="0"/>
+              </a:spcAft>
+              <a:buNone/>
+            </a:pPr>
+            <a:r>
+              <a:rPr lang="ko" sz="1100" dirty="0">
+                <a:solidFill>
+                  <a:schemeClr val="dk2"/>
+                </a:solidFill>
+              </a:rPr>
+              <a:t>anno : 365</a:t>
+            </a:r>
+            <a:endParaRPr sz="1100" dirty="0">
+              <a:solidFill>
+                <a:schemeClr val="dk2"/>
+              </a:solidFill>
+            </a:endParaRPr>
+          </a:p>
+          <a:p>
+            <a:pPr marL="0" lvl="0" indent="0" algn="l" rtl="0">
+              <a:spcBef>
+                <a:spcPts val="0"/>
+              </a:spcBef>
+              <a:spcAft>
+                <a:spcPts val="0"/>
+              </a:spcAft>
+              <a:buNone/>
+            </a:pPr>
+            <a:endParaRPr sz="1100" dirty="0">
+              <a:solidFill>
+                <a:schemeClr val="dk2"/>
+              </a:solidFill>
+            </a:endParaRPr>
+          </a:p>
+          <a:p>
+            <a:pPr marL="0" lvl="0" indent="0" algn="l" rtl="0">
+              <a:spcBef>
+                <a:spcPts val="0"/>
+              </a:spcBef>
+              <a:spcAft>
+                <a:spcPts val="0"/>
+              </a:spcAft>
+              <a:buNone/>
+            </a:pPr>
+            <a:r>
+              <a:rPr lang="ko" sz="1100" b="1" dirty="0">
+                <a:solidFill>
+                  <a:schemeClr val="dk2"/>
+                </a:solidFill>
+              </a:rPr>
+              <a:t>▪ 이미지(O)/어노테이션(X)</a:t>
+            </a:r>
+            <a:endParaRPr sz="1100" b="1" dirty="0">
+              <a:solidFill>
+                <a:schemeClr val="dk2"/>
+              </a:solidFill>
+            </a:endParaRPr>
+          </a:p>
+          <a:p>
+            <a:pPr marL="0" lvl="0" indent="0" algn="l" rtl="0">
+              <a:spcBef>
+                <a:spcPts val="0"/>
+              </a:spcBef>
+              <a:spcAft>
+                <a:spcPts val="0"/>
+              </a:spcAft>
+              <a:buNone/>
+            </a:pPr>
+            <a:r>
+              <a:rPr lang="ko" sz="1100" dirty="0">
+                <a:solidFill>
+                  <a:schemeClr val="dk2"/>
+                </a:solidFill>
+              </a:rPr>
+              <a:t>image : 419</a:t>
+            </a:r>
+            <a:endParaRPr sz="1100" dirty="0">
+              <a:solidFill>
+                <a:schemeClr val="dk2"/>
+              </a:solidFill>
+            </a:endParaRPr>
+          </a:p>
+          <a:p>
+            <a:pPr marL="0" lvl="0" indent="0" algn="l" rtl="0">
+              <a:spcBef>
+                <a:spcPts val="0"/>
+              </a:spcBef>
+              <a:spcAft>
+                <a:spcPts val="0"/>
+              </a:spcAft>
+              <a:buNone/>
+            </a:pPr>
+            <a:r>
+              <a:rPr lang="ko" sz="1100" dirty="0">
+                <a:solidFill>
+                  <a:schemeClr val="dk2"/>
+                </a:solidFill>
+              </a:rPr>
+              <a:t>anno : 1676</a:t>
+            </a:r>
+            <a:endParaRPr sz="1100" dirty="0">
+              <a:solidFill>
+                <a:schemeClr val="dk2"/>
+              </a:solidFill>
+            </a:endParaRPr>
+          </a:p>
+          <a:p>
+            <a:pPr marL="0" lvl="0" indent="0" algn="l" rtl="0">
+              <a:spcBef>
+                <a:spcPts val="0"/>
+              </a:spcBef>
+              <a:spcAft>
+                <a:spcPts val="0"/>
+              </a:spcAft>
+              <a:buNone/>
+            </a:pPr>
+            <a:endParaRPr sz="1100" dirty="0">
+              <a:solidFill>
+                <a:schemeClr val="dk2"/>
+              </a:solidFill>
+            </a:endParaRPr>
+          </a:p>
+          <a:p>
+            <a:pPr marL="0" lvl="0" indent="0" algn="l" rtl="0">
+              <a:spcBef>
+                <a:spcPts val="0"/>
+              </a:spcBef>
+              <a:spcAft>
+                <a:spcPts val="0"/>
+              </a:spcAft>
+              <a:buClr>
+                <a:schemeClr val="dk1"/>
+              </a:buClr>
+              <a:buSzPts val="1100"/>
+              <a:buFont typeface="Arial"/>
+              <a:buNone/>
+            </a:pPr>
+            <a:r>
+              <a:rPr lang="ko" sz="1100" b="1" dirty="0">
+                <a:solidFill>
+                  <a:schemeClr val="dk1"/>
+                </a:solidFill>
+              </a:rPr>
+              <a:t>▣ </a:t>
+            </a:r>
+            <a:r>
+              <a:rPr lang="ko" sz="1100" b="1" dirty="0">
+                <a:solidFill>
+                  <a:schemeClr val="dk2"/>
+                </a:solidFill>
+              </a:rPr>
+              <a:t>예외 분석</a:t>
+            </a:r>
+            <a:endParaRPr sz="1100" b="1" dirty="0">
+              <a:solidFill>
+                <a:schemeClr val="dk2"/>
+              </a:solidFill>
+            </a:endParaRPr>
+          </a:p>
+          <a:p>
+            <a:pPr marL="0" lvl="0" indent="0" algn="l" rtl="0">
+              <a:spcBef>
+                <a:spcPts val="0"/>
+              </a:spcBef>
+              <a:spcAft>
+                <a:spcPts val="0"/>
+              </a:spcAft>
+              <a:buNone/>
+            </a:pPr>
+            <a:r>
+              <a:rPr lang="ko" sz="1100" b="1" dirty="0">
+                <a:solidFill>
+                  <a:schemeClr val="dk2"/>
+                </a:solidFill>
+              </a:rPr>
+              <a:t>▪ category_id가 1인 (dl_idx 와 category_id가 다른 경우)</a:t>
+            </a:r>
+            <a:endParaRPr sz="1100" b="1" dirty="0">
+              <a:solidFill>
+                <a:schemeClr val="dk2"/>
+              </a:solidFill>
+            </a:endParaRPr>
+          </a:p>
+          <a:p>
+            <a:pPr marL="0" lvl="0" indent="0" algn="l" rtl="0">
+              <a:spcBef>
+                <a:spcPts val="0"/>
+              </a:spcBef>
+              <a:spcAft>
+                <a:spcPts val="0"/>
+              </a:spcAft>
+              <a:buNone/>
+            </a:pPr>
+            <a:r>
+              <a:rPr lang="en-US" altLang="ko" sz="1100" dirty="0">
+                <a:solidFill>
+                  <a:schemeClr val="dk2"/>
+                </a:solidFill>
+              </a:rPr>
+              <a:t>1950</a:t>
+            </a:r>
+            <a:r>
+              <a:rPr lang="ko" sz="1100" dirty="0">
+                <a:solidFill>
+                  <a:schemeClr val="dk2"/>
+                </a:solidFill>
+              </a:rPr>
+              <a:t> 개</a:t>
+            </a:r>
+            <a:endParaRPr sz="1100" dirty="0">
+              <a:solidFill>
+                <a:schemeClr val="dk2"/>
+              </a:solidFill>
+            </a:endParaRPr>
+          </a:p>
+          <a:p>
+            <a:pPr marL="0" lvl="0" indent="0" algn="l" rtl="0">
+              <a:spcBef>
+                <a:spcPts val="0"/>
+              </a:spcBef>
+              <a:spcAft>
+                <a:spcPts val="0"/>
+              </a:spcAft>
+              <a:buNone/>
+            </a:pPr>
+            <a:endParaRPr sz="1100" dirty="0">
+              <a:solidFill>
+                <a:schemeClr val="dk2"/>
+              </a:solidFill>
+            </a:endParaRPr>
+          </a:p>
+          <a:p>
+            <a:pPr marL="0" lvl="0" indent="0" algn="l" rtl="0">
+              <a:spcBef>
+                <a:spcPts val="0"/>
+              </a:spcBef>
+              <a:spcAft>
+                <a:spcPts val="0"/>
+              </a:spcAft>
+              <a:buNone/>
+            </a:pPr>
+            <a:r>
+              <a:rPr lang="ko" sz="1100" b="1" dirty="0">
+                <a:solidFill>
+                  <a:schemeClr val="dk2"/>
+                </a:solidFill>
+              </a:rPr>
+              <a:t>▪ 같은 image에서 bbox의 좌표가 같은 경우.</a:t>
+            </a:r>
+            <a:endParaRPr sz="1100" b="1" dirty="0">
+              <a:solidFill>
+                <a:schemeClr val="dk2"/>
+              </a:solidFill>
+            </a:endParaRPr>
+          </a:p>
+          <a:p>
+            <a:pPr marL="0" lvl="0" indent="0" algn="l" rtl="0">
+              <a:spcBef>
+                <a:spcPts val="0"/>
+              </a:spcBef>
+              <a:spcAft>
+                <a:spcPts val="0"/>
+              </a:spcAft>
+              <a:buNone/>
+            </a:pPr>
+            <a:r>
+              <a:rPr lang="en-US" altLang="ko" sz="1100" dirty="0">
+                <a:solidFill>
+                  <a:schemeClr val="dk2"/>
+                </a:solidFill>
+              </a:rPr>
+              <a:t>137</a:t>
+            </a:r>
+            <a:r>
+              <a:rPr lang="ko" sz="1100" dirty="0">
+                <a:solidFill>
+                  <a:schemeClr val="dk2"/>
+                </a:solidFill>
+              </a:rPr>
+              <a:t>개</a:t>
+            </a:r>
+            <a:endParaRPr sz="1100" dirty="0">
+              <a:solidFill>
+                <a:schemeClr val="dk2"/>
+              </a:solidFill>
+            </a:endParaRPr>
+          </a:p>
+          <a:p>
+            <a:pPr marL="0" lvl="0" indent="0" algn="l" rtl="0">
+              <a:spcBef>
+                <a:spcPts val="0"/>
+              </a:spcBef>
+              <a:spcAft>
+                <a:spcPts val="0"/>
+              </a:spcAft>
+              <a:buNone/>
+            </a:pPr>
+            <a:endParaRPr sz="1100" dirty="0">
+              <a:solidFill>
+                <a:schemeClr val="dk2"/>
+              </a:solidFill>
+            </a:endParaRPr>
+          </a:p>
+          <a:p>
+            <a:pPr marL="0" lvl="0" indent="0" algn="l" rtl="0">
+              <a:spcBef>
+                <a:spcPts val="0"/>
+              </a:spcBef>
+              <a:spcAft>
+                <a:spcPts val="0"/>
+              </a:spcAft>
+              <a:buNone/>
+            </a:pPr>
+            <a:r>
+              <a:rPr lang="ko" sz="1100" b="1" dirty="0">
+                <a:solidFill>
+                  <a:schemeClr val="dk2"/>
+                </a:solidFill>
+              </a:rPr>
+              <a:t>▪ box 좌표가 잘못된 경우</a:t>
+            </a:r>
+            <a:endParaRPr sz="1100" b="1" dirty="0">
+              <a:solidFill>
+                <a:schemeClr val="dk2"/>
+              </a:solidFill>
+            </a:endParaRPr>
+          </a:p>
+          <a:p>
+            <a:pPr marL="0" lvl="0" indent="0" algn="l" rtl="0">
+              <a:spcBef>
+                <a:spcPts val="0"/>
+              </a:spcBef>
+              <a:spcAft>
+                <a:spcPts val="0"/>
+              </a:spcAft>
+              <a:buNone/>
+            </a:pPr>
+            <a:r>
+              <a:rPr lang="en-US" altLang="ko" sz="1100" dirty="0">
+                <a:solidFill>
+                  <a:schemeClr val="dk2"/>
+                </a:solidFill>
+              </a:rPr>
+              <a:t>6</a:t>
+            </a:r>
+            <a:r>
+              <a:rPr lang="ko" sz="1100" dirty="0">
+                <a:solidFill>
+                  <a:schemeClr val="dk2"/>
+                </a:solidFill>
+              </a:rPr>
+              <a:t> 개 </a:t>
+            </a:r>
+            <a:endParaRPr lang="en-US" altLang="ko" sz="1100" dirty="0">
+              <a:solidFill>
+                <a:schemeClr val="dk2"/>
+              </a:solidFill>
+            </a:endParaRPr>
+          </a:p>
+          <a:p>
+            <a:pPr marL="0" lvl="0" indent="0" algn="l" rtl="0">
+              <a:spcBef>
+                <a:spcPts val="0"/>
+              </a:spcBef>
+              <a:spcAft>
+                <a:spcPts val="0"/>
+              </a:spcAft>
+              <a:buNone/>
+            </a:pPr>
+            <a:r>
+              <a:rPr lang="en-US" sz="1100" dirty="0">
+                <a:solidFill>
+                  <a:schemeClr val="dk2"/>
+                </a:solidFill>
+              </a:rPr>
+              <a:t>K-003351-003832-020238_0_2_0_2_70_000_200.json, </a:t>
+            </a:r>
+            <a:r>
+              <a:rPr lang="en-US" sz="1100" dirty="0" err="1">
+                <a:solidFill>
+                  <a:schemeClr val="dk2"/>
+                </a:solidFill>
+              </a:rPr>
+              <a:t>BBox</a:t>
+            </a:r>
+            <a:r>
+              <a:rPr lang="en-US" sz="1100" dirty="0">
+                <a:solidFill>
+                  <a:schemeClr val="dk2"/>
+                </a:solidFill>
+              </a:rPr>
+              <a:t>: []</a:t>
+            </a:r>
+          </a:p>
+          <a:p>
+            <a:pPr marL="0" lvl="0" indent="0" algn="l" rtl="0">
+              <a:spcBef>
+                <a:spcPts val="0"/>
+              </a:spcBef>
+              <a:spcAft>
+                <a:spcPts val="0"/>
+              </a:spcAft>
+              <a:buNone/>
+            </a:pPr>
+            <a:r>
+              <a:rPr lang="en-US" sz="1100" dirty="0">
+                <a:solidFill>
+                  <a:schemeClr val="dk2"/>
+                </a:solidFill>
+              </a:rPr>
+              <a:t>K-003351-013900-020238_0_2_0_2_70_000_200.json, </a:t>
+            </a:r>
+            <a:r>
+              <a:rPr lang="en-US" sz="1100" dirty="0" err="1">
+                <a:solidFill>
+                  <a:schemeClr val="dk2"/>
+                </a:solidFill>
+              </a:rPr>
+              <a:t>BBox</a:t>
+            </a:r>
+            <a:r>
+              <a:rPr lang="en-US" sz="1100" dirty="0">
+                <a:solidFill>
+                  <a:schemeClr val="dk2"/>
+                </a:solidFill>
+              </a:rPr>
+              <a:t>: []</a:t>
+            </a:r>
+          </a:p>
+          <a:p>
+            <a:pPr marL="0" lvl="0" indent="0" algn="l" rtl="0">
+              <a:spcBef>
+                <a:spcPts val="0"/>
+              </a:spcBef>
+              <a:spcAft>
+                <a:spcPts val="0"/>
+              </a:spcAft>
+              <a:buNone/>
+            </a:pPr>
+            <a:r>
+              <a:rPr lang="en-US" sz="1100" dirty="0">
+                <a:solidFill>
+                  <a:schemeClr val="dk2"/>
+                </a:solidFill>
+              </a:rPr>
+              <a:t>K-003351-016688-018357_0_2_0_2_90_000_200.json, </a:t>
+            </a:r>
+            <a:r>
+              <a:rPr lang="en-US" sz="1100" dirty="0" err="1">
+                <a:solidFill>
+                  <a:schemeClr val="dk2"/>
+                </a:solidFill>
+              </a:rPr>
+              <a:t>BBox</a:t>
+            </a:r>
+            <a:r>
+              <a:rPr lang="en-US" sz="1100" dirty="0">
+                <a:solidFill>
+                  <a:schemeClr val="dk2"/>
+                </a:solidFill>
+              </a:rPr>
+              <a:t>: [70, 438, 584]</a:t>
+            </a:r>
+          </a:p>
+          <a:p>
+            <a:pPr marL="0" lvl="0" indent="0" algn="l" rtl="0">
+              <a:spcBef>
+                <a:spcPts val="0"/>
+              </a:spcBef>
+              <a:spcAft>
+                <a:spcPts val="0"/>
+              </a:spcAft>
+              <a:buNone/>
+            </a:pPr>
+            <a:r>
+              <a:rPr lang="en-US" sz="1100" dirty="0">
+                <a:solidFill>
+                  <a:schemeClr val="dk2"/>
+                </a:solidFill>
+              </a:rPr>
+              <a:t>K-003351-031863-036637_0_2_0_2_90_000_200.json, </a:t>
+            </a:r>
+            <a:r>
+              <a:rPr lang="en-US" sz="1100" dirty="0" err="1">
+                <a:solidFill>
+                  <a:schemeClr val="dk2"/>
+                </a:solidFill>
+              </a:rPr>
+              <a:t>BBox</a:t>
+            </a:r>
+            <a:r>
+              <a:rPr lang="en-US" sz="1100" dirty="0">
+                <a:solidFill>
+                  <a:schemeClr val="dk2"/>
+                </a:solidFill>
+              </a:rPr>
+              <a:t>: []</a:t>
+            </a:r>
+          </a:p>
+          <a:p>
+            <a:pPr marL="0" lvl="0" indent="0" algn="l" rtl="0">
+              <a:spcBef>
+                <a:spcPts val="0"/>
+              </a:spcBef>
+              <a:spcAft>
+                <a:spcPts val="0"/>
+              </a:spcAft>
+              <a:buNone/>
+            </a:pPr>
+            <a:r>
+              <a:rPr lang="en-US" sz="1100" dirty="0">
+                <a:solidFill>
+                  <a:schemeClr val="dk2"/>
+                </a:solidFill>
+              </a:rPr>
+              <a:t>K-003351-031863-038162_0_2_0_2_90_000_200.json, </a:t>
+            </a:r>
+            <a:r>
+              <a:rPr lang="en-US" sz="1100" dirty="0" err="1">
+                <a:solidFill>
+                  <a:schemeClr val="dk2"/>
+                </a:solidFill>
+              </a:rPr>
+              <a:t>BBox</a:t>
+            </a:r>
+            <a:r>
+              <a:rPr lang="en-US" sz="1100" dirty="0">
+                <a:solidFill>
+                  <a:schemeClr val="dk2"/>
+                </a:solidFill>
+              </a:rPr>
+              <a:t>: [428, 199, 295]</a:t>
+            </a:r>
+          </a:p>
+          <a:p>
+            <a:pPr marL="0" lvl="0" indent="0" algn="l" rtl="0">
+              <a:spcBef>
+                <a:spcPts val="0"/>
+              </a:spcBef>
+              <a:spcAft>
+                <a:spcPts val="0"/>
+              </a:spcAft>
+              <a:buNone/>
+            </a:pPr>
+            <a:r>
+              <a:rPr lang="en-US" sz="1100" dirty="0">
+                <a:solidFill>
+                  <a:schemeClr val="dk2"/>
+                </a:solidFill>
+              </a:rPr>
+              <a:t>K-003544-006563-016548-033878_0_2_0_2_75_000_200.json, </a:t>
+            </a:r>
+            <a:r>
+              <a:rPr lang="en-US" sz="1100" dirty="0" err="1">
+                <a:solidFill>
+                  <a:schemeClr val="dk2"/>
+                </a:solidFill>
+              </a:rPr>
+              <a:t>BBox</a:t>
+            </a:r>
+            <a:r>
+              <a:rPr lang="en-US" sz="1100" dirty="0">
+                <a:solidFill>
+                  <a:schemeClr val="dk2"/>
+                </a:solidFill>
+              </a:rPr>
+              <a:t>: [133.183, 202, 200]</a:t>
+            </a:r>
+            <a:endParaRPr sz="1100" dirty="0">
+              <a:solidFill>
+                <a:schemeClr val="dk2"/>
+              </a:solidFill>
+            </a:endParaRPr>
+          </a:p>
+          <a:p>
+            <a:pPr marL="0" lvl="0" indent="0" algn="l" rtl="0">
+              <a:spcBef>
+                <a:spcPts val="0"/>
+              </a:spcBef>
+              <a:spcAft>
+                <a:spcPts val="0"/>
+              </a:spcAft>
+              <a:buNone/>
+            </a:pPr>
+            <a:endParaRPr sz="1200" dirty="0">
+              <a:solidFill>
+                <a:schemeClr val="dk2"/>
+              </a:solidFill>
+            </a:endParaRPr>
+          </a:p>
+          <a:p>
+            <a:pPr marL="0" lvl="0" indent="0" algn="l" rtl="0">
+              <a:spcBef>
+                <a:spcPts val="0"/>
+              </a:spcBef>
+              <a:spcAft>
+                <a:spcPts val="0"/>
+              </a:spcAft>
+              <a:buNone/>
+            </a:pPr>
+            <a:endParaRPr sz="1200" dirty="0">
+              <a:solidFill>
+                <a:schemeClr val="dk2"/>
+              </a:solidFill>
+            </a:endParaRPr>
+          </a:p>
+          <a:p>
+            <a:pPr marL="0" lvl="0" indent="0" algn="l" rtl="0">
+              <a:spcBef>
+                <a:spcPts val="0"/>
+              </a:spcBef>
+              <a:spcAft>
+                <a:spcPts val="0"/>
+              </a:spcAft>
+              <a:buNone/>
+            </a:pPr>
+            <a:endParaRPr sz="1200" dirty="0">
+              <a:solidFill>
+                <a:schemeClr val="dk2"/>
+              </a:solidFill>
+            </a:endParaRPr>
+          </a:p>
+          <a:p>
+            <a:pPr marL="0" lvl="0" indent="0" algn="l" rtl="0">
+              <a:spcBef>
+                <a:spcPts val="0"/>
+              </a:spcBef>
+              <a:spcAft>
+                <a:spcPts val="0"/>
+              </a:spcAft>
+              <a:buNone/>
+            </a:pPr>
+            <a:endParaRPr sz="1200" dirty="0">
+              <a:solidFill>
+                <a:schemeClr val="dk2"/>
+              </a:solidFill>
+            </a:endParaRPr>
+          </a:p>
+          <a:p>
+            <a:pPr marL="0" lvl="0" indent="0" algn="l" rtl="0">
+              <a:spcBef>
+                <a:spcPts val="0"/>
+              </a:spcBef>
+              <a:spcAft>
+                <a:spcPts val="0"/>
+              </a:spcAft>
+              <a:buClr>
+                <a:schemeClr val="dk1"/>
+              </a:buClr>
+              <a:buSzPts val="1100"/>
+              <a:buFont typeface="Arial"/>
+              <a:buNone/>
+            </a:pPr>
+            <a:endParaRPr sz="1200" dirty="0">
+              <a:solidFill>
+                <a:schemeClr val="dk2"/>
+              </a:solidFill>
+            </a:endParaRPr>
+          </a:p>
+          <a:p>
+            <a:pPr marL="0" lvl="0" indent="0" algn="l" rtl="0">
+              <a:spcBef>
+                <a:spcPts val="0"/>
+              </a:spcBef>
+              <a:spcAft>
+                <a:spcPts val="0"/>
+              </a:spcAft>
+              <a:buClr>
+                <a:schemeClr val="dk1"/>
+              </a:buClr>
+              <a:buSzPts val="1100"/>
+              <a:buFont typeface="Arial"/>
+              <a:buNone/>
+            </a:pPr>
+            <a:endParaRPr sz="1200" dirty="0">
+              <a:solidFill>
+                <a:schemeClr val="dk2"/>
+              </a:solidFill>
+            </a:endParaRPr>
+          </a:p>
+          <a:p>
+            <a:pPr marL="0" lvl="0" indent="0" algn="l" rtl="0">
+              <a:spcBef>
+                <a:spcPts val="0"/>
+              </a:spcBef>
+              <a:spcAft>
+                <a:spcPts val="0"/>
+              </a:spcAft>
+              <a:buNone/>
+            </a:pPr>
+            <a:endParaRPr sz="1800" dirty="0">
+              <a:solidFill>
+                <a:schemeClr val="dk2"/>
+              </a:solidFill>
+            </a:endParaRPr>
           </a:p>
         </p:txBody>
       </p:sp>
     </p:spTree>
     <p:extLst>
       <p:ext uri="{BB962C8B-B14F-4D97-AF65-F5344CB8AC3E}">
-        <p14:creationId xmlns:p14="http://schemas.microsoft.com/office/powerpoint/2010/main" val="3684467266"/>
+        <p14:creationId xmlns:p14="http://schemas.microsoft.com/office/powerpoint/2010/main" val="2790868502"/>
       </p:ext>
     </p:extLst>
   </p:cSld>

--- a/files/eda_study.pptx
+++ b/files/eda_study.pptx
@@ -4557,8 +4557,8 @@
         </p:nvSpPr>
         <p:spPr>
           <a:xfrm>
-            <a:off x="806019" y="1116319"/>
-            <a:ext cx="2685300" cy="5551177"/>
+            <a:off x="733830" y="1116320"/>
+            <a:ext cx="2685300" cy="4578628"/>
           </a:xfrm>
           <a:prstGeom prst="rect">
             <a:avLst/>
@@ -5488,7 +5488,7 @@
         <p:spPr>
           <a:xfrm>
             <a:off x="3304677" y="1251237"/>
-            <a:ext cx="6995594" cy="5056451"/>
+            <a:ext cx="8357934" cy="5416257"/>
           </a:xfrm>
           <a:prstGeom prst="rect">
             <a:avLst/>
@@ -5702,9 +5702,113 @@
                   <a:schemeClr val="dk2"/>
                 </a:solidFill>
               </a:rPr>
-              <a:t>anno : 365</a:t>
-            </a:r>
-            <a:endParaRPr sz="1100" dirty="0">
+              <a:t>anno : 36</a:t>
+            </a:r>
+            <a:r>
+              <a:rPr lang="en-US" altLang="ko" sz="1100" dirty="0">
+                <a:solidFill>
+                  <a:schemeClr val="dk2"/>
+                </a:solidFill>
+              </a:rPr>
+              <a:t>5</a:t>
+            </a:r>
+          </a:p>
+          <a:p>
+            <a:pPr marL="171450" lvl="0" indent="-171450" algn="l" rtl="0">
+              <a:spcBef>
+                <a:spcPts val="0"/>
+              </a:spcBef>
+              <a:spcAft>
+                <a:spcPts val="0"/>
+              </a:spcAft>
+              <a:buFont typeface="Wingdings" panose="05000000000000000000" pitchFamily="2" charset="2"/>
+              <a:buChar char="à"/>
+            </a:pPr>
+            <a:r>
+              <a:rPr lang="en-US" altLang="ko" sz="1100" dirty="0">
+                <a:solidFill>
+                  <a:schemeClr val="dk2"/>
+                </a:solidFill>
+                <a:sym typeface="Wingdings" panose="05000000000000000000" pitchFamily="2" charset="2"/>
+              </a:rPr>
+              <a:t>AI HUB </a:t>
+            </a:r>
+            <a:r>
+              <a:rPr lang="ko-KR" altLang="en-US" sz="1100" dirty="0">
+                <a:solidFill>
+                  <a:schemeClr val="dk2"/>
+                </a:solidFill>
+                <a:sym typeface="Wingdings" panose="05000000000000000000" pitchFamily="2" charset="2"/>
+              </a:rPr>
+              <a:t>데이터로 부터 같은 이름의 이미지를 복사 후 매칭</a:t>
+            </a:r>
+            <a:r>
+              <a:rPr lang="en-US" altLang="ko-KR" sz="1100" dirty="0">
+                <a:solidFill>
+                  <a:schemeClr val="dk2"/>
+                </a:solidFill>
+                <a:sym typeface="Wingdings" panose="05000000000000000000" pitchFamily="2" charset="2"/>
+              </a:rPr>
+              <a:t>.</a:t>
+            </a:r>
+          </a:p>
+          <a:p>
+            <a:pPr marL="171450" lvl="0" indent="-171450" algn="l" rtl="0">
+              <a:spcBef>
+                <a:spcPts val="0"/>
+              </a:spcBef>
+              <a:spcAft>
+                <a:spcPts val="0"/>
+              </a:spcAft>
+              <a:buFont typeface="Wingdings" panose="05000000000000000000" pitchFamily="2" charset="2"/>
+              <a:buChar char="à"/>
+            </a:pPr>
+            <a:r>
+              <a:rPr lang="ko-KR" altLang="en-US" sz="1100" dirty="0">
+                <a:solidFill>
+                  <a:schemeClr val="dk2"/>
+                </a:solidFill>
+                <a:sym typeface="Wingdings" panose="05000000000000000000" pitchFamily="2" charset="2"/>
+              </a:rPr>
+              <a:t>또한 이 이미지에 해당하는 추가 </a:t>
+            </a:r>
+            <a:r>
+              <a:rPr lang="en-US" altLang="ko-KR" sz="1100" dirty="0">
+                <a:solidFill>
+                  <a:schemeClr val="dk2"/>
+                </a:solidFill>
+                <a:sym typeface="Wingdings" panose="05000000000000000000" pitchFamily="2" charset="2"/>
+              </a:rPr>
+              <a:t>annotation</a:t>
+            </a:r>
+            <a:r>
+              <a:rPr lang="ko-KR" altLang="en-US" sz="1100" dirty="0">
+                <a:solidFill>
+                  <a:schemeClr val="dk2"/>
+                </a:solidFill>
+                <a:sym typeface="Wingdings" panose="05000000000000000000" pitchFamily="2" charset="2"/>
+              </a:rPr>
+              <a:t>을 복사</a:t>
+            </a:r>
+            <a:r>
+              <a:rPr lang="en-US" altLang="ko-KR" sz="1100" dirty="0">
+                <a:solidFill>
+                  <a:schemeClr val="dk2"/>
+                </a:solidFill>
+                <a:sym typeface="Wingdings" panose="05000000000000000000" pitchFamily="2" charset="2"/>
+              </a:rPr>
+              <a:t>.</a:t>
+            </a:r>
+            <a:r>
+              <a:rPr lang="ko-KR" altLang="en-US" sz="1100" dirty="0">
+                <a:solidFill>
+                  <a:schemeClr val="dk2"/>
+                </a:solidFill>
+                <a:sym typeface="Wingdings" panose="05000000000000000000" pitchFamily="2" charset="2"/>
+              </a:rPr>
+              <a:t> </a:t>
+            </a:r>
+            <a:endParaRPr lang="en-US" altLang="ko" sz="1100" dirty="0">
               <a:solidFill>
                 <a:schemeClr val="dk2"/>
               </a:solidFill>
@@ -5792,6 +5896,59 @@
               </a:rPr>
               <a:t>anno : 1676</a:t>
             </a:r>
+            <a:endParaRPr lang="en-US" altLang="ko" sz="1100" dirty="0">
+              <a:solidFill>
+                <a:schemeClr val="dk2"/>
+              </a:solidFill>
+            </a:endParaRPr>
+          </a:p>
+          <a:p>
+            <a:pPr marL="171450" lvl="0" indent="-171450" algn="l" rtl="0">
+              <a:spcBef>
+                <a:spcPts val="0"/>
+              </a:spcBef>
+              <a:spcAft>
+                <a:spcPts val="0"/>
+              </a:spcAft>
+              <a:buFont typeface="Wingdings" panose="05000000000000000000" pitchFamily="2" charset="2"/>
+              <a:buChar char="à"/>
+            </a:pPr>
+            <a:r>
+              <a:rPr lang="en-US" sz="1100" dirty="0">
+                <a:solidFill>
+                  <a:schemeClr val="dk2"/>
+                </a:solidFill>
+                <a:sym typeface="Wingdings" panose="05000000000000000000" pitchFamily="2" charset="2"/>
+              </a:rPr>
+              <a:t>MD5 checksum</a:t>
+            </a:r>
+            <a:r>
+              <a:rPr lang="ko-KR" altLang="en-US" sz="1100" dirty="0">
+                <a:solidFill>
+                  <a:schemeClr val="dk2"/>
+                </a:solidFill>
+                <a:sym typeface="Wingdings" panose="05000000000000000000" pitchFamily="2" charset="2"/>
+              </a:rPr>
+              <a:t>으로 이미지를 확인 후 이에 해당하는 </a:t>
+            </a:r>
+            <a:r>
+              <a:rPr lang="en-US" altLang="ko-KR" sz="1100" dirty="0">
+                <a:solidFill>
+                  <a:schemeClr val="dk2"/>
+                </a:solidFill>
+                <a:sym typeface="Wingdings" panose="05000000000000000000" pitchFamily="2" charset="2"/>
+              </a:rPr>
+              <a:t>annotation</a:t>
+            </a:r>
+            <a:r>
+              <a:rPr lang="ko-KR" altLang="en-US" sz="1100" dirty="0">
+                <a:solidFill>
+                  <a:schemeClr val="dk2"/>
+                </a:solidFill>
+                <a:sym typeface="Wingdings" panose="05000000000000000000" pitchFamily="2" charset="2"/>
+              </a:rPr>
+              <a:t> 복사 후 매칭</a:t>
+            </a:r>
             <a:endParaRPr sz="1100" dirty="0">
               <a:solidFill>
                 <a:schemeClr val="dk2"/>
@@ -5901,6 +6058,93 @@
               </a:rPr>
               <a:t> 개</a:t>
             </a:r>
+            <a:r>
+              <a:rPr lang="en-US" altLang="ko" sz="1100" dirty="0">
+                <a:solidFill>
+                  <a:schemeClr val="dk2"/>
+                </a:solidFill>
+              </a:rPr>
+              <a:t> </a:t>
+            </a:r>
+            <a:r>
+              <a:rPr lang="en-US" altLang="ko" sz="1100" dirty="0">
+                <a:solidFill>
+                  <a:schemeClr val="dk2"/>
+                </a:solidFill>
+                <a:sym typeface="Wingdings" panose="05000000000000000000" pitchFamily="2" charset="2"/>
+              </a:rPr>
+              <a:t> </a:t>
+            </a:r>
+            <a:r>
+              <a:rPr lang="ko-KR" altLang="en-US" sz="1100" dirty="0">
+                <a:solidFill>
+                  <a:schemeClr val="dk2"/>
+                </a:solidFill>
+                <a:sym typeface="Wingdings" panose="05000000000000000000" pitchFamily="2" charset="2"/>
+              </a:rPr>
+              <a:t>모두 </a:t>
+            </a:r>
+            <a:r>
+              <a:rPr lang="ko" altLang="ko-KR" sz="1100" b="1" dirty="0">
+                <a:solidFill>
+                  <a:schemeClr val="dk2"/>
+                </a:solidFill>
+              </a:rPr>
+              <a:t>category_id</a:t>
+            </a:r>
+            <a:r>
+              <a:rPr lang="en-US" altLang="ko-KR" sz="1100" dirty="0">
+                <a:solidFill>
+                  <a:schemeClr val="dk2"/>
+                </a:solidFill>
+                <a:sym typeface="Wingdings" panose="05000000000000000000" pitchFamily="2" charset="2"/>
+              </a:rPr>
+              <a:t> </a:t>
+            </a:r>
+            <a:r>
+              <a:rPr lang="ko-KR" altLang="en-US" sz="1100" dirty="0">
+                <a:solidFill>
+                  <a:schemeClr val="dk2"/>
+                </a:solidFill>
+                <a:sym typeface="Wingdings" panose="05000000000000000000" pitchFamily="2" charset="2"/>
+              </a:rPr>
+              <a:t>를 </a:t>
+            </a:r>
+            <a:r>
+              <a:rPr lang="ko" altLang="ko-KR" sz="1100" b="1" dirty="0">
+                <a:solidFill>
+                  <a:schemeClr val="dk2"/>
+                </a:solidFill>
+              </a:rPr>
+              <a:t>dl_idx</a:t>
+            </a:r>
+            <a:r>
+              <a:rPr lang="en-US" altLang="ko-KR" sz="1100" dirty="0">
+                <a:solidFill>
+                  <a:schemeClr val="dk2"/>
+                </a:solidFill>
+                <a:sym typeface="Wingdings" panose="05000000000000000000" pitchFamily="2" charset="2"/>
+              </a:rPr>
+              <a:t> </a:t>
+            </a:r>
+            <a:r>
+              <a:rPr lang="ko-KR" altLang="en-US" sz="1100" dirty="0">
+                <a:solidFill>
+                  <a:schemeClr val="dk2"/>
+                </a:solidFill>
+                <a:sym typeface="Wingdings" panose="05000000000000000000" pitchFamily="2" charset="2"/>
+              </a:rPr>
+              <a:t>로 수정</a:t>
+            </a:r>
+            <a:r>
+              <a:rPr lang="en-US" altLang="ko-KR" sz="1100" dirty="0">
+                <a:solidFill>
+                  <a:schemeClr val="dk2"/>
+                </a:solidFill>
+                <a:sym typeface="Wingdings" panose="05000000000000000000" pitchFamily="2" charset="2"/>
+              </a:rPr>
+              <a:t>.</a:t>
+            </a:r>
             <a:endParaRPr sz="1100" dirty="0">
               <a:solidFill>
                 <a:schemeClr val="dk2"/>
@@ -5972,6 +6216,102 @@
                 </a:solidFill>
               </a:rPr>
               <a:t>개</a:t>
+            </a:r>
+            <a:r>
+              <a:rPr lang="en-US" altLang="ko" sz="1100" dirty="0">
+                <a:solidFill>
+                  <a:schemeClr val="dk2"/>
+                </a:solidFill>
+              </a:rPr>
+              <a:t>.</a:t>
+            </a:r>
+            <a:r>
+              <a:rPr lang="ko" altLang="ko-KR" sz="1100" b="1" dirty="0">
+                <a:solidFill>
+                  <a:schemeClr val="dk2"/>
+                </a:solidFill>
+              </a:rPr>
+              <a:t> 이미지(X)/어노테이션(O)</a:t>
+            </a:r>
+            <a:r>
+              <a:rPr lang="en-US" altLang="ko" sz="1100" b="1" dirty="0">
+                <a:solidFill>
+                  <a:schemeClr val="dk2"/>
+                </a:solidFill>
+              </a:rPr>
+              <a:t> </a:t>
+            </a:r>
+            <a:r>
+              <a:rPr lang="ko-KR" altLang="en-US" sz="1100" b="1" dirty="0">
+                <a:solidFill>
+                  <a:schemeClr val="dk2"/>
+                </a:solidFill>
+              </a:rPr>
+              <a:t>에서 추가 </a:t>
+            </a:r>
+            <a:r>
+              <a:rPr lang="en-US" altLang="ko-KR" sz="1100" b="1" dirty="0">
+                <a:solidFill>
+                  <a:schemeClr val="dk2"/>
+                </a:solidFill>
+              </a:rPr>
+              <a:t>annotation </a:t>
+            </a:r>
+            <a:r>
+              <a:rPr lang="ko-KR" altLang="en-US" sz="1100" b="1" dirty="0">
+                <a:solidFill>
+                  <a:schemeClr val="dk2"/>
+                </a:solidFill>
+              </a:rPr>
+              <a:t>복사 중 생긴 것으로</a:t>
+            </a:r>
+            <a:r>
+              <a:rPr lang="en-US" altLang="ko-KR" sz="1100" b="1" dirty="0">
+                <a:solidFill>
+                  <a:schemeClr val="dk2"/>
+                </a:solidFill>
+              </a:rPr>
+              <a:t>, </a:t>
+            </a:r>
+            <a:r>
+              <a:rPr lang="en-US" altLang="ko-KR" sz="1100" b="1" dirty="0" err="1">
+                <a:solidFill>
+                  <a:schemeClr val="dk2"/>
+                </a:solidFill>
+              </a:rPr>
+              <a:t>category_id</a:t>
+            </a:r>
+            <a:r>
+              <a:rPr lang="ko-KR" altLang="en-US" sz="1100" b="1" dirty="0">
+                <a:solidFill>
+                  <a:schemeClr val="dk2"/>
+                </a:solidFill>
+              </a:rPr>
+              <a:t>와 </a:t>
+            </a:r>
+            <a:r>
+              <a:rPr lang="en-US" altLang="ko-KR" sz="1100" b="1" dirty="0" err="1">
+                <a:solidFill>
+                  <a:schemeClr val="dk2"/>
+                </a:solidFill>
+              </a:rPr>
+              <a:t>bbox</a:t>
+            </a:r>
+            <a:r>
+              <a:rPr lang="ko-KR" altLang="en-US" sz="1100" b="1" dirty="0">
+                <a:solidFill>
+                  <a:schemeClr val="dk2"/>
+                </a:solidFill>
+              </a:rPr>
+              <a:t>가 동일한 경우 하나는 삭제</a:t>
+            </a:r>
+            <a:r>
+              <a:rPr lang="en-US" altLang="ko-KR" sz="1100" b="1" dirty="0">
+                <a:solidFill>
+                  <a:schemeClr val="dk2"/>
+                </a:solidFill>
+              </a:rPr>
+              <a:t>.</a:t>
             </a:r>
             <a:endParaRPr sz="1100" dirty="0">
               <a:solidFill>

--- a/files/eda_study.pptx
+++ b/files/eda_study.pptx
@@ -3396,7 +3396,7 @@
         <p:spPr>
           <a:xfrm>
             <a:off x="583709" y="345588"/>
-            <a:ext cx="838691" cy="369332"/>
+            <a:ext cx="907621" cy="369332"/>
           </a:xfrm>
           <a:prstGeom prst="rect">
             <a:avLst/>
@@ -3415,7 +3415,7 @@
                   <a:schemeClr val="accent4"/>
                 </a:solidFill>
               </a:rPr>
-              <a:t>Part 1</a:t>
+              <a:t>Part 4</a:t>
             </a:r>
             <a:endParaRPr lang="ko-KR" altLang="en-US" dirty="0">
               <a:solidFill>
@@ -4136,7 +4136,7 @@
         <p:spPr>
           <a:xfrm>
             <a:off x="583709" y="345588"/>
-            <a:ext cx="885179" cy="369332"/>
+            <a:ext cx="907621" cy="369332"/>
           </a:xfrm>
           <a:prstGeom prst="rect">
             <a:avLst/>
@@ -4155,7 +4155,7 @@
                   <a:schemeClr val="accent4"/>
                 </a:solidFill>
               </a:rPr>
-              <a:t>Part 2</a:t>
+              <a:t>Part 4</a:t>
             </a:r>
             <a:endParaRPr lang="ko-KR" altLang="en-US" dirty="0">
               <a:solidFill>
@@ -4388,7 +4388,7 @@
         <p:spPr>
           <a:xfrm>
             <a:off x="583709" y="345588"/>
-            <a:ext cx="885179" cy="369332"/>
+            <a:ext cx="907621" cy="369332"/>
           </a:xfrm>
           <a:prstGeom prst="rect">
             <a:avLst/>
@@ -4407,7 +4407,7 @@
                   <a:schemeClr val="accent4"/>
                 </a:solidFill>
               </a:rPr>
-              <a:t>Part 3</a:t>
+              <a:t>Part 4</a:t>
             </a:r>
             <a:endParaRPr lang="ko-KR" altLang="en-US" dirty="0">
               <a:solidFill>
